--- a/images/ROS_Web_App_Architecture.pptx
+++ b/images/ROS_Web_App_Architecture.pptx
@@ -41,7 +41,7 @@
             <a:spLocks noGrp="1"/>
           </p:cNvSpPr>
           <p:nvPr>
-            <p:ph type="ftr" idx="2"/>
+            <p:ph type="ftr" idx="1"/>
           </p:nvPr>
         </p:nvSpPr>
         <p:spPr/>
@@ -61,14 +61,14 @@
             <a:spLocks noGrp="1"/>
           </p:cNvSpPr>
           <p:nvPr>
-            <p:ph type="sldNum" idx="3"/>
+            <p:ph type="sldNum" idx="2"/>
           </p:nvPr>
         </p:nvSpPr>
         <p:spPr/>
         <p:txBody>
           <a:bodyPr/>
           <a:p>
-            <a:fld id="{A735E459-9EB6-4EC2-886C-226D0BAF13A8}" type="slidenum">
+            <a:fld id="{6F975628-BBF1-4727-A630-18B74ADD9AF7}" type="slidenum">
               <a:t>&lt;#&gt;</a:t>
             </a:fld>
           </a:p>
@@ -81,7 +81,7 @@
             <a:spLocks noGrp="1"/>
           </p:cNvSpPr>
           <p:nvPr>
-            <p:ph type="dt" idx="1"/>
+            <p:ph type="dt" idx="3"/>
           </p:nvPr>
         </p:nvSpPr>
         <p:spPr/>
@@ -129,8 +129,8 @@
         </p:nvSpPr>
         <p:spPr>
           <a:xfrm>
-            <a:off x="838080" y="365040"/>
-            <a:ext cx="10515240" cy="1325160"/>
+            <a:off x="609480" y="273600"/>
+            <a:ext cx="10972440" cy="1144800"/>
           </a:xfrm>
           <a:prstGeom prst="rect">
             <a:avLst/>
@@ -145,11 +145,11 @@
             <a:noAutofit/>
           </a:bodyPr>
           <a:p>
-            <a:endParaRPr b="0" lang="de-DE" sz="1800" spc="-1" strike="noStrike">
-              <a:solidFill>
-                <a:srgbClr val="000000"/>
-              </a:solidFill>
-              <a:latin typeface="Aptos"/>
+            <a:pPr algn="ctr">
+              <a:buNone/>
+            </a:pPr>
+            <a:endParaRPr b="0" lang="en-US" sz="4400" spc="-1" strike="noStrike">
+              <a:latin typeface="Arial"/>
             </a:endParaRPr>
           </a:p>
         </p:txBody>
@@ -166,8 +166,8 @@
         </p:nvSpPr>
         <p:spPr>
           <a:xfrm>
-            <a:off x="838080" y="1825560"/>
-            <a:ext cx="10515240" cy="2075040"/>
+            <a:off x="609480" y="1604520"/>
+            <a:ext cx="10972440" cy="1896840"/>
           </a:xfrm>
           <a:prstGeom prst="rect">
             <a:avLst/>
@@ -182,20 +182,8 @@
             <a:normAutofit/>
           </a:bodyPr>
           <a:p>
-            <a:pPr>
-              <a:lnSpc>
-                <a:spcPct val="90000"/>
-              </a:lnSpc>
-              <a:spcBef>
-                <a:spcPts val="1417"/>
-              </a:spcBef>
-              <a:buNone/>
-            </a:pPr>
-            <a:endParaRPr b="0" lang="de-DE" sz="2800" spc="-1" strike="noStrike">
-              <a:solidFill>
-                <a:srgbClr val="000000"/>
-              </a:solidFill>
-              <a:latin typeface="Aptos"/>
+            <a:endParaRPr b="0" lang="en-US" sz="3200" spc="-1" strike="noStrike">
+              <a:latin typeface="Arial"/>
             </a:endParaRPr>
           </a:p>
         </p:txBody>
@@ -212,8 +200,8 @@
         </p:nvSpPr>
         <p:spPr>
           <a:xfrm>
-            <a:off x="838080" y="4098240"/>
-            <a:ext cx="10515240" cy="2075040"/>
+            <a:off x="609480" y="3682080"/>
+            <a:ext cx="10972440" cy="1896840"/>
           </a:xfrm>
           <a:prstGeom prst="rect">
             <a:avLst/>
@@ -228,20 +216,8 @@
             <a:normAutofit/>
           </a:bodyPr>
           <a:p>
-            <a:pPr>
-              <a:lnSpc>
-                <a:spcPct val="90000"/>
-              </a:lnSpc>
-              <a:spcBef>
-                <a:spcPts val="1417"/>
-              </a:spcBef>
-              <a:buNone/>
-            </a:pPr>
-            <a:endParaRPr b="0" lang="de-DE" sz="2800" spc="-1" strike="noStrike">
-              <a:solidFill>
-                <a:srgbClr val="000000"/>
-              </a:solidFill>
-              <a:latin typeface="Aptos"/>
+            <a:endParaRPr b="0" lang="en-US" sz="3200" spc="-1" strike="noStrike">
+              <a:latin typeface="Arial"/>
             </a:endParaRPr>
           </a:p>
         </p:txBody>
@@ -253,7 +229,7 @@
             <a:spLocks noGrp="1"/>
           </p:cNvSpPr>
           <p:nvPr>
-            <p:ph type="ftr" idx="2"/>
+            <p:ph type="ftr" idx="1"/>
           </p:nvPr>
         </p:nvSpPr>
         <p:spPr/>
@@ -273,14 +249,14 @@
             <a:spLocks noGrp="1"/>
           </p:cNvSpPr>
           <p:nvPr>
-            <p:ph type="sldNum" idx="3"/>
+            <p:ph type="sldNum" idx="2"/>
           </p:nvPr>
         </p:nvSpPr>
         <p:spPr/>
         <p:txBody>
           <a:bodyPr/>
           <a:p>
-            <a:fld id="{87B5C5BF-F833-463E-9F13-81C961C6FF51}" type="slidenum">
+            <a:fld id="{13FFEBA8-78C6-4A10-9EE8-A494BFE4C0A9}" type="slidenum">
               <a:t>&lt;#&gt;</a:t>
             </a:fld>
           </a:p>
@@ -293,7 +269,7 @@
             <a:spLocks noGrp="1"/>
           </p:cNvSpPr>
           <p:nvPr>
-            <p:ph type="dt" idx="1"/>
+            <p:ph type="dt" idx="3"/>
           </p:nvPr>
         </p:nvSpPr>
         <p:spPr/>
@@ -341,8 +317,8 @@
         </p:nvSpPr>
         <p:spPr>
           <a:xfrm>
-            <a:off x="838080" y="365040"/>
-            <a:ext cx="10515240" cy="1325160"/>
+            <a:off x="609480" y="273600"/>
+            <a:ext cx="10972440" cy="1144800"/>
           </a:xfrm>
           <a:prstGeom prst="rect">
             <a:avLst/>
@@ -357,11 +333,11 @@
             <a:noAutofit/>
           </a:bodyPr>
           <a:p>
-            <a:endParaRPr b="0" lang="de-DE" sz="1800" spc="-1" strike="noStrike">
-              <a:solidFill>
-                <a:srgbClr val="000000"/>
-              </a:solidFill>
-              <a:latin typeface="Aptos"/>
+            <a:pPr algn="ctr">
+              <a:buNone/>
+            </a:pPr>
+            <a:endParaRPr b="0" lang="en-US" sz="4400" spc="-1" strike="noStrike">
+              <a:latin typeface="Arial"/>
             </a:endParaRPr>
           </a:p>
         </p:txBody>
@@ -378,8 +354,8 @@
         </p:nvSpPr>
         <p:spPr>
           <a:xfrm>
-            <a:off x="838080" y="1825560"/>
-            <a:ext cx="5131080" cy="2075040"/>
+            <a:off x="609480" y="1604520"/>
+            <a:ext cx="5354280" cy="1896840"/>
           </a:xfrm>
           <a:prstGeom prst="rect">
             <a:avLst/>
@@ -394,20 +370,8 @@
             <a:normAutofit/>
           </a:bodyPr>
           <a:p>
-            <a:pPr>
-              <a:lnSpc>
-                <a:spcPct val="90000"/>
-              </a:lnSpc>
-              <a:spcBef>
-                <a:spcPts val="1417"/>
-              </a:spcBef>
-              <a:buNone/>
-            </a:pPr>
-            <a:endParaRPr b="0" lang="de-DE" sz="2800" spc="-1" strike="noStrike">
-              <a:solidFill>
-                <a:srgbClr val="000000"/>
-              </a:solidFill>
-              <a:latin typeface="Aptos"/>
+            <a:endParaRPr b="0" lang="en-US" sz="3200" spc="-1" strike="noStrike">
+              <a:latin typeface="Arial"/>
             </a:endParaRPr>
           </a:p>
         </p:txBody>
@@ -424,8 +388,8 @@
         </p:nvSpPr>
         <p:spPr>
           <a:xfrm>
-            <a:off x="6226200" y="1825560"/>
-            <a:ext cx="5131080" cy="2075040"/>
+            <a:off x="6231960" y="1604520"/>
+            <a:ext cx="5354280" cy="1896840"/>
           </a:xfrm>
           <a:prstGeom prst="rect">
             <a:avLst/>
@@ -440,20 +404,8 @@
             <a:normAutofit/>
           </a:bodyPr>
           <a:p>
-            <a:pPr>
-              <a:lnSpc>
-                <a:spcPct val="90000"/>
-              </a:lnSpc>
-              <a:spcBef>
-                <a:spcPts val="1417"/>
-              </a:spcBef>
-              <a:buNone/>
-            </a:pPr>
-            <a:endParaRPr b="0" lang="de-DE" sz="2800" spc="-1" strike="noStrike">
-              <a:solidFill>
-                <a:srgbClr val="000000"/>
-              </a:solidFill>
-              <a:latin typeface="Aptos"/>
+            <a:endParaRPr b="0" lang="en-US" sz="3200" spc="-1" strike="noStrike">
+              <a:latin typeface="Arial"/>
             </a:endParaRPr>
           </a:p>
         </p:txBody>
@@ -470,8 +422,8 @@
         </p:nvSpPr>
         <p:spPr>
           <a:xfrm>
-            <a:off x="838080" y="4098240"/>
-            <a:ext cx="5131080" cy="2075040"/>
+            <a:off x="609480" y="3682080"/>
+            <a:ext cx="5354280" cy="1896840"/>
           </a:xfrm>
           <a:prstGeom prst="rect">
             <a:avLst/>
@@ -486,20 +438,8 @@
             <a:normAutofit/>
           </a:bodyPr>
           <a:p>
-            <a:pPr>
-              <a:lnSpc>
-                <a:spcPct val="90000"/>
-              </a:lnSpc>
-              <a:spcBef>
-                <a:spcPts val="1417"/>
-              </a:spcBef>
-              <a:buNone/>
-            </a:pPr>
-            <a:endParaRPr b="0" lang="de-DE" sz="2800" spc="-1" strike="noStrike">
-              <a:solidFill>
-                <a:srgbClr val="000000"/>
-              </a:solidFill>
-              <a:latin typeface="Aptos"/>
+            <a:endParaRPr b="0" lang="en-US" sz="3200" spc="-1" strike="noStrike">
+              <a:latin typeface="Arial"/>
             </a:endParaRPr>
           </a:p>
         </p:txBody>
@@ -516,8 +456,8 @@
         </p:nvSpPr>
         <p:spPr>
           <a:xfrm>
-            <a:off x="6226200" y="4098240"/>
-            <a:ext cx="5131080" cy="2075040"/>
+            <a:off x="6231960" y="3682080"/>
+            <a:ext cx="5354280" cy="1896840"/>
           </a:xfrm>
           <a:prstGeom prst="rect">
             <a:avLst/>
@@ -532,20 +472,8 @@
             <a:normAutofit/>
           </a:bodyPr>
           <a:p>
-            <a:pPr>
-              <a:lnSpc>
-                <a:spcPct val="90000"/>
-              </a:lnSpc>
-              <a:spcBef>
-                <a:spcPts val="1417"/>
-              </a:spcBef>
-              <a:buNone/>
-            </a:pPr>
-            <a:endParaRPr b="0" lang="de-DE" sz="2800" spc="-1" strike="noStrike">
-              <a:solidFill>
-                <a:srgbClr val="000000"/>
-              </a:solidFill>
-              <a:latin typeface="Aptos"/>
+            <a:endParaRPr b="0" lang="en-US" sz="3200" spc="-1" strike="noStrike">
+              <a:latin typeface="Arial"/>
             </a:endParaRPr>
           </a:p>
         </p:txBody>
@@ -557,7 +485,7 @@
             <a:spLocks noGrp="1"/>
           </p:cNvSpPr>
           <p:nvPr>
-            <p:ph type="ftr" idx="2"/>
+            <p:ph type="ftr" idx="1"/>
           </p:nvPr>
         </p:nvSpPr>
         <p:spPr/>
@@ -577,14 +505,14 @@
             <a:spLocks noGrp="1"/>
           </p:cNvSpPr>
           <p:nvPr>
-            <p:ph type="sldNum" idx="3"/>
+            <p:ph type="sldNum" idx="2"/>
           </p:nvPr>
         </p:nvSpPr>
         <p:spPr/>
         <p:txBody>
           <a:bodyPr/>
           <a:p>
-            <a:fld id="{D9B061A1-AAA5-4A70-840A-83385B7A99D4}" type="slidenum">
+            <a:fld id="{4E86AF53-A6B1-4055-8501-0F0784530B4E}" type="slidenum">
               <a:t>&lt;#&gt;</a:t>
             </a:fld>
           </a:p>
@@ -597,7 +525,7 @@
             <a:spLocks noGrp="1"/>
           </p:cNvSpPr>
           <p:nvPr>
-            <p:ph type="dt" idx="1"/>
+            <p:ph type="dt" idx="3"/>
           </p:nvPr>
         </p:nvSpPr>
         <p:spPr/>
@@ -645,8 +573,8 @@
         </p:nvSpPr>
         <p:spPr>
           <a:xfrm>
-            <a:off x="838080" y="365040"/>
-            <a:ext cx="10515240" cy="1325160"/>
+            <a:off x="609480" y="273600"/>
+            <a:ext cx="10972440" cy="1144800"/>
           </a:xfrm>
           <a:prstGeom prst="rect">
             <a:avLst/>
@@ -661,11 +589,11 @@
             <a:noAutofit/>
           </a:bodyPr>
           <a:p>
-            <a:endParaRPr b="0" lang="de-DE" sz="1800" spc="-1" strike="noStrike">
-              <a:solidFill>
-                <a:srgbClr val="000000"/>
-              </a:solidFill>
-              <a:latin typeface="Aptos"/>
+            <a:pPr algn="ctr">
+              <a:buNone/>
+            </a:pPr>
+            <a:endParaRPr b="0" lang="en-US" sz="4400" spc="-1" strike="noStrike">
+              <a:latin typeface="Arial"/>
             </a:endParaRPr>
           </a:p>
         </p:txBody>
@@ -682,8 +610,8 @@
         </p:nvSpPr>
         <p:spPr>
           <a:xfrm>
-            <a:off x="838080" y="1825560"/>
-            <a:ext cx="3385800" cy="2075040"/>
+            <a:off x="609480" y="1604520"/>
+            <a:ext cx="3533040" cy="1896840"/>
           </a:xfrm>
           <a:prstGeom prst="rect">
             <a:avLst/>
@@ -698,20 +626,8 @@
             <a:normAutofit/>
           </a:bodyPr>
           <a:p>
-            <a:pPr>
-              <a:lnSpc>
-                <a:spcPct val="90000"/>
-              </a:lnSpc>
-              <a:spcBef>
-                <a:spcPts val="1417"/>
-              </a:spcBef>
-              <a:buNone/>
-            </a:pPr>
-            <a:endParaRPr b="0" lang="de-DE" sz="2800" spc="-1" strike="noStrike">
-              <a:solidFill>
-                <a:srgbClr val="000000"/>
-              </a:solidFill>
-              <a:latin typeface="Aptos"/>
+            <a:endParaRPr b="0" lang="en-US" sz="3200" spc="-1" strike="noStrike">
+              <a:latin typeface="Arial"/>
             </a:endParaRPr>
           </a:p>
         </p:txBody>
@@ -728,8 +644,8 @@
         </p:nvSpPr>
         <p:spPr>
           <a:xfrm>
-            <a:off x="4393440" y="1825560"/>
-            <a:ext cx="3385800" cy="2075040"/>
+            <a:off x="4319640" y="1604520"/>
+            <a:ext cx="3533040" cy="1896840"/>
           </a:xfrm>
           <a:prstGeom prst="rect">
             <a:avLst/>
@@ -744,20 +660,8 @@
             <a:normAutofit/>
           </a:bodyPr>
           <a:p>
-            <a:pPr>
-              <a:lnSpc>
-                <a:spcPct val="90000"/>
-              </a:lnSpc>
-              <a:spcBef>
-                <a:spcPts val="1417"/>
-              </a:spcBef>
-              <a:buNone/>
-            </a:pPr>
-            <a:endParaRPr b="0" lang="de-DE" sz="2800" spc="-1" strike="noStrike">
-              <a:solidFill>
-                <a:srgbClr val="000000"/>
-              </a:solidFill>
-              <a:latin typeface="Aptos"/>
+            <a:endParaRPr b="0" lang="en-US" sz="3200" spc="-1" strike="noStrike">
+              <a:latin typeface="Arial"/>
             </a:endParaRPr>
           </a:p>
         </p:txBody>
@@ -774,8 +678,8 @@
         </p:nvSpPr>
         <p:spPr>
           <a:xfrm>
-            <a:off x="7949160" y="1825560"/>
-            <a:ext cx="3385800" cy="2075040"/>
+            <a:off x="8029800" y="1604520"/>
+            <a:ext cx="3533040" cy="1896840"/>
           </a:xfrm>
           <a:prstGeom prst="rect">
             <a:avLst/>
@@ -790,20 +694,8 @@
             <a:normAutofit/>
           </a:bodyPr>
           <a:p>
-            <a:pPr>
-              <a:lnSpc>
-                <a:spcPct val="90000"/>
-              </a:lnSpc>
-              <a:spcBef>
-                <a:spcPts val="1417"/>
-              </a:spcBef>
-              <a:buNone/>
-            </a:pPr>
-            <a:endParaRPr b="0" lang="de-DE" sz="2800" spc="-1" strike="noStrike">
-              <a:solidFill>
-                <a:srgbClr val="000000"/>
-              </a:solidFill>
-              <a:latin typeface="Aptos"/>
+            <a:endParaRPr b="0" lang="en-US" sz="3200" spc="-1" strike="noStrike">
+              <a:latin typeface="Arial"/>
             </a:endParaRPr>
           </a:p>
         </p:txBody>
@@ -820,8 +712,8 @@
         </p:nvSpPr>
         <p:spPr>
           <a:xfrm>
-            <a:off x="838080" y="4098240"/>
-            <a:ext cx="3385800" cy="2075040"/>
+            <a:off x="609480" y="3682080"/>
+            <a:ext cx="3533040" cy="1896840"/>
           </a:xfrm>
           <a:prstGeom prst="rect">
             <a:avLst/>
@@ -836,20 +728,8 @@
             <a:normAutofit/>
           </a:bodyPr>
           <a:p>
-            <a:pPr>
-              <a:lnSpc>
-                <a:spcPct val="90000"/>
-              </a:lnSpc>
-              <a:spcBef>
-                <a:spcPts val="1417"/>
-              </a:spcBef>
-              <a:buNone/>
-            </a:pPr>
-            <a:endParaRPr b="0" lang="de-DE" sz="2800" spc="-1" strike="noStrike">
-              <a:solidFill>
-                <a:srgbClr val="000000"/>
-              </a:solidFill>
-              <a:latin typeface="Aptos"/>
+            <a:endParaRPr b="0" lang="en-US" sz="3200" spc="-1" strike="noStrike">
+              <a:latin typeface="Arial"/>
             </a:endParaRPr>
           </a:p>
         </p:txBody>
@@ -866,8 +746,8 @@
         </p:nvSpPr>
         <p:spPr>
           <a:xfrm>
-            <a:off x="4393440" y="4098240"/>
-            <a:ext cx="3385800" cy="2075040"/>
+            <a:off x="4319640" y="3682080"/>
+            <a:ext cx="3533040" cy="1896840"/>
           </a:xfrm>
           <a:prstGeom prst="rect">
             <a:avLst/>
@@ -882,20 +762,8 @@
             <a:normAutofit/>
           </a:bodyPr>
           <a:p>
-            <a:pPr>
-              <a:lnSpc>
-                <a:spcPct val="90000"/>
-              </a:lnSpc>
-              <a:spcBef>
-                <a:spcPts val="1417"/>
-              </a:spcBef>
-              <a:buNone/>
-            </a:pPr>
-            <a:endParaRPr b="0" lang="de-DE" sz="2800" spc="-1" strike="noStrike">
-              <a:solidFill>
-                <a:srgbClr val="000000"/>
-              </a:solidFill>
-              <a:latin typeface="Aptos"/>
+            <a:endParaRPr b="0" lang="en-US" sz="3200" spc="-1" strike="noStrike">
+              <a:latin typeface="Arial"/>
             </a:endParaRPr>
           </a:p>
         </p:txBody>
@@ -912,8 +780,8 @@
         </p:nvSpPr>
         <p:spPr>
           <a:xfrm>
-            <a:off x="7949160" y="4098240"/>
-            <a:ext cx="3385800" cy="2075040"/>
+            <a:off x="8029800" y="3682080"/>
+            <a:ext cx="3533040" cy="1896840"/>
           </a:xfrm>
           <a:prstGeom prst="rect">
             <a:avLst/>
@@ -928,20 +796,8 @@
             <a:normAutofit/>
           </a:bodyPr>
           <a:p>
-            <a:pPr>
-              <a:lnSpc>
-                <a:spcPct val="90000"/>
-              </a:lnSpc>
-              <a:spcBef>
-                <a:spcPts val="1417"/>
-              </a:spcBef>
-              <a:buNone/>
-            </a:pPr>
-            <a:endParaRPr b="0" lang="de-DE" sz="2800" spc="-1" strike="noStrike">
-              <a:solidFill>
-                <a:srgbClr val="000000"/>
-              </a:solidFill>
-              <a:latin typeface="Aptos"/>
+            <a:endParaRPr b="0" lang="en-US" sz="3200" spc="-1" strike="noStrike">
+              <a:latin typeface="Arial"/>
             </a:endParaRPr>
           </a:p>
         </p:txBody>
@@ -953,7 +809,7 @@
             <a:spLocks noGrp="1"/>
           </p:cNvSpPr>
           <p:nvPr>
-            <p:ph type="ftr" idx="2"/>
+            <p:ph type="ftr" idx="1"/>
           </p:nvPr>
         </p:nvSpPr>
         <p:spPr/>
@@ -973,14 +829,14 @@
             <a:spLocks noGrp="1"/>
           </p:cNvSpPr>
           <p:nvPr>
-            <p:ph type="sldNum" idx="3"/>
+            <p:ph type="sldNum" idx="2"/>
           </p:nvPr>
         </p:nvSpPr>
         <p:spPr/>
         <p:txBody>
           <a:bodyPr/>
           <a:p>
-            <a:fld id="{7C21374E-7983-484A-872C-838082C77012}" type="slidenum">
+            <a:fld id="{45BDBD91-AA2A-4E1B-A953-318385BE8BF1}" type="slidenum">
               <a:t>&lt;#&gt;</a:t>
             </a:fld>
           </a:p>
@@ -993,7 +849,7 @@
             <a:spLocks noGrp="1"/>
           </p:cNvSpPr>
           <p:nvPr>
-            <p:ph type="dt" idx="1"/>
+            <p:ph type="dt" idx="3"/>
           </p:nvPr>
         </p:nvSpPr>
         <p:spPr/>
@@ -1036,7 +892,7 @@
             <a:spLocks noGrp="1"/>
           </p:cNvSpPr>
           <p:nvPr>
-            <p:ph type="ftr" idx="5"/>
+            <p:ph type="ftr" idx="4"/>
           </p:nvPr>
         </p:nvSpPr>
         <p:spPr/>
@@ -1056,14 +912,14 @@
             <a:spLocks noGrp="1"/>
           </p:cNvSpPr>
           <p:nvPr>
-            <p:ph type="sldNum" idx="6"/>
+            <p:ph type="sldNum" idx="5"/>
           </p:nvPr>
         </p:nvSpPr>
         <p:spPr/>
         <p:txBody>
           <a:bodyPr/>
           <a:p>
-            <a:fld id="{9D88B916-6031-4339-850C-C0EAC53EB956}" type="slidenum">
+            <a:fld id="{7C4B0E3D-E98C-46E3-9559-12CC1752713A}" type="slidenum">
               <a:t>&lt;#&gt;</a:t>
             </a:fld>
           </a:p>
@@ -1076,7 +932,7 @@
             <a:spLocks noGrp="1"/>
           </p:cNvSpPr>
           <p:nvPr>
-            <p:ph type="dt" idx="4"/>
+            <p:ph type="dt" idx="6"/>
           </p:nvPr>
         </p:nvSpPr>
         <p:spPr/>
@@ -1124,8 +980,8 @@
         </p:nvSpPr>
         <p:spPr>
           <a:xfrm>
-            <a:off x="838080" y="365040"/>
-            <a:ext cx="10515240" cy="1325160"/>
+            <a:off x="609480" y="273600"/>
+            <a:ext cx="10972440" cy="1144800"/>
           </a:xfrm>
           <a:prstGeom prst="rect">
             <a:avLst/>
@@ -1140,11 +996,11 @@
             <a:noAutofit/>
           </a:bodyPr>
           <a:p>
-            <a:endParaRPr b="0" lang="de-DE" sz="1800" spc="-1" strike="noStrike">
-              <a:solidFill>
-                <a:srgbClr val="000000"/>
-              </a:solidFill>
-              <a:latin typeface="Aptos"/>
+            <a:pPr algn="ctr">
+              <a:buNone/>
+            </a:pPr>
+            <a:endParaRPr b="0" lang="en-US" sz="4400" spc="-1" strike="noStrike">
+              <a:latin typeface="Arial"/>
             </a:endParaRPr>
           </a:p>
         </p:txBody>
@@ -1161,8 +1017,8 @@
         </p:nvSpPr>
         <p:spPr>
           <a:xfrm>
-            <a:off x="838080" y="1825560"/>
-            <a:ext cx="10515240" cy="4350960"/>
+            <a:off x="609480" y="1604520"/>
+            <a:ext cx="10972440" cy="3977280"/>
           </a:xfrm>
           <a:prstGeom prst="rect">
             <a:avLst/>
@@ -1193,7 +1049,7 @@
             <a:spLocks noGrp="1"/>
           </p:cNvSpPr>
           <p:nvPr>
-            <p:ph type="ftr" idx="5"/>
+            <p:ph type="ftr" idx="4"/>
           </p:nvPr>
         </p:nvSpPr>
         <p:spPr/>
@@ -1213,14 +1069,14 @@
             <a:spLocks noGrp="1"/>
           </p:cNvSpPr>
           <p:nvPr>
-            <p:ph type="sldNum" idx="6"/>
+            <p:ph type="sldNum" idx="5"/>
           </p:nvPr>
         </p:nvSpPr>
         <p:spPr/>
         <p:txBody>
           <a:bodyPr/>
           <a:p>
-            <a:fld id="{93286401-B6B1-4775-B7E9-59909D83FDC3}" type="slidenum">
+            <a:fld id="{37BDE20C-DA69-430E-A980-9F0EC92E0DE5}" type="slidenum">
               <a:t>&lt;#&gt;</a:t>
             </a:fld>
           </a:p>
@@ -1233,7 +1089,7 @@
             <a:spLocks noGrp="1"/>
           </p:cNvSpPr>
           <p:nvPr>
-            <p:ph type="dt" idx="4"/>
+            <p:ph type="dt" idx="6"/>
           </p:nvPr>
         </p:nvSpPr>
         <p:spPr/>
@@ -1281,8 +1137,8 @@
         </p:nvSpPr>
         <p:spPr>
           <a:xfrm>
-            <a:off x="838080" y="365040"/>
-            <a:ext cx="10515240" cy="1325160"/>
+            <a:off x="609480" y="273600"/>
+            <a:ext cx="10972440" cy="1144800"/>
           </a:xfrm>
           <a:prstGeom prst="rect">
             <a:avLst/>
@@ -1297,11 +1153,11 @@
             <a:noAutofit/>
           </a:bodyPr>
           <a:p>
-            <a:endParaRPr b="0" lang="de-DE" sz="1800" spc="-1" strike="noStrike">
-              <a:solidFill>
-                <a:srgbClr val="000000"/>
-              </a:solidFill>
-              <a:latin typeface="Aptos"/>
+            <a:pPr algn="ctr">
+              <a:buNone/>
+            </a:pPr>
+            <a:endParaRPr b="0" lang="en-US" sz="4400" spc="-1" strike="noStrike">
+              <a:latin typeface="Arial"/>
             </a:endParaRPr>
           </a:p>
         </p:txBody>
@@ -1318,8 +1174,8 @@
         </p:nvSpPr>
         <p:spPr>
           <a:xfrm>
-            <a:off x="838080" y="1825560"/>
-            <a:ext cx="10515240" cy="4350960"/>
+            <a:off x="609480" y="1604520"/>
+            <a:ext cx="10972440" cy="3977280"/>
           </a:xfrm>
           <a:prstGeom prst="rect">
             <a:avLst/>
@@ -1334,20 +1190,8 @@
             <a:normAutofit/>
           </a:bodyPr>
           <a:p>
-            <a:pPr>
-              <a:lnSpc>
-                <a:spcPct val="90000"/>
-              </a:lnSpc>
-              <a:spcBef>
-                <a:spcPts val="1417"/>
-              </a:spcBef>
-              <a:buNone/>
-            </a:pPr>
-            <a:endParaRPr b="0" lang="de-DE" sz="2800" spc="-1" strike="noStrike">
-              <a:solidFill>
-                <a:srgbClr val="000000"/>
-              </a:solidFill>
-              <a:latin typeface="Aptos"/>
+            <a:endParaRPr b="0" lang="en-US" sz="3200" spc="-1" strike="noStrike">
+              <a:latin typeface="Arial"/>
             </a:endParaRPr>
           </a:p>
         </p:txBody>
@@ -1359,7 +1203,7 @@
             <a:spLocks noGrp="1"/>
           </p:cNvSpPr>
           <p:nvPr>
-            <p:ph type="ftr" idx="5"/>
+            <p:ph type="ftr" idx="4"/>
           </p:nvPr>
         </p:nvSpPr>
         <p:spPr/>
@@ -1379,14 +1223,14 @@
             <a:spLocks noGrp="1"/>
           </p:cNvSpPr>
           <p:nvPr>
-            <p:ph type="sldNum" idx="6"/>
+            <p:ph type="sldNum" idx="5"/>
           </p:nvPr>
         </p:nvSpPr>
         <p:spPr/>
         <p:txBody>
           <a:bodyPr/>
           <a:p>
-            <a:fld id="{342BE584-38B2-4656-9B54-4CC6E2078F81}" type="slidenum">
+            <a:fld id="{476182AA-6832-4C1A-B950-06B81CB4D151}" type="slidenum">
               <a:t>&lt;#&gt;</a:t>
             </a:fld>
           </a:p>
@@ -1399,7 +1243,7 @@
             <a:spLocks noGrp="1"/>
           </p:cNvSpPr>
           <p:nvPr>
-            <p:ph type="dt" idx="4"/>
+            <p:ph type="dt" idx="6"/>
           </p:nvPr>
         </p:nvSpPr>
         <p:spPr/>
@@ -1447,8 +1291,8 @@
         </p:nvSpPr>
         <p:spPr>
           <a:xfrm>
-            <a:off x="838080" y="365040"/>
-            <a:ext cx="10515240" cy="1325160"/>
+            <a:off x="609480" y="273600"/>
+            <a:ext cx="10972440" cy="1144800"/>
           </a:xfrm>
           <a:prstGeom prst="rect">
             <a:avLst/>
@@ -1463,11 +1307,11 @@
             <a:noAutofit/>
           </a:bodyPr>
           <a:p>
-            <a:endParaRPr b="0" lang="de-DE" sz="1800" spc="-1" strike="noStrike">
-              <a:solidFill>
-                <a:srgbClr val="000000"/>
-              </a:solidFill>
-              <a:latin typeface="Aptos"/>
+            <a:pPr algn="ctr">
+              <a:buNone/>
+            </a:pPr>
+            <a:endParaRPr b="0" lang="en-US" sz="4400" spc="-1" strike="noStrike">
+              <a:latin typeface="Arial"/>
             </a:endParaRPr>
           </a:p>
         </p:txBody>
@@ -1484,8 +1328,8 @@
         </p:nvSpPr>
         <p:spPr>
           <a:xfrm>
-            <a:off x="838080" y="1825560"/>
-            <a:ext cx="5131080" cy="4350960"/>
+            <a:off x="609480" y="1604520"/>
+            <a:ext cx="5354280" cy="3977280"/>
           </a:xfrm>
           <a:prstGeom prst="rect">
             <a:avLst/>
@@ -1500,20 +1344,8 @@
             <a:normAutofit/>
           </a:bodyPr>
           <a:p>
-            <a:pPr>
-              <a:lnSpc>
-                <a:spcPct val="90000"/>
-              </a:lnSpc>
-              <a:spcBef>
-                <a:spcPts val="1417"/>
-              </a:spcBef>
-              <a:buNone/>
-            </a:pPr>
-            <a:endParaRPr b="0" lang="de-DE" sz="2800" spc="-1" strike="noStrike">
-              <a:solidFill>
-                <a:srgbClr val="000000"/>
-              </a:solidFill>
-              <a:latin typeface="Aptos"/>
+            <a:endParaRPr b="0" lang="en-US" sz="3200" spc="-1" strike="noStrike">
+              <a:latin typeface="Arial"/>
             </a:endParaRPr>
           </a:p>
         </p:txBody>
@@ -1530,8 +1362,8 @@
         </p:nvSpPr>
         <p:spPr>
           <a:xfrm>
-            <a:off x="6226200" y="1825560"/>
-            <a:ext cx="5131080" cy="4350960"/>
+            <a:off x="6231960" y="1604520"/>
+            <a:ext cx="5354280" cy="3977280"/>
           </a:xfrm>
           <a:prstGeom prst="rect">
             <a:avLst/>
@@ -1546,20 +1378,8 @@
             <a:normAutofit/>
           </a:bodyPr>
           <a:p>
-            <a:pPr>
-              <a:lnSpc>
-                <a:spcPct val="90000"/>
-              </a:lnSpc>
-              <a:spcBef>
-                <a:spcPts val="1417"/>
-              </a:spcBef>
-              <a:buNone/>
-            </a:pPr>
-            <a:endParaRPr b="0" lang="de-DE" sz="2800" spc="-1" strike="noStrike">
-              <a:solidFill>
-                <a:srgbClr val="000000"/>
-              </a:solidFill>
-              <a:latin typeface="Aptos"/>
+            <a:endParaRPr b="0" lang="en-US" sz="3200" spc="-1" strike="noStrike">
+              <a:latin typeface="Arial"/>
             </a:endParaRPr>
           </a:p>
         </p:txBody>
@@ -1571,7 +1391,7 @@
             <a:spLocks noGrp="1"/>
           </p:cNvSpPr>
           <p:nvPr>
-            <p:ph type="ftr" idx="5"/>
+            <p:ph type="ftr" idx="4"/>
           </p:nvPr>
         </p:nvSpPr>
         <p:spPr/>
@@ -1591,14 +1411,14 @@
             <a:spLocks noGrp="1"/>
           </p:cNvSpPr>
           <p:nvPr>
-            <p:ph type="sldNum" idx="6"/>
+            <p:ph type="sldNum" idx="5"/>
           </p:nvPr>
         </p:nvSpPr>
         <p:spPr/>
         <p:txBody>
           <a:bodyPr/>
           <a:p>
-            <a:fld id="{71823172-F4BB-4851-B1A0-845633F2A048}" type="slidenum">
+            <a:fld id="{00C61D4E-CCCD-4E7E-9186-049080BC27CE}" type="slidenum">
               <a:t>&lt;#&gt;</a:t>
             </a:fld>
           </a:p>
@@ -1611,7 +1431,7 @@
             <a:spLocks noGrp="1"/>
           </p:cNvSpPr>
           <p:nvPr>
-            <p:ph type="dt" idx="4"/>
+            <p:ph type="dt" idx="6"/>
           </p:nvPr>
         </p:nvSpPr>
         <p:spPr/>
@@ -1659,8 +1479,8 @@
         </p:nvSpPr>
         <p:spPr>
           <a:xfrm>
-            <a:off x="838080" y="365040"/>
-            <a:ext cx="10515240" cy="1325160"/>
+            <a:off x="609480" y="273600"/>
+            <a:ext cx="10972440" cy="1144800"/>
           </a:xfrm>
           <a:prstGeom prst="rect">
             <a:avLst/>
@@ -1675,11 +1495,11 @@
             <a:noAutofit/>
           </a:bodyPr>
           <a:p>
-            <a:endParaRPr b="0" lang="de-DE" sz="1800" spc="-1" strike="noStrike">
-              <a:solidFill>
-                <a:srgbClr val="000000"/>
-              </a:solidFill>
-              <a:latin typeface="Aptos"/>
+            <a:pPr algn="ctr">
+              <a:buNone/>
+            </a:pPr>
+            <a:endParaRPr b="0" lang="en-US" sz="4400" spc="-1" strike="noStrike">
+              <a:latin typeface="Arial"/>
             </a:endParaRPr>
           </a:p>
         </p:txBody>
@@ -1691,7 +1511,7 @@
             <a:spLocks noGrp="1"/>
           </p:cNvSpPr>
           <p:nvPr>
-            <p:ph type="ftr" idx="5"/>
+            <p:ph type="ftr" idx="4"/>
           </p:nvPr>
         </p:nvSpPr>
         <p:spPr/>
@@ -1711,14 +1531,14 @@
             <a:spLocks noGrp="1"/>
           </p:cNvSpPr>
           <p:nvPr>
-            <p:ph type="sldNum" idx="6"/>
+            <p:ph type="sldNum" idx="5"/>
           </p:nvPr>
         </p:nvSpPr>
         <p:spPr/>
         <p:txBody>
           <a:bodyPr/>
           <a:p>
-            <a:fld id="{260737FA-3CAC-4659-9918-FC4B308EDAF0}" type="slidenum">
+            <a:fld id="{6C41555E-8218-4222-B363-B8773EB88CE0}" type="slidenum">
               <a:t>&lt;#&gt;</a:t>
             </a:fld>
           </a:p>
@@ -1731,7 +1551,7 @@
             <a:spLocks noGrp="1"/>
           </p:cNvSpPr>
           <p:nvPr>
-            <p:ph type="dt" idx="4"/>
+            <p:ph type="dt" idx="6"/>
           </p:nvPr>
         </p:nvSpPr>
         <p:spPr/>
@@ -1779,8 +1599,8 @@
         </p:nvSpPr>
         <p:spPr>
           <a:xfrm>
-            <a:off x="838080" y="365040"/>
-            <a:ext cx="10515240" cy="6144120"/>
+            <a:off x="609480" y="273600"/>
+            <a:ext cx="10972440" cy="5307840"/>
           </a:xfrm>
           <a:prstGeom prst="rect">
             <a:avLst/>
@@ -1811,7 +1631,7 @@
             <a:spLocks noGrp="1"/>
           </p:cNvSpPr>
           <p:nvPr>
-            <p:ph type="ftr" idx="5"/>
+            <p:ph type="ftr" idx="4"/>
           </p:nvPr>
         </p:nvSpPr>
         <p:spPr/>
@@ -1831,14 +1651,14 @@
             <a:spLocks noGrp="1"/>
           </p:cNvSpPr>
           <p:nvPr>
-            <p:ph type="sldNum" idx="6"/>
+            <p:ph type="sldNum" idx="5"/>
           </p:nvPr>
         </p:nvSpPr>
         <p:spPr/>
         <p:txBody>
           <a:bodyPr/>
           <a:p>
-            <a:fld id="{5E248C72-4392-46BF-8A45-34DD2E5F365F}" type="slidenum">
+            <a:fld id="{03FB1E9D-BD78-43B6-B42F-E090EAE96137}" type="slidenum">
               <a:t>&lt;#&gt;</a:t>
             </a:fld>
           </a:p>
@@ -1851,7 +1671,7 @@
             <a:spLocks noGrp="1"/>
           </p:cNvSpPr>
           <p:nvPr>
-            <p:ph type="dt" idx="4"/>
+            <p:ph type="dt" idx="6"/>
           </p:nvPr>
         </p:nvSpPr>
         <p:spPr/>
@@ -1899,8 +1719,8 @@
         </p:nvSpPr>
         <p:spPr>
           <a:xfrm>
-            <a:off x="838080" y="365040"/>
-            <a:ext cx="10515240" cy="1325160"/>
+            <a:off x="609480" y="273600"/>
+            <a:ext cx="10972440" cy="1144800"/>
           </a:xfrm>
           <a:prstGeom prst="rect">
             <a:avLst/>
@@ -1915,11 +1735,11 @@
             <a:noAutofit/>
           </a:bodyPr>
           <a:p>
-            <a:endParaRPr b="0" lang="de-DE" sz="1800" spc="-1" strike="noStrike">
-              <a:solidFill>
-                <a:srgbClr val="000000"/>
-              </a:solidFill>
-              <a:latin typeface="Aptos"/>
+            <a:pPr algn="ctr">
+              <a:buNone/>
+            </a:pPr>
+            <a:endParaRPr b="0" lang="en-US" sz="4400" spc="-1" strike="noStrike">
+              <a:latin typeface="Arial"/>
             </a:endParaRPr>
           </a:p>
         </p:txBody>
@@ -1936,8 +1756,8 @@
         </p:nvSpPr>
         <p:spPr>
           <a:xfrm>
-            <a:off x="838080" y="1825560"/>
-            <a:ext cx="5131080" cy="2075040"/>
+            <a:off x="609480" y="1604520"/>
+            <a:ext cx="5354280" cy="1896840"/>
           </a:xfrm>
           <a:prstGeom prst="rect">
             <a:avLst/>
@@ -1952,20 +1772,8 @@
             <a:normAutofit/>
           </a:bodyPr>
           <a:p>
-            <a:pPr>
-              <a:lnSpc>
-                <a:spcPct val="90000"/>
-              </a:lnSpc>
-              <a:spcBef>
-                <a:spcPts val="1417"/>
-              </a:spcBef>
-              <a:buNone/>
-            </a:pPr>
-            <a:endParaRPr b="0" lang="de-DE" sz="2800" spc="-1" strike="noStrike">
-              <a:solidFill>
-                <a:srgbClr val="000000"/>
-              </a:solidFill>
-              <a:latin typeface="Aptos"/>
+            <a:endParaRPr b="0" lang="en-US" sz="3200" spc="-1" strike="noStrike">
+              <a:latin typeface="Arial"/>
             </a:endParaRPr>
           </a:p>
         </p:txBody>
@@ -1982,8 +1790,8 @@
         </p:nvSpPr>
         <p:spPr>
           <a:xfrm>
-            <a:off x="6226200" y="1825560"/>
-            <a:ext cx="5131080" cy="4350960"/>
+            <a:off x="6231960" y="1604520"/>
+            <a:ext cx="5354280" cy="3977280"/>
           </a:xfrm>
           <a:prstGeom prst="rect">
             <a:avLst/>
@@ -1998,20 +1806,8 @@
             <a:normAutofit/>
           </a:bodyPr>
           <a:p>
-            <a:pPr>
-              <a:lnSpc>
-                <a:spcPct val="90000"/>
-              </a:lnSpc>
-              <a:spcBef>
-                <a:spcPts val="1417"/>
-              </a:spcBef>
-              <a:buNone/>
-            </a:pPr>
-            <a:endParaRPr b="0" lang="de-DE" sz="2800" spc="-1" strike="noStrike">
-              <a:solidFill>
-                <a:srgbClr val="000000"/>
-              </a:solidFill>
-              <a:latin typeface="Aptos"/>
+            <a:endParaRPr b="0" lang="en-US" sz="3200" spc="-1" strike="noStrike">
+              <a:latin typeface="Arial"/>
             </a:endParaRPr>
           </a:p>
         </p:txBody>
@@ -2028,8 +1824,8 @@
         </p:nvSpPr>
         <p:spPr>
           <a:xfrm>
-            <a:off x="838080" y="4098240"/>
-            <a:ext cx="5131080" cy="2075040"/>
+            <a:off x="609480" y="3682080"/>
+            <a:ext cx="5354280" cy="1896840"/>
           </a:xfrm>
           <a:prstGeom prst="rect">
             <a:avLst/>
@@ -2044,20 +1840,8 @@
             <a:normAutofit/>
           </a:bodyPr>
           <a:p>
-            <a:pPr>
-              <a:lnSpc>
-                <a:spcPct val="90000"/>
-              </a:lnSpc>
-              <a:spcBef>
-                <a:spcPts val="1417"/>
-              </a:spcBef>
-              <a:buNone/>
-            </a:pPr>
-            <a:endParaRPr b="0" lang="de-DE" sz="2800" spc="-1" strike="noStrike">
-              <a:solidFill>
-                <a:srgbClr val="000000"/>
-              </a:solidFill>
-              <a:latin typeface="Aptos"/>
+            <a:endParaRPr b="0" lang="en-US" sz="3200" spc="-1" strike="noStrike">
+              <a:latin typeface="Arial"/>
             </a:endParaRPr>
           </a:p>
         </p:txBody>
@@ -2069,7 +1853,7 @@
             <a:spLocks noGrp="1"/>
           </p:cNvSpPr>
           <p:nvPr>
-            <p:ph type="ftr" idx="5"/>
+            <p:ph type="ftr" idx="4"/>
           </p:nvPr>
         </p:nvSpPr>
         <p:spPr/>
@@ -2089,14 +1873,14 @@
             <a:spLocks noGrp="1"/>
           </p:cNvSpPr>
           <p:nvPr>
-            <p:ph type="sldNum" idx="6"/>
+            <p:ph type="sldNum" idx="5"/>
           </p:nvPr>
         </p:nvSpPr>
         <p:spPr/>
         <p:txBody>
           <a:bodyPr/>
           <a:p>
-            <a:fld id="{D12FB98F-828A-4DB8-B32D-DCBDD3454009}" type="slidenum">
+            <a:fld id="{6894A680-6E09-448C-BA22-61A14A64E8B6}" type="slidenum">
               <a:t>&lt;#&gt;</a:t>
             </a:fld>
           </a:p>
@@ -2109,7 +1893,7 @@
             <a:spLocks noGrp="1"/>
           </p:cNvSpPr>
           <p:nvPr>
-            <p:ph type="dt" idx="4"/>
+            <p:ph type="dt" idx="6"/>
           </p:nvPr>
         </p:nvSpPr>
         <p:spPr/>
@@ -2157,8 +1941,8 @@
         </p:nvSpPr>
         <p:spPr>
           <a:xfrm>
-            <a:off x="838080" y="365040"/>
-            <a:ext cx="10515240" cy="1325160"/>
+            <a:off x="609480" y="273600"/>
+            <a:ext cx="10972440" cy="1144800"/>
           </a:xfrm>
           <a:prstGeom prst="rect">
             <a:avLst/>
@@ -2173,11 +1957,11 @@
             <a:noAutofit/>
           </a:bodyPr>
           <a:p>
-            <a:endParaRPr b="0" lang="de-DE" sz="1800" spc="-1" strike="noStrike">
-              <a:solidFill>
-                <a:srgbClr val="000000"/>
-              </a:solidFill>
-              <a:latin typeface="Aptos"/>
+            <a:pPr algn="ctr">
+              <a:buNone/>
+            </a:pPr>
+            <a:endParaRPr b="0" lang="en-US" sz="4400" spc="-1" strike="noStrike">
+              <a:latin typeface="Arial"/>
             </a:endParaRPr>
           </a:p>
         </p:txBody>
@@ -2194,8 +1978,8 @@
         </p:nvSpPr>
         <p:spPr>
           <a:xfrm>
-            <a:off x="838080" y="1825560"/>
-            <a:ext cx="10515240" cy="4350960"/>
+            <a:off x="609480" y="1604520"/>
+            <a:ext cx="10972440" cy="3977280"/>
           </a:xfrm>
           <a:prstGeom prst="rect">
             <a:avLst/>
@@ -2226,7 +2010,7 @@
             <a:spLocks noGrp="1"/>
           </p:cNvSpPr>
           <p:nvPr>
-            <p:ph type="ftr" idx="2"/>
+            <p:ph type="ftr" idx="1"/>
           </p:nvPr>
         </p:nvSpPr>
         <p:spPr/>
@@ -2246,14 +2030,14 @@
             <a:spLocks noGrp="1"/>
           </p:cNvSpPr>
           <p:nvPr>
-            <p:ph type="sldNum" idx="3"/>
+            <p:ph type="sldNum" idx="2"/>
           </p:nvPr>
         </p:nvSpPr>
         <p:spPr/>
         <p:txBody>
           <a:bodyPr/>
           <a:p>
-            <a:fld id="{D64B91D0-686B-4CE6-A789-D6ABBD3EA239}" type="slidenum">
+            <a:fld id="{2F995F7C-5011-4CD8-9A39-009EE7D48B5C}" type="slidenum">
               <a:t>&lt;#&gt;</a:t>
             </a:fld>
           </a:p>
@@ -2266,7 +2050,7 @@
             <a:spLocks noGrp="1"/>
           </p:cNvSpPr>
           <p:nvPr>
-            <p:ph type="dt" idx="1"/>
+            <p:ph type="dt" idx="3"/>
           </p:nvPr>
         </p:nvSpPr>
         <p:spPr/>
@@ -2314,8 +2098,8 @@
         </p:nvSpPr>
         <p:spPr>
           <a:xfrm>
-            <a:off x="838080" y="365040"/>
-            <a:ext cx="10515240" cy="1325160"/>
+            <a:off x="609480" y="273600"/>
+            <a:ext cx="10972440" cy="1144800"/>
           </a:xfrm>
           <a:prstGeom prst="rect">
             <a:avLst/>
@@ -2330,11 +2114,11 @@
             <a:noAutofit/>
           </a:bodyPr>
           <a:p>
-            <a:endParaRPr b="0" lang="de-DE" sz="1800" spc="-1" strike="noStrike">
-              <a:solidFill>
-                <a:srgbClr val="000000"/>
-              </a:solidFill>
-              <a:latin typeface="Aptos"/>
+            <a:pPr algn="ctr">
+              <a:buNone/>
+            </a:pPr>
+            <a:endParaRPr b="0" lang="en-US" sz="4400" spc="-1" strike="noStrike">
+              <a:latin typeface="Arial"/>
             </a:endParaRPr>
           </a:p>
         </p:txBody>
@@ -2351,8 +2135,8 @@
         </p:nvSpPr>
         <p:spPr>
           <a:xfrm>
-            <a:off x="838080" y="1825560"/>
-            <a:ext cx="5131080" cy="4350960"/>
+            <a:off x="609480" y="1604520"/>
+            <a:ext cx="5354280" cy="3977280"/>
           </a:xfrm>
           <a:prstGeom prst="rect">
             <a:avLst/>
@@ -2367,20 +2151,8 @@
             <a:normAutofit/>
           </a:bodyPr>
           <a:p>
-            <a:pPr>
-              <a:lnSpc>
-                <a:spcPct val="90000"/>
-              </a:lnSpc>
-              <a:spcBef>
-                <a:spcPts val="1417"/>
-              </a:spcBef>
-              <a:buNone/>
-            </a:pPr>
-            <a:endParaRPr b="0" lang="de-DE" sz="2800" spc="-1" strike="noStrike">
-              <a:solidFill>
-                <a:srgbClr val="000000"/>
-              </a:solidFill>
-              <a:latin typeface="Aptos"/>
+            <a:endParaRPr b="0" lang="en-US" sz="3200" spc="-1" strike="noStrike">
+              <a:latin typeface="Arial"/>
             </a:endParaRPr>
           </a:p>
         </p:txBody>
@@ -2397,8 +2169,8 @@
         </p:nvSpPr>
         <p:spPr>
           <a:xfrm>
-            <a:off x="6226200" y="1825560"/>
-            <a:ext cx="5131080" cy="2075040"/>
+            <a:off x="6231960" y="1604520"/>
+            <a:ext cx="5354280" cy="1896840"/>
           </a:xfrm>
           <a:prstGeom prst="rect">
             <a:avLst/>
@@ -2413,20 +2185,8 @@
             <a:normAutofit/>
           </a:bodyPr>
           <a:p>
-            <a:pPr>
-              <a:lnSpc>
-                <a:spcPct val="90000"/>
-              </a:lnSpc>
-              <a:spcBef>
-                <a:spcPts val="1417"/>
-              </a:spcBef>
-              <a:buNone/>
-            </a:pPr>
-            <a:endParaRPr b="0" lang="de-DE" sz="2800" spc="-1" strike="noStrike">
-              <a:solidFill>
-                <a:srgbClr val="000000"/>
-              </a:solidFill>
-              <a:latin typeface="Aptos"/>
+            <a:endParaRPr b="0" lang="en-US" sz="3200" spc="-1" strike="noStrike">
+              <a:latin typeface="Arial"/>
             </a:endParaRPr>
           </a:p>
         </p:txBody>
@@ -2443,8 +2203,8 @@
         </p:nvSpPr>
         <p:spPr>
           <a:xfrm>
-            <a:off x="6226200" y="4098240"/>
-            <a:ext cx="5131080" cy="2075040"/>
+            <a:off x="6231960" y="3682080"/>
+            <a:ext cx="5354280" cy="1896840"/>
           </a:xfrm>
           <a:prstGeom prst="rect">
             <a:avLst/>
@@ -2459,20 +2219,8 @@
             <a:normAutofit/>
           </a:bodyPr>
           <a:p>
-            <a:pPr>
-              <a:lnSpc>
-                <a:spcPct val="90000"/>
-              </a:lnSpc>
-              <a:spcBef>
-                <a:spcPts val="1417"/>
-              </a:spcBef>
-              <a:buNone/>
-            </a:pPr>
-            <a:endParaRPr b="0" lang="de-DE" sz="2800" spc="-1" strike="noStrike">
-              <a:solidFill>
-                <a:srgbClr val="000000"/>
-              </a:solidFill>
-              <a:latin typeface="Aptos"/>
+            <a:endParaRPr b="0" lang="en-US" sz="3200" spc="-1" strike="noStrike">
+              <a:latin typeface="Arial"/>
             </a:endParaRPr>
           </a:p>
         </p:txBody>
@@ -2484,7 +2232,7 @@
             <a:spLocks noGrp="1"/>
           </p:cNvSpPr>
           <p:nvPr>
-            <p:ph type="ftr" idx="5"/>
+            <p:ph type="ftr" idx="4"/>
           </p:nvPr>
         </p:nvSpPr>
         <p:spPr/>
@@ -2504,14 +2252,14 @@
             <a:spLocks noGrp="1"/>
           </p:cNvSpPr>
           <p:nvPr>
-            <p:ph type="sldNum" idx="6"/>
+            <p:ph type="sldNum" idx="5"/>
           </p:nvPr>
         </p:nvSpPr>
         <p:spPr/>
         <p:txBody>
           <a:bodyPr/>
           <a:p>
-            <a:fld id="{64347947-67A7-4521-9EC2-33F6FC0CD50B}" type="slidenum">
+            <a:fld id="{3823623B-7457-4361-8869-953EE03CA21C}" type="slidenum">
               <a:t>&lt;#&gt;</a:t>
             </a:fld>
           </a:p>
@@ -2524,7 +2272,7 @@
             <a:spLocks noGrp="1"/>
           </p:cNvSpPr>
           <p:nvPr>
-            <p:ph type="dt" idx="4"/>
+            <p:ph type="dt" idx="6"/>
           </p:nvPr>
         </p:nvSpPr>
         <p:spPr/>
@@ -2572,8 +2320,8 @@
         </p:nvSpPr>
         <p:spPr>
           <a:xfrm>
-            <a:off x="838080" y="365040"/>
-            <a:ext cx="10515240" cy="1325160"/>
+            <a:off x="609480" y="273600"/>
+            <a:ext cx="10972440" cy="1144800"/>
           </a:xfrm>
           <a:prstGeom prst="rect">
             <a:avLst/>
@@ -2588,11 +2336,11 @@
             <a:noAutofit/>
           </a:bodyPr>
           <a:p>
-            <a:endParaRPr b="0" lang="de-DE" sz="1800" spc="-1" strike="noStrike">
-              <a:solidFill>
-                <a:srgbClr val="000000"/>
-              </a:solidFill>
-              <a:latin typeface="Aptos"/>
+            <a:pPr algn="ctr">
+              <a:buNone/>
+            </a:pPr>
+            <a:endParaRPr b="0" lang="en-US" sz="4400" spc="-1" strike="noStrike">
+              <a:latin typeface="Arial"/>
             </a:endParaRPr>
           </a:p>
         </p:txBody>
@@ -2609,8 +2357,8 @@
         </p:nvSpPr>
         <p:spPr>
           <a:xfrm>
-            <a:off x="838080" y="1825560"/>
-            <a:ext cx="5131080" cy="2075040"/>
+            <a:off x="609480" y="1604520"/>
+            <a:ext cx="5354280" cy="1896840"/>
           </a:xfrm>
           <a:prstGeom prst="rect">
             <a:avLst/>
@@ -2625,20 +2373,8 @@
             <a:normAutofit/>
           </a:bodyPr>
           <a:p>
-            <a:pPr>
-              <a:lnSpc>
-                <a:spcPct val="90000"/>
-              </a:lnSpc>
-              <a:spcBef>
-                <a:spcPts val="1417"/>
-              </a:spcBef>
-              <a:buNone/>
-            </a:pPr>
-            <a:endParaRPr b="0" lang="de-DE" sz="2800" spc="-1" strike="noStrike">
-              <a:solidFill>
-                <a:srgbClr val="000000"/>
-              </a:solidFill>
-              <a:latin typeface="Aptos"/>
+            <a:endParaRPr b="0" lang="en-US" sz="3200" spc="-1" strike="noStrike">
+              <a:latin typeface="Arial"/>
             </a:endParaRPr>
           </a:p>
         </p:txBody>
@@ -2655,8 +2391,8 @@
         </p:nvSpPr>
         <p:spPr>
           <a:xfrm>
-            <a:off x="6226200" y="1825560"/>
-            <a:ext cx="5131080" cy="2075040"/>
+            <a:off x="6231960" y="1604520"/>
+            <a:ext cx="5354280" cy="1896840"/>
           </a:xfrm>
           <a:prstGeom prst="rect">
             <a:avLst/>
@@ -2671,20 +2407,8 @@
             <a:normAutofit/>
           </a:bodyPr>
           <a:p>
-            <a:pPr>
-              <a:lnSpc>
-                <a:spcPct val="90000"/>
-              </a:lnSpc>
-              <a:spcBef>
-                <a:spcPts val="1417"/>
-              </a:spcBef>
-              <a:buNone/>
-            </a:pPr>
-            <a:endParaRPr b="0" lang="de-DE" sz="2800" spc="-1" strike="noStrike">
-              <a:solidFill>
-                <a:srgbClr val="000000"/>
-              </a:solidFill>
-              <a:latin typeface="Aptos"/>
+            <a:endParaRPr b="0" lang="en-US" sz="3200" spc="-1" strike="noStrike">
+              <a:latin typeface="Arial"/>
             </a:endParaRPr>
           </a:p>
         </p:txBody>
@@ -2701,8 +2425,8 @@
         </p:nvSpPr>
         <p:spPr>
           <a:xfrm>
-            <a:off x="838080" y="4098240"/>
-            <a:ext cx="10515240" cy="2075040"/>
+            <a:off x="609480" y="3682080"/>
+            <a:ext cx="10972440" cy="1896840"/>
           </a:xfrm>
           <a:prstGeom prst="rect">
             <a:avLst/>
@@ -2717,20 +2441,8 @@
             <a:normAutofit/>
           </a:bodyPr>
           <a:p>
-            <a:pPr>
-              <a:lnSpc>
-                <a:spcPct val="90000"/>
-              </a:lnSpc>
-              <a:spcBef>
-                <a:spcPts val="1417"/>
-              </a:spcBef>
-              <a:buNone/>
-            </a:pPr>
-            <a:endParaRPr b="0" lang="de-DE" sz="2800" spc="-1" strike="noStrike">
-              <a:solidFill>
-                <a:srgbClr val="000000"/>
-              </a:solidFill>
-              <a:latin typeface="Aptos"/>
+            <a:endParaRPr b="0" lang="en-US" sz="3200" spc="-1" strike="noStrike">
+              <a:latin typeface="Arial"/>
             </a:endParaRPr>
           </a:p>
         </p:txBody>
@@ -2742,7 +2454,7 @@
             <a:spLocks noGrp="1"/>
           </p:cNvSpPr>
           <p:nvPr>
-            <p:ph type="ftr" idx="5"/>
+            <p:ph type="ftr" idx="4"/>
           </p:nvPr>
         </p:nvSpPr>
         <p:spPr/>
@@ -2762,14 +2474,14 @@
             <a:spLocks noGrp="1"/>
           </p:cNvSpPr>
           <p:nvPr>
-            <p:ph type="sldNum" idx="6"/>
+            <p:ph type="sldNum" idx="5"/>
           </p:nvPr>
         </p:nvSpPr>
         <p:spPr/>
         <p:txBody>
           <a:bodyPr/>
           <a:p>
-            <a:fld id="{C2435E6A-C0D0-40FF-AE26-D5D1CBB11F87}" type="slidenum">
+            <a:fld id="{93820A22-6561-4C6F-8083-33DF2BA841CE}" type="slidenum">
               <a:t>&lt;#&gt;</a:t>
             </a:fld>
           </a:p>
@@ -2782,7 +2494,7 @@
             <a:spLocks noGrp="1"/>
           </p:cNvSpPr>
           <p:nvPr>
-            <p:ph type="dt" idx="4"/>
+            <p:ph type="dt" idx="6"/>
           </p:nvPr>
         </p:nvSpPr>
         <p:spPr/>
@@ -2830,8 +2542,8 @@
         </p:nvSpPr>
         <p:spPr>
           <a:xfrm>
-            <a:off x="838080" y="365040"/>
-            <a:ext cx="10515240" cy="1325160"/>
+            <a:off x="609480" y="273600"/>
+            <a:ext cx="10972440" cy="1144800"/>
           </a:xfrm>
           <a:prstGeom prst="rect">
             <a:avLst/>
@@ -2846,11 +2558,11 @@
             <a:noAutofit/>
           </a:bodyPr>
           <a:p>
-            <a:endParaRPr b="0" lang="de-DE" sz="1800" spc="-1" strike="noStrike">
-              <a:solidFill>
-                <a:srgbClr val="000000"/>
-              </a:solidFill>
-              <a:latin typeface="Aptos"/>
+            <a:pPr algn="ctr">
+              <a:buNone/>
+            </a:pPr>
+            <a:endParaRPr b="0" lang="en-US" sz="4400" spc="-1" strike="noStrike">
+              <a:latin typeface="Arial"/>
             </a:endParaRPr>
           </a:p>
         </p:txBody>
@@ -2867,8 +2579,8 @@
         </p:nvSpPr>
         <p:spPr>
           <a:xfrm>
-            <a:off x="838080" y="1825560"/>
-            <a:ext cx="10515240" cy="2075040"/>
+            <a:off x="609480" y="1604520"/>
+            <a:ext cx="10972440" cy="1896840"/>
           </a:xfrm>
           <a:prstGeom prst="rect">
             <a:avLst/>
@@ -2883,20 +2595,8 @@
             <a:normAutofit/>
           </a:bodyPr>
           <a:p>
-            <a:pPr>
-              <a:lnSpc>
-                <a:spcPct val="90000"/>
-              </a:lnSpc>
-              <a:spcBef>
-                <a:spcPts val="1417"/>
-              </a:spcBef>
-              <a:buNone/>
-            </a:pPr>
-            <a:endParaRPr b="0" lang="de-DE" sz="2800" spc="-1" strike="noStrike">
-              <a:solidFill>
-                <a:srgbClr val="000000"/>
-              </a:solidFill>
-              <a:latin typeface="Aptos"/>
+            <a:endParaRPr b="0" lang="en-US" sz="3200" spc="-1" strike="noStrike">
+              <a:latin typeface="Arial"/>
             </a:endParaRPr>
           </a:p>
         </p:txBody>
@@ -2913,8 +2613,8 @@
         </p:nvSpPr>
         <p:spPr>
           <a:xfrm>
-            <a:off x="838080" y="4098240"/>
-            <a:ext cx="10515240" cy="2075040"/>
+            <a:off x="609480" y="3682080"/>
+            <a:ext cx="10972440" cy="1896840"/>
           </a:xfrm>
           <a:prstGeom prst="rect">
             <a:avLst/>
@@ -2929,20 +2629,8 @@
             <a:normAutofit/>
           </a:bodyPr>
           <a:p>
-            <a:pPr>
-              <a:lnSpc>
-                <a:spcPct val="90000"/>
-              </a:lnSpc>
-              <a:spcBef>
-                <a:spcPts val="1417"/>
-              </a:spcBef>
-              <a:buNone/>
-            </a:pPr>
-            <a:endParaRPr b="0" lang="de-DE" sz="2800" spc="-1" strike="noStrike">
-              <a:solidFill>
-                <a:srgbClr val="000000"/>
-              </a:solidFill>
-              <a:latin typeface="Aptos"/>
+            <a:endParaRPr b="0" lang="en-US" sz="3200" spc="-1" strike="noStrike">
+              <a:latin typeface="Arial"/>
             </a:endParaRPr>
           </a:p>
         </p:txBody>
@@ -2954,7 +2642,7 @@
             <a:spLocks noGrp="1"/>
           </p:cNvSpPr>
           <p:nvPr>
-            <p:ph type="ftr" idx="5"/>
+            <p:ph type="ftr" idx="4"/>
           </p:nvPr>
         </p:nvSpPr>
         <p:spPr/>
@@ -2974,14 +2662,14 @@
             <a:spLocks noGrp="1"/>
           </p:cNvSpPr>
           <p:nvPr>
-            <p:ph type="sldNum" idx="6"/>
+            <p:ph type="sldNum" idx="5"/>
           </p:nvPr>
         </p:nvSpPr>
         <p:spPr/>
         <p:txBody>
           <a:bodyPr/>
           <a:p>
-            <a:fld id="{AA57D241-9E1F-427C-86FD-E7F7889D6DD5}" type="slidenum">
+            <a:fld id="{412FD833-85D3-4019-A271-B1C3F39E2447}" type="slidenum">
               <a:t>&lt;#&gt;</a:t>
             </a:fld>
           </a:p>
@@ -2994,7 +2682,7 @@
             <a:spLocks noGrp="1"/>
           </p:cNvSpPr>
           <p:nvPr>
-            <p:ph type="dt" idx="4"/>
+            <p:ph type="dt" idx="6"/>
           </p:nvPr>
         </p:nvSpPr>
         <p:spPr/>
@@ -3042,8 +2730,8 @@
         </p:nvSpPr>
         <p:spPr>
           <a:xfrm>
-            <a:off x="838080" y="365040"/>
-            <a:ext cx="10515240" cy="1325160"/>
+            <a:off x="609480" y="273600"/>
+            <a:ext cx="10972440" cy="1144800"/>
           </a:xfrm>
           <a:prstGeom prst="rect">
             <a:avLst/>
@@ -3058,11 +2746,11 @@
             <a:noAutofit/>
           </a:bodyPr>
           <a:p>
-            <a:endParaRPr b="0" lang="de-DE" sz="1800" spc="-1" strike="noStrike">
-              <a:solidFill>
-                <a:srgbClr val="000000"/>
-              </a:solidFill>
-              <a:latin typeface="Aptos"/>
+            <a:pPr algn="ctr">
+              <a:buNone/>
+            </a:pPr>
+            <a:endParaRPr b="0" lang="en-US" sz="4400" spc="-1" strike="noStrike">
+              <a:latin typeface="Arial"/>
             </a:endParaRPr>
           </a:p>
         </p:txBody>
@@ -3079,8 +2767,8 @@
         </p:nvSpPr>
         <p:spPr>
           <a:xfrm>
-            <a:off x="838080" y="1825560"/>
-            <a:ext cx="5131080" cy="2075040"/>
+            <a:off x="609480" y="1604520"/>
+            <a:ext cx="5354280" cy="1896840"/>
           </a:xfrm>
           <a:prstGeom prst="rect">
             <a:avLst/>
@@ -3095,20 +2783,8 @@
             <a:normAutofit/>
           </a:bodyPr>
           <a:p>
-            <a:pPr>
-              <a:lnSpc>
-                <a:spcPct val="90000"/>
-              </a:lnSpc>
-              <a:spcBef>
-                <a:spcPts val="1417"/>
-              </a:spcBef>
-              <a:buNone/>
-            </a:pPr>
-            <a:endParaRPr b="0" lang="de-DE" sz="2800" spc="-1" strike="noStrike">
-              <a:solidFill>
-                <a:srgbClr val="000000"/>
-              </a:solidFill>
-              <a:latin typeface="Aptos"/>
+            <a:endParaRPr b="0" lang="en-US" sz="3200" spc="-1" strike="noStrike">
+              <a:latin typeface="Arial"/>
             </a:endParaRPr>
           </a:p>
         </p:txBody>
@@ -3125,8 +2801,8 @@
         </p:nvSpPr>
         <p:spPr>
           <a:xfrm>
-            <a:off x="6226200" y="1825560"/>
-            <a:ext cx="5131080" cy="2075040"/>
+            <a:off x="6231960" y="1604520"/>
+            <a:ext cx="5354280" cy="1896840"/>
           </a:xfrm>
           <a:prstGeom prst="rect">
             <a:avLst/>
@@ -3141,20 +2817,8 @@
             <a:normAutofit/>
           </a:bodyPr>
           <a:p>
-            <a:pPr>
-              <a:lnSpc>
-                <a:spcPct val="90000"/>
-              </a:lnSpc>
-              <a:spcBef>
-                <a:spcPts val="1417"/>
-              </a:spcBef>
-              <a:buNone/>
-            </a:pPr>
-            <a:endParaRPr b="0" lang="de-DE" sz="2800" spc="-1" strike="noStrike">
-              <a:solidFill>
-                <a:srgbClr val="000000"/>
-              </a:solidFill>
-              <a:latin typeface="Aptos"/>
+            <a:endParaRPr b="0" lang="en-US" sz="3200" spc="-1" strike="noStrike">
+              <a:latin typeface="Arial"/>
             </a:endParaRPr>
           </a:p>
         </p:txBody>
@@ -3171,8 +2835,8 @@
         </p:nvSpPr>
         <p:spPr>
           <a:xfrm>
-            <a:off x="838080" y="4098240"/>
-            <a:ext cx="5131080" cy="2075040"/>
+            <a:off x="609480" y="3682080"/>
+            <a:ext cx="5354280" cy="1896840"/>
           </a:xfrm>
           <a:prstGeom prst="rect">
             <a:avLst/>
@@ -3187,20 +2851,8 @@
             <a:normAutofit/>
           </a:bodyPr>
           <a:p>
-            <a:pPr>
-              <a:lnSpc>
-                <a:spcPct val="90000"/>
-              </a:lnSpc>
-              <a:spcBef>
-                <a:spcPts val="1417"/>
-              </a:spcBef>
-              <a:buNone/>
-            </a:pPr>
-            <a:endParaRPr b="0" lang="de-DE" sz="2800" spc="-1" strike="noStrike">
-              <a:solidFill>
-                <a:srgbClr val="000000"/>
-              </a:solidFill>
-              <a:latin typeface="Aptos"/>
+            <a:endParaRPr b="0" lang="en-US" sz="3200" spc="-1" strike="noStrike">
+              <a:latin typeface="Arial"/>
             </a:endParaRPr>
           </a:p>
         </p:txBody>
@@ -3217,8 +2869,8 @@
         </p:nvSpPr>
         <p:spPr>
           <a:xfrm>
-            <a:off x="6226200" y="4098240"/>
-            <a:ext cx="5131080" cy="2075040"/>
+            <a:off x="6231960" y="3682080"/>
+            <a:ext cx="5354280" cy="1896840"/>
           </a:xfrm>
           <a:prstGeom prst="rect">
             <a:avLst/>
@@ -3233,20 +2885,8 @@
             <a:normAutofit/>
           </a:bodyPr>
           <a:p>
-            <a:pPr>
-              <a:lnSpc>
-                <a:spcPct val="90000"/>
-              </a:lnSpc>
-              <a:spcBef>
-                <a:spcPts val="1417"/>
-              </a:spcBef>
-              <a:buNone/>
-            </a:pPr>
-            <a:endParaRPr b="0" lang="de-DE" sz="2800" spc="-1" strike="noStrike">
-              <a:solidFill>
-                <a:srgbClr val="000000"/>
-              </a:solidFill>
-              <a:latin typeface="Aptos"/>
+            <a:endParaRPr b="0" lang="en-US" sz="3200" spc="-1" strike="noStrike">
+              <a:latin typeface="Arial"/>
             </a:endParaRPr>
           </a:p>
         </p:txBody>
@@ -3258,7 +2898,7 @@
             <a:spLocks noGrp="1"/>
           </p:cNvSpPr>
           <p:nvPr>
-            <p:ph type="ftr" idx="5"/>
+            <p:ph type="ftr" idx="4"/>
           </p:nvPr>
         </p:nvSpPr>
         <p:spPr/>
@@ -3278,14 +2918,14 @@
             <a:spLocks noGrp="1"/>
           </p:cNvSpPr>
           <p:nvPr>
-            <p:ph type="sldNum" idx="6"/>
+            <p:ph type="sldNum" idx="5"/>
           </p:nvPr>
         </p:nvSpPr>
         <p:spPr/>
         <p:txBody>
           <a:bodyPr/>
           <a:p>
-            <a:fld id="{718CDCBB-EE06-4A45-BC3E-9D9710E3D3B9}" type="slidenum">
+            <a:fld id="{C1E129D9-C14E-422E-B247-EDE88A5848ED}" type="slidenum">
               <a:t>&lt;#&gt;</a:t>
             </a:fld>
           </a:p>
@@ -3298,7 +2938,7 @@
             <a:spLocks noGrp="1"/>
           </p:cNvSpPr>
           <p:nvPr>
-            <p:ph type="dt" idx="4"/>
+            <p:ph type="dt" idx="6"/>
           </p:nvPr>
         </p:nvSpPr>
         <p:spPr/>
@@ -3346,8 +2986,8 @@
         </p:nvSpPr>
         <p:spPr>
           <a:xfrm>
-            <a:off x="838080" y="365040"/>
-            <a:ext cx="10515240" cy="1325160"/>
+            <a:off x="609480" y="273600"/>
+            <a:ext cx="10972440" cy="1144800"/>
           </a:xfrm>
           <a:prstGeom prst="rect">
             <a:avLst/>
@@ -3362,11 +3002,11 @@
             <a:noAutofit/>
           </a:bodyPr>
           <a:p>
-            <a:endParaRPr b="0" lang="de-DE" sz="1800" spc="-1" strike="noStrike">
-              <a:solidFill>
-                <a:srgbClr val="000000"/>
-              </a:solidFill>
-              <a:latin typeface="Aptos"/>
+            <a:pPr algn="ctr">
+              <a:buNone/>
+            </a:pPr>
+            <a:endParaRPr b="0" lang="en-US" sz="4400" spc="-1" strike="noStrike">
+              <a:latin typeface="Arial"/>
             </a:endParaRPr>
           </a:p>
         </p:txBody>
@@ -3383,8 +3023,8 @@
         </p:nvSpPr>
         <p:spPr>
           <a:xfrm>
-            <a:off x="838080" y="1825560"/>
-            <a:ext cx="3385800" cy="2075040"/>
+            <a:off x="609480" y="1604520"/>
+            <a:ext cx="3533040" cy="1896840"/>
           </a:xfrm>
           <a:prstGeom prst="rect">
             <a:avLst/>
@@ -3399,20 +3039,8 @@
             <a:normAutofit/>
           </a:bodyPr>
           <a:p>
-            <a:pPr>
-              <a:lnSpc>
-                <a:spcPct val="90000"/>
-              </a:lnSpc>
-              <a:spcBef>
-                <a:spcPts val="1417"/>
-              </a:spcBef>
-              <a:buNone/>
-            </a:pPr>
-            <a:endParaRPr b="0" lang="de-DE" sz="2800" spc="-1" strike="noStrike">
-              <a:solidFill>
-                <a:srgbClr val="000000"/>
-              </a:solidFill>
-              <a:latin typeface="Aptos"/>
+            <a:endParaRPr b="0" lang="en-US" sz="3200" spc="-1" strike="noStrike">
+              <a:latin typeface="Arial"/>
             </a:endParaRPr>
           </a:p>
         </p:txBody>
@@ -3429,8 +3057,8 @@
         </p:nvSpPr>
         <p:spPr>
           <a:xfrm>
-            <a:off x="4393440" y="1825560"/>
-            <a:ext cx="3385800" cy="2075040"/>
+            <a:off x="4319640" y="1604520"/>
+            <a:ext cx="3533040" cy="1896840"/>
           </a:xfrm>
           <a:prstGeom prst="rect">
             <a:avLst/>
@@ -3445,20 +3073,8 @@
             <a:normAutofit/>
           </a:bodyPr>
           <a:p>
-            <a:pPr>
-              <a:lnSpc>
-                <a:spcPct val="90000"/>
-              </a:lnSpc>
-              <a:spcBef>
-                <a:spcPts val="1417"/>
-              </a:spcBef>
-              <a:buNone/>
-            </a:pPr>
-            <a:endParaRPr b="0" lang="de-DE" sz="2800" spc="-1" strike="noStrike">
-              <a:solidFill>
-                <a:srgbClr val="000000"/>
-              </a:solidFill>
-              <a:latin typeface="Aptos"/>
+            <a:endParaRPr b="0" lang="en-US" sz="3200" spc="-1" strike="noStrike">
+              <a:latin typeface="Arial"/>
             </a:endParaRPr>
           </a:p>
         </p:txBody>
@@ -3475,8 +3091,8 @@
         </p:nvSpPr>
         <p:spPr>
           <a:xfrm>
-            <a:off x="7949160" y="1825560"/>
-            <a:ext cx="3385800" cy="2075040"/>
+            <a:off x="8029800" y="1604520"/>
+            <a:ext cx="3533040" cy="1896840"/>
           </a:xfrm>
           <a:prstGeom prst="rect">
             <a:avLst/>
@@ -3491,20 +3107,8 @@
             <a:normAutofit/>
           </a:bodyPr>
           <a:p>
-            <a:pPr>
-              <a:lnSpc>
-                <a:spcPct val="90000"/>
-              </a:lnSpc>
-              <a:spcBef>
-                <a:spcPts val="1417"/>
-              </a:spcBef>
-              <a:buNone/>
-            </a:pPr>
-            <a:endParaRPr b="0" lang="de-DE" sz="2800" spc="-1" strike="noStrike">
-              <a:solidFill>
-                <a:srgbClr val="000000"/>
-              </a:solidFill>
-              <a:latin typeface="Aptos"/>
+            <a:endParaRPr b="0" lang="en-US" sz="3200" spc="-1" strike="noStrike">
+              <a:latin typeface="Arial"/>
             </a:endParaRPr>
           </a:p>
         </p:txBody>
@@ -3521,8 +3125,8 @@
         </p:nvSpPr>
         <p:spPr>
           <a:xfrm>
-            <a:off x="838080" y="4098240"/>
-            <a:ext cx="3385800" cy="2075040"/>
+            <a:off x="609480" y="3682080"/>
+            <a:ext cx="3533040" cy="1896840"/>
           </a:xfrm>
           <a:prstGeom prst="rect">
             <a:avLst/>
@@ -3537,20 +3141,8 @@
             <a:normAutofit/>
           </a:bodyPr>
           <a:p>
-            <a:pPr>
-              <a:lnSpc>
-                <a:spcPct val="90000"/>
-              </a:lnSpc>
-              <a:spcBef>
-                <a:spcPts val="1417"/>
-              </a:spcBef>
-              <a:buNone/>
-            </a:pPr>
-            <a:endParaRPr b="0" lang="de-DE" sz="2800" spc="-1" strike="noStrike">
-              <a:solidFill>
-                <a:srgbClr val="000000"/>
-              </a:solidFill>
-              <a:latin typeface="Aptos"/>
+            <a:endParaRPr b="0" lang="en-US" sz="3200" spc="-1" strike="noStrike">
+              <a:latin typeface="Arial"/>
             </a:endParaRPr>
           </a:p>
         </p:txBody>
@@ -3567,8 +3159,8 @@
         </p:nvSpPr>
         <p:spPr>
           <a:xfrm>
-            <a:off x="4393440" y="4098240"/>
-            <a:ext cx="3385800" cy="2075040"/>
+            <a:off x="4319640" y="3682080"/>
+            <a:ext cx="3533040" cy="1896840"/>
           </a:xfrm>
           <a:prstGeom prst="rect">
             <a:avLst/>
@@ -3583,20 +3175,8 @@
             <a:normAutofit/>
           </a:bodyPr>
           <a:p>
-            <a:pPr>
-              <a:lnSpc>
-                <a:spcPct val="90000"/>
-              </a:lnSpc>
-              <a:spcBef>
-                <a:spcPts val="1417"/>
-              </a:spcBef>
-              <a:buNone/>
-            </a:pPr>
-            <a:endParaRPr b="0" lang="de-DE" sz="2800" spc="-1" strike="noStrike">
-              <a:solidFill>
-                <a:srgbClr val="000000"/>
-              </a:solidFill>
-              <a:latin typeface="Aptos"/>
+            <a:endParaRPr b="0" lang="en-US" sz="3200" spc="-1" strike="noStrike">
+              <a:latin typeface="Arial"/>
             </a:endParaRPr>
           </a:p>
         </p:txBody>
@@ -3613,8 +3193,8 @@
         </p:nvSpPr>
         <p:spPr>
           <a:xfrm>
-            <a:off x="7949160" y="4098240"/>
-            <a:ext cx="3385800" cy="2075040"/>
+            <a:off x="8029800" y="3682080"/>
+            <a:ext cx="3533040" cy="1896840"/>
           </a:xfrm>
           <a:prstGeom prst="rect">
             <a:avLst/>
@@ -3629,20 +3209,8 @@
             <a:normAutofit/>
           </a:bodyPr>
           <a:p>
-            <a:pPr>
-              <a:lnSpc>
-                <a:spcPct val="90000"/>
-              </a:lnSpc>
-              <a:spcBef>
-                <a:spcPts val="1417"/>
-              </a:spcBef>
-              <a:buNone/>
-            </a:pPr>
-            <a:endParaRPr b="0" lang="de-DE" sz="2800" spc="-1" strike="noStrike">
-              <a:solidFill>
-                <a:srgbClr val="000000"/>
-              </a:solidFill>
-              <a:latin typeface="Aptos"/>
+            <a:endParaRPr b="0" lang="en-US" sz="3200" spc="-1" strike="noStrike">
+              <a:latin typeface="Arial"/>
             </a:endParaRPr>
           </a:p>
         </p:txBody>
@@ -3654,7 +3222,7 @@
             <a:spLocks noGrp="1"/>
           </p:cNvSpPr>
           <p:nvPr>
-            <p:ph type="ftr" idx="5"/>
+            <p:ph type="ftr" idx="4"/>
           </p:nvPr>
         </p:nvSpPr>
         <p:spPr/>
@@ -3674,14 +3242,14 @@
             <a:spLocks noGrp="1"/>
           </p:cNvSpPr>
           <p:nvPr>
-            <p:ph type="sldNum" idx="6"/>
+            <p:ph type="sldNum" idx="5"/>
           </p:nvPr>
         </p:nvSpPr>
         <p:spPr/>
         <p:txBody>
           <a:bodyPr/>
           <a:p>
-            <a:fld id="{F159E7D7-8E0D-4542-886F-7FEF83BF4E61}" type="slidenum">
+            <a:fld id="{B5A47C47-2B33-426F-BEE7-858E76F7B3D7}" type="slidenum">
               <a:t>&lt;#&gt;</a:t>
             </a:fld>
           </a:p>
@@ -3694,7 +3262,7 @@
             <a:spLocks noGrp="1"/>
           </p:cNvSpPr>
           <p:nvPr>
-            <p:ph type="dt" idx="4"/>
+            <p:ph type="dt" idx="6"/>
           </p:nvPr>
         </p:nvSpPr>
         <p:spPr/>
@@ -3742,8 +3310,8 @@
         </p:nvSpPr>
         <p:spPr>
           <a:xfrm>
-            <a:off x="838080" y="365040"/>
-            <a:ext cx="10515240" cy="1325160"/>
+            <a:off x="609480" y="273600"/>
+            <a:ext cx="10972440" cy="1144800"/>
           </a:xfrm>
           <a:prstGeom prst="rect">
             <a:avLst/>
@@ -3758,11 +3326,11 @@
             <a:noAutofit/>
           </a:bodyPr>
           <a:p>
-            <a:endParaRPr b="0" lang="de-DE" sz="1800" spc="-1" strike="noStrike">
-              <a:solidFill>
-                <a:srgbClr val="000000"/>
-              </a:solidFill>
-              <a:latin typeface="Aptos"/>
+            <a:pPr algn="ctr">
+              <a:buNone/>
+            </a:pPr>
+            <a:endParaRPr b="0" lang="en-US" sz="4400" spc="-1" strike="noStrike">
+              <a:latin typeface="Arial"/>
             </a:endParaRPr>
           </a:p>
         </p:txBody>
@@ -3779,8 +3347,8 @@
         </p:nvSpPr>
         <p:spPr>
           <a:xfrm>
-            <a:off x="838080" y="1825560"/>
-            <a:ext cx="10515240" cy="4350960"/>
+            <a:off x="609480" y="1604520"/>
+            <a:ext cx="10972440" cy="3977280"/>
           </a:xfrm>
           <a:prstGeom prst="rect">
             <a:avLst/>
@@ -3795,20 +3363,8 @@
             <a:normAutofit/>
           </a:bodyPr>
           <a:p>
-            <a:pPr>
-              <a:lnSpc>
-                <a:spcPct val="90000"/>
-              </a:lnSpc>
-              <a:spcBef>
-                <a:spcPts val="1417"/>
-              </a:spcBef>
-              <a:buNone/>
-            </a:pPr>
-            <a:endParaRPr b="0" lang="de-DE" sz="2800" spc="-1" strike="noStrike">
-              <a:solidFill>
-                <a:srgbClr val="000000"/>
-              </a:solidFill>
-              <a:latin typeface="Aptos"/>
+            <a:endParaRPr b="0" lang="en-US" sz="3200" spc="-1" strike="noStrike">
+              <a:latin typeface="Arial"/>
             </a:endParaRPr>
           </a:p>
         </p:txBody>
@@ -3820,7 +3376,7 @@
             <a:spLocks noGrp="1"/>
           </p:cNvSpPr>
           <p:nvPr>
-            <p:ph type="ftr" idx="2"/>
+            <p:ph type="ftr" idx="1"/>
           </p:nvPr>
         </p:nvSpPr>
         <p:spPr/>
@@ -3840,14 +3396,14 @@
             <a:spLocks noGrp="1"/>
           </p:cNvSpPr>
           <p:nvPr>
-            <p:ph type="sldNum" idx="3"/>
+            <p:ph type="sldNum" idx="2"/>
           </p:nvPr>
         </p:nvSpPr>
         <p:spPr/>
         <p:txBody>
           <a:bodyPr/>
           <a:p>
-            <a:fld id="{3A101FBD-1E69-49A4-BF23-B6CC894ADF49}" type="slidenum">
+            <a:fld id="{D44645C9-707C-4501-ACF3-FD28A5A8875F}" type="slidenum">
               <a:t>&lt;#&gt;</a:t>
             </a:fld>
           </a:p>
@@ -3860,7 +3416,7 @@
             <a:spLocks noGrp="1"/>
           </p:cNvSpPr>
           <p:nvPr>
-            <p:ph type="dt" idx="1"/>
+            <p:ph type="dt" idx="3"/>
           </p:nvPr>
         </p:nvSpPr>
         <p:spPr/>
@@ -3908,8 +3464,8 @@
         </p:nvSpPr>
         <p:spPr>
           <a:xfrm>
-            <a:off x="838080" y="365040"/>
-            <a:ext cx="10515240" cy="1325160"/>
+            <a:off x="609480" y="273600"/>
+            <a:ext cx="10972440" cy="1144800"/>
           </a:xfrm>
           <a:prstGeom prst="rect">
             <a:avLst/>
@@ -3924,11 +3480,11 @@
             <a:noAutofit/>
           </a:bodyPr>
           <a:p>
-            <a:endParaRPr b="0" lang="de-DE" sz="1800" spc="-1" strike="noStrike">
-              <a:solidFill>
-                <a:srgbClr val="000000"/>
-              </a:solidFill>
-              <a:latin typeface="Aptos"/>
+            <a:pPr algn="ctr">
+              <a:buNone/>
+            </a:pPr>
+            <a:endParaRPr b="0" lang="en-US" sz="4400" spc="-1" strike="noStrike">
+              <a:latin typeface="Arial"/>
             </a:endParaRPr>
           </a:p>
         </p:txBody>
@@ -3945,8 +3501,8 @@
         </p:nvSpPr>
         <p:spPr>
           <a:xfrm>
-            <a:off x="838080" y="1825560"/>
-            <a:ext cx="5131080" cy="4350960"/>
+            <a:off x="609480" y="1604520"/>
+            <a:ext cx="5354280" cy="3977280"/>
           </a:xfrm>
           <a:prstGeom prst="rect">
             <a:avLst/>
@@ -3961,20 +3517,8 @@
             <a:normAutofit/>
           </a:bodyPr>
           <a:p>
-            <a:pPr>
-              <a:lnSpc>
-                <a:spcPct val="90000"/>
-              </a:lnSpc>
-              <a:spcBef>
-                <a:spcPts val="1417"/>
-              </a:spcBef>
-              <a:buNone/>
-            </a:pPr>
-            <a:endParaRPr b="0" lang="de-DE" sz="2800" spc="-1" strike="noStrike">
-              <a:solidFill>
-                <a:srgbClr val="000000"/>
-              </a:solidFill>
-              <a:latin typeface="Aptos"/>
+            <a:endParaRPr b="0" lang="en-US" sz="3200" spc="-1" strike="noStrike">
+              <a:latin typeface="Arial"/>
             </a:endParaRPr>
           </a:p>
         </p:txBody>
@@ -3991,8 +3535,8 @@
         </p:nvSpPr>
         <p:spPr>
           <a:xfrm>
-            <a:off x="6226200" y="1825560"/>
-            <a:ext cx="5131080" cy="4350960"/>
+            <a:off x="6231960" y="1604520"/>
+            <a:ext cx="5354280" cy="3977280"/>
           </a:xfrm>
           <a:prstGeom prst="rect">
             <a:avLst/>
@@ -4007,20 +3551,8 @@
             <a:normAutofit/>
           </a:bodyPr>
           <a:p>
-            <a:pPr>
-              <a:lnSpc>
-                <a:spcPct val="90000"/>
-              </a:lnSpc>
-              <a:spcBef>
-                <a:spcPts val="1417"/>
-              </a:spcBef>
-              <a:buNone/>
-            </a:pPr>
-            <a:endParaRPr b="0" lang="de-DE" sz="2800" spc="-1" strike="noStrike">
-              <a:solidFill>
-                <a:srgbClr val="000000"/>
-              </a:solidFill>
-              <a:latin typeface="Aptos"/>
+            <a:endParaRPr b="0" lang="en-US" sz="3200" spc="-1" strike="noStrike">
+              <a:latin typeface="Arial"/>
             </a:endParaRPr>
           </a:p>
         </p:txBody>
@@ -4032,7 +3564,7 @@
             <a:spLocks noGrp="1"/>
           </p:cNvSpPr>
           <p:nvPr>
-            <p:ph type="ftr" idx="2"/>
+            <p:ph type="ftr" idx="1"/>
           </p:nvPr>
         </p:nvSpPr>
         <p:spPr/>
@@ -4052,14 +3584,14 @@
             <a:spLocks noGrp="1"/>
           </p:cNvSpPr>
           <p:nvPr>
-            <p:ph type="sldNum" idx="3"/>
+            <p:ph type="sldNum" idx="2"/>
           </p:nvPr>
         </p:nvSpPr>
         <p:spPr/>
         <p:txBody>
           <a:bodyPr/>
           <a:p>
-            <a:fld id="{6AA343A6-4510-4BF6-B17E-9CBB44BC5CA2}" type="slidenum">
+            <a:fld id="{F7D688D7-4B33-4291-ABBA-B883429CCC0F}" type="slidenum">
               <a:t>&lt;#&gt;</a:t>
             </a:fld>
           </a:p>
@@ -4072,7 +3604,7 @@
             <a:spLocks noGrp="1"/>
           </p:cNvSpPr>
           <p:nvPr>
-            <p:ph type="dt" idx="1"/>
+            <p:ph type="dt" idx="3"/>
           </p:nvPr>
         </p:nvSpPr>
         <p:spPr/>
@@ -4120,8 +3652,8 @@
         </p:nvSpPr>
         <p:spPr>
           <a:xfrm>
-            <a:off x="838080" y="365040"/>
-            <a:ext cx="10515240" cy="1325160"/>
+            <a:off x="609480" y="273600"/>
+            <a:ext cx="10972440" cy="1144800"/>
           </a:xfrm>
           <a:prstGeom prst="rect">
             <a:avLst/>
@@ -4136,11 +3668,11 @@
             <a:noAutofit/>
           </a:bodyPr>
           <a:p>
-            <a:endParaRPr b="0" lang="de-DE" sz="1800" spc="-1" strike="noStrike">
-              <a:solidFill>
-                <a:srgbClr val="000000"/>
-              </a:solidFill>
-              <a:latin typeface="Aptos"/>
+            <a:pPr algn="ctr">
+              <a:buNone/>
+            </a:pPr>
+            <a:endParaRPr b="0" lang="en-US" sz="4400" spc="-1" strike="noStrike">
+              <a:latin typeface="Arial"/>
             </a:endParaRPr>
           </a:p>
         </p:txBody>
@@ -4152,7 +3684,7 @@
             <a:spLocks noGrp="1"/>
           </p:cNvSpPr>
           <p:nvPr>
-            <p:ph type="ftr" idx="2"/>
+            <p:ph type="ftr" idx="1"/>
           </p:nvPr>
         </p:nvSpPr>
         <p:spPr/>
@@ -4172,14 +3704,14 @@
             <a:spLocks noGrp="1"/>
           </p:cNvSpPr>
           <p:nvPr>
-            <p:ph type="sldNum" idx="3"/>
+            <p:ph type="sldNum" idx="2"/>
           </p:nvPr>
         </p:nvSpPr>
         <p:spPr/>
         <p:txBody>
           <a:bodyPr/>
           <a:p>
-            <a:fld id="{56601CC4-E599-4BC9-ABE7-25B5636D669E}" type="slidenum">
+            <a:fld id="{A8297EA5-8615-4803-9327-878982A1B90A}" type="slidenum">
               <a:t>&lt;#&gt;</a:t>
             </a:fld>
           </a:p>
@@ -4192,7 +3724,7 @@
             <a:spLocks noGrp="1"/>
           </p:cNvSpPr>
           <p:nvPr>
-            <p:ph type="dt" idx="1"/>
+            <p:ph type="dt" idx="3"/>
           </p:nvPr>
         </p:nvSpPr>
         <p:spPr/>
@@ -4240,8 +3772,8 @@
         </p:nvSpPr>
         <p:spPr>
           <a:xfrm>
-            <a:off x="838080" y="365040"/>
-            <a:ext cx="10515240" cy="6144120"/>
+            <a:off x="609480" y="273600"/>
+            <a:ext cx="10972440" cy="5307840"/>
           </a:xfrm>
           <a:prstGeom prst="rect">
             <a:avLst/>
@@ -4272,7 +3804,7 @@
             <a:spLocks noGrp="1"/>
           </p:cNvSpPr>
           <p:nvPr>
-            <p:ph type="ftr" idx="2"/>
+            <p:ph type="ftr" idx="1"/>
           </p:nvPr>
         </p:nvSpPr>
         <p:spPr/>
@@ -4292,14 +3824,14 @@
             <a:spLocks noGrp="1"/>
           </p:cNvSpPr>
           <p:nvPr>
-            <p:ph type="sldNum" idx="3"/>
+            <p:ph type="sldNum" idx="2"/>
           </p:nvPr>
         </p:nvSpPr>
         <p:spPr/>
         <p:txBody>
           <a:bodyPr/>
           <a:p>
-            <a:fld id="{9F9D9619-1DF9-409B-8B79-45700A7ADA7B}" type="slidenum">
+            <a:fld id="{1DA17C14-7BA9-4D4A-941C-A8DB7374B715}" type="slidenum">
               <a:t>&lt;#&gt;</a:t>
             </a:fld>
           </a:p>
@@ -4312,7 +3844,7 @@
             <a:spLocks noGrp="1"/>
           </p:cNvSpPr>
           <p:nvPr>
-            <p:ph type="dt" idx="1"/>
+            <p:ph type="dt" idx="3"/>
           </p:nvPr>
         </p:nvSpPr>
         <p:spPr/>
@@ -4360,8 +3892,8 @@
         </p:nvSpPr>
         <p:spPr>
           <a:xfrm>
-            <a:off x="838080" y="365040"/>
-            <a:ext cx="10515240" cy="1325160"/>
+            <a:off x="609480" y="273600"/>
+            <a:ext cx="10972440" cy="1144800"/>
           </a:xfrm>
           <a:prstGeom prst="rect">
             <a:avLst/>
@@ -4376,11 +3908,11 @@
             <a:noAutofit/>
           </a:bodyPr>
           <a:p>
-            <a:endParaRPr b="0" lang="de-DE" sz="1800" spc="-1" strike="noStrike">
-              <a:solidFill>
-                <a:srgbClr val="000000"/>
-              </a:solidFill>
-              <a:latin typeface="Aptos"/>
+            <a:pPr algn="ctr">
+              <a:buNone/>
+            </a:pPr>
+            <a:endParaRPr b="0" lang="en-US" sz="4400" spc="-1" strike="noStrike">
+              <a:latin typeface="Arial"/>
             </a:endParaRPr>
           </a:p>
         </p:txBody>
@@ -4397,8 +3929,8 @@
         </p:nvSpPr>
         <p:spPr>
           <a:xfrm>
-            <a:off x="838080" y="1825560"/>
-            <a:ext cx="5131080" cy="2075040"/>
+            <a:off x="609480" y="1604520"/>
+            <a:ext cx="5354280" cy="1896840"/>
           </a:xfrm>
           <a:prstGeom prst="rect">
             <a:avLst/>
@@ -4413,20 +3945,8 @@
             <a:normAutofit/>
           </a:bodyPr>
           <a:p>
-            <a:pPr>
-              <a:lnSpc>
-                <a:spcPct val="90000"/>
-              </a:lnSpc>
-              <a:spcBef>
-                <a:spcPts val="1417"/>
-              </a:spcBef>
-              <a:buNone/>
-            </a:pPr>
-            <a:endParaRPr b="0" lang="de-DE" sz="2800" spc="-1" strike="noStrike">
-              <a:solidFill>
-                <a:srgbClr val="000000"/>
-              </a:solidFill>
-              <a:latin typeface="Aptos"/>
+            <a:endParaRPr b="0" lang="en-US" sz="3200" spc="-1" strike="noStrike">
+              <a:latin typeface="Arial"/>
             </a:endParaRPr>
           </a:p>
         </p:txBody>
@@ -4443,8 +3963,8 @@
         </p:nvSpPr>
         <p:spPr>
           <a:xfrm>
-            <a:off x="6226200" y="1825560"/>
-            <a:ext cx="5131080" cy="4350960"/>
+            <a:off x="6231960" y="1604520"/>
+            <a:ext cx="5354280" cy="3977280"/>
           </a:xfrm>
           <a:prstGeom prst="rect">
             <a:avLst/>
@@ -4459,20 +3979,8 @@
             <a:normAutofit/>
           </a:bodyPr>
           <a:p>
-            <a:pPr>
-              <a:lnSpc>
-                <a:spcPct val="90000"/>
-              </a:lnSpc>
-              <a:spcBef>
-                <a:spcPts val="1417"/>
-              </a:spcBef>
-              <a:buNone/>
-            </a:pPr>
-            <a:endParaRPr b="0" lang="de-DE" sz="2800" spc="-1" strike="noStrike">
-              <a:solidFill>
-                <a:srgbClr val="000000"/>
-              </a:solidFill>
-              <a:latin typeface="Aptos"/>
+            <a:endParaRPr b="0" lang="en-US" sz="3200" spc="-1" strike="noStrike">
+              <a:latin typeface="Arial"/>
             </a:endParaRPr>
           </a:p>
         </p:txBody>
@@ -4489,8 +3997,8 @@
         </p:nvSpPr>
         <p:spPr>
           <a:xfrm>
-            <a:off x="838080" y="4098240"/>
-            <a:ext cx="5131080" cy="2075040"/>
+            <a:off x="609480" y="3682080"/>
+            <a:ext cx="5354280" cy="1896840"/>
           </a:xfrm>
           <a:prstGeom prst="rect">
             <a:avLst/>
@@ -4505,20 +4013,8 @@
             <a:normAutofit/>
           </a:bodyPr>
           <a:p>
-            <a:pPr>
-              <a:lnSpc>
-                <a:spcPct val="90000"/>
-              </a:lnSpc>
-              <a:spcBef>
-                <a:spcPts val="1417"/>
-              </a:spcBef>
-              <a:buNone/>
-            </a:pPr>
-            <a:endParaRPr b="0" lang="de-DE" sz="2800" spc="-1" strike="noStrike">
-              <a:solidFill>
-                <a:srgbClr val="000000"/>
-              </a:solidFill>
-              <a:latin typeface="Aptos"/>
+            <a:endParaRPr b="0" lang="en-US" sz="3200" spc="-1" strike="noStrike">
+              <a:latin typeface="Arial"/>
             </a:endParaRPr>
           </a:p>
         </p:txBody>
@@ -4530,7 +4026,7 @@
             <a:spLocks noGrp="1"/>
           </p:cNvSpPr>
           <p:nvPr>
-            <p:ph type="ftr" idx="2"/>
+            <p:ph type="ftr" idx="1"/>
           </p:nvPr>
         </p:nvSpPr>
         <p:spPr/>
@@ -4550,14 +4046,14 @@
             <a:spLocks noGrp="1"/>
           </p:cNvSpPr>
           <p:nvPr>
-            <p:ph type="sldNum" idx="3"/>
+            <p:ph type="sldNum" idx="2"/>
           </p:nvPr>
         </p:nvSpPr>
         <p:spPr/>
         <p:txBody>
           <a:bodyPr/>
           <a:p>
-            <a:fld id="{6B4D14F1-31A8-4C49-B6B1-426B18C4843E}" type="slidenum">
+            <a:fld id="{8B717F0B-4B55-49A6-A5D7-BCC0251E811C}" type="slidenum">
               <a:t>&lt;#&gt;</a:t>
             </a:fld>
           </a:p>
@@ -4570,7 +4066,7 @@
             <a:spLocks noGrp="1"/>
           </p:cNvSpPr>
           <p:nvPr>
-            <p:ph type="dt" idx="1"/>
+            <p:ph type="dt" idx="3"/>
           </p:nvPr>
         </p:nvSpPr>
         <p:spPr/>
@@ -4618,8 +4114,8 @@
         </p:nvSpPr>
         <p:spPr>
           <a:xfrm>
-            <a:off x="838080" y="365040"/>
-            <a:ext cx="10515240" cy="1325160"/>
+            <a:off x="609480" y="273600"/>
+            <a:ext cx="10972440" cy="1144800"/>
           </a:xfrm>
           <a:prstGeom prst="rect">
             <a:avLst/>
@@ -4634,11 +4130,11 @@
             <a:noAutofit/>
           </a:bodyPr>
           <a:p>
-            <a:endParaRPr b="0" lang="de-DE" sz="1800" spc="-1" strike="noStrike">
-              <a:solidFill>
-                <a:srgbClr val="000000"/>
-              </a:solidFill>
-              <a:latin typeface="Aptos"/>
+            <a:pPr algn="ctr">
+              <a:buNone/>
+            </a:pPr>
+            <a:endParaRPr b="0" lang="en-US" sz="4400" spc="-1" strike="noStrike">
+              <a:latin typeface="Arial"/>
             </a:endParaRPr>
           </a:p>
         </p:txBody>
@@ -4655,8 +4151,8 @@
         </p:nvSpPr>
         <p:spPr>
           <a:xfrm>
-            <a:off x="838080" y="1825560"/>
-            <a:ext cx="5131080" cy="4350960"/>
+            <a:off x="609480" y="1604520"/>
+            <a:ext cx="5354280" cy="3977280"/>
           </a:xfrm>
           <a:prstGeom prst="rect">
             <a:avLst/>
@@ -4671,20 +4167,8 @@
             <a:normAutofit/>
           </a:bodyPr>
           <a:p>
-            <a:pPr>
-              <a:lnSpc>
-                <a:spcPct val="90000"/>
-              </a:lnSpc>
-              <a:spcBef>
-                <a:spcPts val="1417"/>
-              </a:spcBef>
-              <a:buNone/>
-            </a:pPr>
-            <a:endParaRPr b="0" lang="de-DE" sz="2800" spc="-1" strike="noStrike">
-              <a:solidFill>
-                <a:srgbClr val="000000"/>
-              </a:solidFill>
-              <a:latin typeface="Aptos"/>
+            <a:endParaRPr b="0" lang="en-US" sz="3200" spc="-1" strike="noStrike">
+              <a:latin typeface="Arial"/>
             </a:endParaRPr>
           </a:p>
         </p:txBody>
@@ -4701,8 +4185,8 @@
         </p:nvSpPr>
         <p:spPr>
           <a:xfrm>
-            <a:off x="6226200" y="1825560"/>
-            <a:ext cx="5131080" cy="2075040"/>
+            <a:off x="6231960" y="1604520"/>
+            <a:ext cx="5354280" cy="1896840"/>
           </a:xfrm>
           <a:prstGeom prst="rect">
             <a:avLst/>
@@ -4717,20 +4201,8 @@
             <a:normAutofit/>
           </a:bodyPr>
           <a:p>
-            <a:pPr>
-              <a:lnSpc>
-                <a:spcPct val="90000"/>
-              </a:lnSpc>
-              <a:spcBef>
-                <a:spcPts val="1417"/>
-              </a:spcBef>
-              <a:buNone/>
-            </a:pPr>
-            <a:endParaRPr b="0" lang="de-DE" sz="2800" spc="-1" strike="noStrike">
-              <a:solidFill>
-                <a:srgbClr val="000000"/>
-              </a:solidFill>
-              <a:latin typeface="Aptos"/>
+            <a:endParaRPr b="0" lang="en-US" sz="3200" spc="-1" strike="noStrike">
+              <a:latin typeface="Arial"/>
             </a:endParaRPr>
           </a:p>
         </p:txBody>
@@ -4747,8 +4219,8 @@
         </p:nvSpPr>
         <p:spPr>
           <a:xfrm>
-            <a:off x="6226200" y="4098240"/>
-            <a:ext cx="5131080" cy="2075040"/>
+            <a:off x="6231960" y="3682080"/>
+            <a:ext cx="5354280" cy="1896840"/>
           </a:xfrm>
           <a:prstGeom prst="rect">
             <a:avLst/>
@@ -4763,20 +4235,8 @@
             <a:normAutofit/>
           </a:bodyPr>
           <a:p>
-            <a:pPr>
-              <a:lnSpc>
-                <a:spcPct val="90000"/>
-              </a:lnSpc>
-              <a:spcBef>
-                <a:spcPts val="1417"/>
-              </a:spcBef>
-              <a:buNone/>
-            </a:pPr>
-            <a:endParaRPr b="0" lang="de-DE" sz="2800" spc="-1" strike="noStrike">
-              <a:solidFill>
-                <a:srgbClr val="000000"/>
-              </a:solidFill>
-              <a:latin typeface="Aptos"/>
+            <a:endParaRPr b="0" lang="en-US" sz="3200" spc="-1" strike="noStrike">
+              <a:latin typeface="Arial"/>
             </a:endParaRPr>
           </a:p>
         </p:txBody>
@@ -4788,7 +4248,7 @@
             <a:spLocks noGrp="1"/>
           </p:cNvSpPr>
           <p:nvPr>
-            <p:ph type="ftr" idx="2"/>
+            <p:ph type="ftr" idx="1"/>
           </p:nvPr>
         </p:nvSpPr>
         <p:spPr/>
@@ -4808,14 +4268,14 @@
             <a:spLocks noGrp="1"/>
           </p:cNvSpPr>
           <p:nvPr>
-            <p:ph type="sldNum" idx="3"/>
+            <p:ph type="sldNum" idx="2"/>
           </p:nvPr>
         </p:nvSpPr>
         <p:spPr/>
         <p:txBody>
           <a:bodyPr/>
           <a:p>
-            <a:fld id="{B191BD37-10C4-4F89-8052-A9706E317599}" type="slidenum">
+            <a:fld id="{8F53A44C-CFFA-44FF-96A1-828F0F46298B}" type="slidenum">
               <a:t>&lt;#&gt;</a:t>
             </a:fld>
           </a:p>
@@ -4828,7 +4288,7 @@
             <a:spLocks noGrp="1"/>
           </p:cNvSpPr>
           <p:nvPr>
-            <p:ph type="dt" idx="1"/>
+            <p:ph type="dt" idx="3"/>
           </p:nvPr>
         </p:nvSpPr>
         <p:spPr/>
@@ -4876,8 +4336,8 @@
         </p:nvSpPr>
         <p:spPr>
           <a:xfrm>
-            <a:off x="838080" y="365040"/>
-            <a:ext cx="10515240" cy="1325160"/>
+            <a:off x="609480" y="273600"/>
+            <a:ext cx="10972440" cy="1144800"/>
           </a:xfrm>
           <a:prstGeom prst="rect">
             <a:avLst/>
@@ -4892,11 +4352,11 @@
             <a:noAutofit/>
           </a:bodyPr>
           <a:p>
-            <a:endParaRPr b="0" lang="de-DE" sz="1800" spc="-1" strike="noStrike">
-              <a:solidFill>
-                <a:srgbClr val="000000"/>
-              </a:solidFill>
-              <a:latin typeface="Aptos"/>
+            <a:pPr algn="ctr">
+              <a:buNone/>
+            </a:pPr>
+            <a:endParaRPr b="0" lang="en-US" sz="4400" spc="-1" strike="noStrike">
+              <a:latin typeface="Arial"/>
             </a:endParaRPr>
           </a:p>
         </p:txBody>
@@ -4913,8 +4373,8 @@
         </p:nvSpPr>
         <p:spPr>
           <a:xfrm>
-            <a:off x="838080" y="1825560"/>
-            <a:ext cx="5131080" cy="2075040"/>
+            <a:off x="609480" y="1604520"/>
+            <a:ext cx="5354280" cy="1896840"/>
           </a:xfrm>
           <a:prstGeom prst="rect">
             <a:avLst/>
@@ -4929,20 +4389,8 @@
             <a:normAutofit/>
           </a:bodyPr>
           <a:p>
-            <a:pPr>
-              <a:lnSpc>
-                <a:spcPct val="90000"/>
-              </a:lnSpc>
-              <a:spcBef>
-                <a:spcPts val="1417"/>
-              </a:spcBef>
-              <a:buNone/>
-            </a:pPr>
-            <a:endParaRPr b="0" lang="de-DE" sz="2800" spc="-1" strike="noStrike">
-              <a:solidFill>
-                <a:srgbClr val="000000"/>
-              </a:solidFill>
-              <a:latin typeface="Aptos"/>
+            <a:endParaRPr b="0" lang="en-US" sz="3200" spc="-1" strike="noStrike">
+              <a:latin typeface="Arial"/>
             </a:endParaRPr>
           </a:p>
         </p:txBody>
@@ -4959,8 +4407,8 @@
         </p:nvSpPr>
         <p:spPr>
           <a:xfrm>
-            <a:off x="6226200" y="1825560"/>
-            <a:ext cx="5131080" cy="2075040"/>
+            <a:off x="6231960" y="1604520"/>
+            <a:ext cx="5354280" cy="1896840"/>
           </a:xfrm>
           <a:prstGeom prst="rect">
             <a:avLst/>
@@ -4975,20 +4423,8 @@
             <a:normAutofit/>
           </a:bodyPr>
           <a:p>
-            <a:pPr>
-              <a:lnSpc>
-                <a:spcPct val="90000"/>
-              </a:lnSpc>
-              <a:spcBef>
-                <a:spcPts val="1417"/>
-              </a:spcBef>
-              <a:buNone/>
-            </a:pPr>
-            <a:endParaRPr b="0" lang="de-DE" sz="2800" spc="-1" strike="noStrike">
-              <a:solidFill>
-                <a:srgbClr val="000000"/>
-              </a:solidFill>
-              <a:latin typeface="Aptos"/>
+            <a:endParaRPr b="0" lang="en-US" sz="3200" spc="-1" strike="noStrike">
+              <a:latin typeface="Arial"/>
             </a:endParaRPr>
           </a:p>
         </p:txBody>
@@ -5005,8 +4441,8 @@
         </p:nvSpPr>
         <p:spPr>
           <a:xfrm>
-            <a:off x="838080" y="4098240"/>
-            <a:ext cx="10515240" cy="2075040"/>
+            <a:off x="609480" y="3682080"/>
+            <a:ext cx="10972440" cy="1896840"/>
           </a:xfrm>
           <a:prstGeom prst="rect">
             <a:avLst/>
@@ -5021,20 +4457,8 @@
             <a:normAutofit/>
           </a:bodyPr>
           <a:p>
-            <a:pPr>
-              <a:lnSpc>
-                <a:spcPct val="90000"/>
-              </a:lnSpc>
-              <a:spcBef>
-                <a:spcPts val="1417"/>
-              </a:spcBef>
-              <a:buNone/>
-            </a:pPr>
-            <a:endParaRPr b="0" lang="de-DE" sz="2800" spc="-1" strike="noStrike">
-              <a:solidFill>
-                <a:srgbClr val="000000"/>
-              </a:solidFill>
-              <a:latin typeface="Aptos"/>
+            <a:endParaRPr b="0" lang="en-US" sz="3200" spc="-1" strike="noStrike">
+              <a:latin typeface="Arial"/>
             </a:endParaRPr>
           </a:p>
         </p:txBody>
@@ -5046,7 +4470,7 @@
             <a:spLocks noGrp="1"/>
           </p:cNvSpPr>
           <p:nvPr>
-            <p:ph type="ftr" idx="2"/>
+            <p:ph type="ftr" idx="1"/>
           </p:nvPr>
         </p:nvSpPr>
         <p:spPr/>
@@ -5066,14 +4490,14 @@
             <a:spLocks noGrp="1"/>
           </p:cNvSpPr>
           <p:nvPr>
-            <p:ph type="sldNum" idx="3"/>
+            <p:ph type="sldNum" idx="2"/>
           </p:nvPr>
         </p:nvSpPr>
         <p:spPr/>
         <p:txBody>
           <a:bodyPr/>
           <a:p>
-            <a:fld id="{97510BB9-2005-43FF-81F4-926F147B962A}" type="slidenum">
+            <a:fld id="{A26A5628-E71B-442B-B3F8-9DBEB19296B5}" type="slidenum">
               <a:t>&lt;#&gt;</a:t>
             </a:fld>
           </a:p>
@@ -5086,7 +4510,7 @@
             <a:spLocks noGrp="1"/>
           </p:cNvSpPr>
           <p:nvPr>
-            <p:ph type="dt" idx="1"/>
+            <p:ph type="dt" idx="3"/>
           </p:nvPr>
         </p:nvSpPr>
         <p:spPr/>
@@ -5141,42 +4565,48 @@
         </p:nvSpPr>
         <p:spPr>
           <a:xfrm>
-            <a:off x="1523880" y="1122480"/>
-            <a:ext cx="9143640" cy="2387160"/>
-          </a:xfrm>
-          <a:prstGeom prst="rect">
-            <a:avLst/>
-          </a:prstGeom>
-          <a:noFill/>
-          <a:ln w="0">
-            <a:noFill/>
-          </a:ln>
-        </p:spPr>
-        <p:txBody>
-          <a:bodyPr anchor="b">
+            <a:off x="838080" y="365040"/>
+            <a:ext cx="10514880" cy="1324800"/>
+          </a:xfrm>
+          <a:prstGeom prst="rect">
+            <a:avLst/>
+          </a:prstGeom>
+          <a:noFill/>
+          <a:ln w="0">
+            <a:noFill/>
+          </a:ln>
+        </p:spPr>
+        <p:txBody>
+          <a:bodyPr lIns="0" rIns="0" tIns="0" bIns="0" anchor="ctr">
             <a:noAutofit/>
           </a:bodyPr>
           <a:p>
-            <a:pPr algn="ctr">
-              <a:lnSpc>
-                <a:spcPct val="90000"/>
-              </a:lnSpc>
-              <a:buNone/>
-            </a:pPr>
-            <a:r>
-              <a:rPr b="0" lang="de-DE" sz="6000" spc="-1" strike="noStrike">
-                <a:solidFill>
-                  <a:srgbClr val="000000"/>
-                </a:solidFill>
-                <a:latin typeface="Aptos Display"/>
+            <a:r>
+              <a:rPr b="0" lang="en-US" sz="1800" spc="-1" strike="noStrike">
+                <a:latin typeface="Arial"/>
               </a:rPr>
-              <a:t>Mastertitelformat bearbeiten</a:t>
-            </a:r>
-            <a:endParaRPr b="0" lang="de-DE" sz="6000" spc="-1" strike="noStrike">
-              <a:solidFill>
-                <a:srgbClr val="000000"/>
-              </a:solidFill>
-              <a:latin typeface="Aptos"/>
+              <a:t>Click to </a:t>
+            </a:r>
+            <a:r>
+              <a:rPr b="0" lang="en-US" sz="1800" spc="-1" strike="noStrike">
+                <a:latin typeface="Arial"/>
+              </a:rPr>
+              <a:t>edit the </a:t>
+            </a:r>
+            <a:r>
+              <a:rPr b="0" lang="en-US" sz="1800" spc="-1" strike="noStrike">
+                <a:latin typeface="Arial"/>
+              </a:rPr>
+              <a:t>title text </a:t>
+            </a:r>
+            <a:r>
+              <a:rPr b="0" lang="en-US" sz="1800" spc="-1" strike="noStrike">
+                <a:latin typeface="Arial"/>
+              </a:rPr>
+              <a:t>format</a:t>
+            </a:r>
+            <a:endParaRPr b="0" lang="en-US" sz="1800" spc="-1" strike="noStrike">
+              <a:latin typeface="Arial"/>
             </a:endParaRPr>
           </a:p>
         </p:txBody>
@@ -5188,91 +4618,31 @@
             <a:spLocks noGrp="1"/>
           </p:cNvSpPr>
           <p:nvPr>
-            <p:ph type="dt" idx="1"/>
-          </p:nvPr>
-        </p:nvSpPr>
-        <p:spPr>
-          <a:xfrm>
-            <a:off x="838080" y="6356520"/>
-            <a:ext cx="2742840" cy="364680"/>
-          </a:xfrm>
-          <a:prstGeom prst="rect">
-            <a:avLst/>
-          </a:prstGeom>
-          <a:noFill/>
-          <a:ln w="0">
-            <a:noFill/>
-          </a:ln>
-        </p:spPr>
-        <p:txBody>
-          <a:bodyPr anchor="ctr">
+            <p:ph type="ftr" idx="1"/>
+          </p:nvPr>
+        </p:nvSpPr>
+        <p:spPr>
+          <a:xfrm>
+            <a:off x="4038480" y="6356520"/>
+            <a:ext cx="4114080" cy="364320"/>
+          </a:xfrm>
+          <a:prstGeom prst="rect">
+            <a:avLst/>
+          </a:prstGeom>
+          <a:noFill/>
+          <a:ln w="0">
+            <a:noFill/>
+          </a:ln>
+        </p:spPr>
+        <p:txBody>
+          <a:bodyPr lIns="90000" rIns="90000" tIns="45000" bIns="45000" anchor="ctr">
             <a:noAutofit/>
           </a:bodyPr>
           <a:lstStyle>
-            <a:lvl1pPr>
+            <a:lvl1pPr algn="ctr">
               <a:lnSpc>
                 <a:spcPct val="100000"/>
               </a:lnSpc>
-              <a:buNone/>
-              <a:defRPr b="0" lang="de-DE" sz="1200" spc="-1" strike="noStrike">
-                <a:solidFill>
-                  <a:srgbClr val="787878"/>
-                </a:solidFill>
-                <a:latin typeface="Aptos"/>
-              </a:defRPr>
-            </a:lvl1pPr>
-          </a:lstStyle>
-          <a:p>
-            <a:pPr>
-              <a:lnSpc>
-                <a:spcPct val="100000"/>
-              </a:lnSpc>
-              <a:buNone/>
-            </a:pPr>
-            <a:r>
-              <a:rPr b="0" lang="de-DE" sz="1200" spc="-1" strike="noStrike">
-                <a:solidFill>
-                  <a:srgbClr val="787878"/>
-                </a:solidFill>
-                <a:latin typeface="Aptos"/>
-              </a:rPr>
-              <a:t>&lt;date/time&gt;</a:t>
-            </a:r>
-            <a:endParaRPr b="0" lang="en-US" sz="1200" spc="-1" strike="noStrike">
-              <a:latin typeface="Times New Roman"/>
-            </a:endParaRPr>
-          </a:p>
-        </p:txBody>
-      </p:sp>
-      <p:sp>
-        <p:nvSpPr>
-          <p:cNvPr id="2" name="PlaceHolder 3"/>
-          <p:cNvSpPr>
-            <a:spLocks noGrp="1"/>
-          </p:cNvSpPr>
-          <p:nvPr>
-            <p:ph type="ftr" idx="2"/>
-          </p:nvPr>
-        </p:nvSpPr>
-        <p:spPr>
-          <a:xfrm>
-            <a:off x="4038480" y="6356520"/>
-            <a:ext cx="4114440" cy="364680"/>
-          </a:xfrm>
-          <a:prstGeom prst="rect">
-            <a:avLst/>
-          </a:prstGeom>
-          <a:noFill/>
-          <a:ln w="0">
-            <a:noFill/>
-          </a:ln>
-        </p:spPr>
-        <p:txBody>
-          <a:bodyPr anchor="ctr">
-            <a:noAutofit/>
-          </a:bodyPr>
-          <a:lstStyle>
-            <a:lvl1pPr algn="ctr">
               <a:buNone/>
               <a:defRPr b="0" lang="en-US" sz="1400" spc="-1" strike="noStrike">
                 <a:latin typeface="Times New Roman"/>
@@ -5281,6 +4651,9 @@
           </a:lstStyle>
           <a:p>
             <a:pPr algn="ctr">
+              <a:lnSpc>
+                <a:spcPct val="100000"/>
+              </a:lnSpc>
               <a:buNone/>
             </a:pPr>
             <a:r>
@@ -5297,29 +4670,29 @@
       </p:sp>
       <p:sp>
         <p:nvSpPr>
-          <p:cNvPr id="3" name="PlaceHolder 4"/>
-          <p:cNvSpPr>
-            <a:spLocks noGrp="1"/>
-          </p:cNvSpPr>
-          <p:nvPr>
-            <p:ph type="sldNum" idx="3"/>
+          <p:cNvPr id="2" name="PlaceHolder 3"/>
+          <p:cNvSpPr>
+            <a:spLocks noGrp="1"/>
+          </p:cNvSpPr>
+          <p:nvPr>
+            <p:ph type="sldNum" idx="2"/>
           </p:nvPr>
         </p:nvSpPr>
         <p:spPr>
           <a:xfrm>
             <a:off x="8610480" y="6356520"/>
-            <a:ext cx="2742840" cy="364680"/>
-          </a:xfrm>
-          <a:prstGeom prst="rect">
-            <a:avLst/>
-          </a:prstGeom>
-          <a:noFill/>
-          <a:ln w="0">
-            <a:noFill/>
-          </a:ln>
-        </p:spPr>
-        <p:txBody>
-          <a:bodyPr anchor="ctr">
+            <a:ext cx="2742480" cy="364320"/>
+          </a:xfrm>
+          <a:prstGeom prst="rect">
+            <a:avLst/>
+          </a:prstGeom>
+          <a:noFill/>
+          <a:ln w="0">
+            <a:noFill/>
+          </a:ln>
+        </p:spPr>
+        <p:txBody>
+          <a:bodyPr lIns="90000" rIns="90000" tIns="45000" bIns="45000" anchor="ctr">
             <a:noAutofit/>
           </a:bodyPr>
           <a:lstStyle>
@@ -5343,7 +4716,7 @@
               </a:lnSpc>
               <a:buNone/>
             </a:pPr>
-            <a:fld id="{89AD82DA-2151-44C6-81A4-6C301DA3883C}" type="slidenum">
+            <a:fld id="{37E27587-FE4D-4F54-901E-E0613E4E8AA4}" type="slidenum">
               <a:rPr b="0" lang="de-DE" sz="1200" spc="-1" strike="noStrike">
                 <a:solidFill>
                   <a:srgbClr val="787878"/>
@@ -5360,6 +4733,53 @@
       </p:sp>
       <p:sp>
         <p:nvSpPr>
+          <p:cNvPr id="3" name="PlaceHolder 4"/>
+          <p:cNvSpPr>
+            <a:spLocks noGrp="1"/>
+          </p:cNvSpPr>
+          <p:nvPr>
+            <p:ph type="dt" idx="3"/>
+          </p:nvPr>
+        </p:nvSpPr>
+        <p:spPr>
+          <a:xfrm>
+            <a:off x="838080" y="6356520"/>
+            <a:ext cx="2742480" cy="364320"/>
+          </a:xfrm>
+          <a:prstGeom prst="rect">
+            <a:avLst/>
+          </a:prstGeom>
+          <a:noFill/>
+          <a:ln w="0">
+            <a:noFill/>
+          </a:ln>
+        </p:spPr>
+        <p:txBody>
+          <a:bodyPr lIns="90000" rIns="90000" tIns="45000" bIns="45000" anchor="ctr">
+            <a:noAutofit/>
+          </a:bodyPr>
+          <a:lstStyle>
+            <a:lvl1pPr>
+              <a:defRPr b="0" lang="en-US" sz="1400" spc="-1" strike="noStrike">
+                <a:latin typeface="Times New Roman"/>
+              </a:defRPr>
+            </a:lvl1pPr>
+          </a:lstStyle>
+          <a:p>
+            <a:r>
+              <a:rPr b="0" lang="en-US" sz="1400" spc="-1" strike="noStrike">
+                <a:latin typeface="Times New Roman"/>
+              </a:rPr>
+              <a:t>&lt;date/time&gt;</a:t>
+            </a:r>
+            <a:endParaRPr b="0" lang="en-US" sz="1400" spc="-1" strike="noStrike">
+              <a:latin typeface="Times New Roman"/>
+            </a:endParaRPr>
+          </a:p>
+        </p:txBody>
+      </p:sp>
+      <p:sp>
+        <p:nvSpPr>
           <p:cNvPr id="4" name="PlaceHolder 5"/>
           <p:cNvSpPr>
             <a:spLocks noGrp="1"/>
@@ -5387,9 +4807,6 @@
           </a:bodyPr>
           <a:p>
             <a:pPr marL="432000" indent="-324000">
-              <a:lnSpc>
-                <a:spcPct val="90000"/>
-              </a:lnSpc>
               <a:spcBef>
                 <a:spcPts val="1417"/>
               </a:spcBef>
@@ -5401,26 +4818,17 @@
               <a:buChar char=""/>
             </a:pPr>
             <a:r>
-              <a:rPr b="0" lang="de-DE" sz="2800" spc="-1" strike="noStrike">
-                <a:solidFill>
-                  <a:srgbClr val="000000"/>
-                </a:solidFill>
-                <a:latin typeface="Aptos"/>
+              <a:rPr b="0" lang="en-US" sz="3200" spc="-1" strike="noStrike">
+                <a:latin typeface="Arial"/>
               </a:rPr>
               <a:t>Click to edit the outline text format</a:t>
             </a:r>
-            <a:endParaRPr b="0" lang="de-DE" sz="2800" spc="-1" strike="noStrike">
-              <a:solidFill>
-                <a:srgbClr val="000000"/>
-              </a:solidFill>
-              <a:latin typeface="Aptos"/>
+            <a:endParaRPr b="0" lang="en-US" sz="3200" spc="-1" strike="noStrike">
+              <a:latin typeface="Arial"/>
             </a:endParaRPr>
           </a:p>
           <a:p>
             <a:pPr lvl="1" marL="864000" indent="-324000">
-              <a:lnSpc>
-                <a:spcPct val="90000"/>
-              </a:lnSpc>
               <a:spcBef>
                 <a:spcPts val="1134"/>
               </a:spcBef>
@@ -5432,26 +4840,17 @@
               <a:buChar char=""/>
             </a:pPr>
             <a:r>
-              <a:rPr b="0" lang="de-DE" sz="2000" spc="-1" strike="noStrike">
-                <a:solidFill>
-                  <a:srgbClr val="000000"/>
-                </a:solidFill>
-                <a:latin typeface="Aptos"/>
+              <a:rPr b="0" lang="en-US" sz="2800" spc="-1" strike="noStrike">
+                <a:latin typeface="Arial"/>
               </a:rPr>
               <a:t>Second Outline Level</a:t>
             </a:r>
-            <a:endParaRPr b="0" lang="de-DE" sz="2000" spc="-1" strike="noStrike">
-              <a:solidFill>
-                <a:srgbClr val="000000"/>
-              </a:solidFill>
-              <a:latin typeface="Aptos"/>
+            <a:endParaRPr b="0" lang="en-US" sz="2800" spc="-1" strike="noStrike">
+              <a:latin typeface="Arial"/>
             </a:endParaRPr>
           </a:p>
           <a:p>
             <a:pPr lvl="2" marL="1296000" indent="-288000">
-              <a:lnSpc>
-                <a:spcPct val="90000"/>
-              </a:lnSpc>
               <a:spcBef>
                 <a:spcPts val="850"/>
               </a:spcBef>
@@ -5463,26 +4862,17 @@
               <a:buChar char=""/>
             </a:pPr>
             <a:r>
-              <a:rPr b="0" lang="de-DE" sz="1800" spc="-1" strike="noStrike">
-                <a:solidFill>
-                  <a:srgbClr val="000000"/>
-                </a:solidFill>
-                <a:latin typeface="Aptos"/>
+              <a:rPr b="0" lang="en-US" sz="2400" spc="-1" strike="noStrike">
+                <a:latin typeface="Arial"/>
               </a:rPr>
               <a:t>Third Outline Level</a:t>
             </a:r>
-            <a:endParaRPr b="0" lang="de-DE" sz="1800" spc="-1" strike="noStrike">
-              <a:solidFill>
-                <a:srgbClr val="000000"/>
-              </a:solidFill>
-              <a:latin typeface="Aptos"/>
+            <a:endParaRPr b="0" lang="en-US" sz="2400" spc="-1" strike="noStrike">
+              <a:latin typeface="Arial"/>
             </a:endParaRPr>
           </a:p>
           <a:p>
             <a:pPr lvl="3" marL="1728000" indent="-216000">
-              <a:lnSpc>
-                <a:spcPct val="90000"/>
-              </a:lnSpc>
               <a:spcBef>
                 <a:spcPts val="567"/>
               </a:spcBef>
@@ -5494,26 +4884,17 @@
               <a:buChar char=""/>
             </a:pPr>
             <a:r>
-              <a:rPr b="0" lang="de-DE" sz="1800" spc="-1" strike="noStrike">
-                <a:solidFill>
-                  <a:srgbClr val="000000"/>
-                </a:solidFill>
-                <a:latin typeface="Aptos"/>
+              <a:rPr b="0" lang="en-US" sz="2000" spc="-1" strike="noStrike">
+                <a:latin typeface="Arial"/>
               </a:rPr>
               <a:t>Fourth Outline Level</a:t>
             </a:r>
-            <a:endParaRPr b="0" lang="de-DE" sz="1800" spc="-1" strike="noStrike">
-              <a:solidFill>
-                <a:srgbClr val="000000"/>
-              </a:solidFill>
-              <a:latin typeface="Aptos"/>
+            <a:endParaRPr b="0" lang="en-US" sz="2000" spc="-1" strike="noStrike">
+              <a:latin typeface="Arial"/>
             </a:endParaRPr>
           </a:p>
           <a:p>
             <a:pPr lvl="4" marL="2160000" indent="-216000">
-              <a:lnSpc>
-                <a:spcPct val="90000"/>
-              </a:lnSpc>
               <a:spcBef>
                 <a:spcPts val="283"/>
               </a:spcBef>
@@ -5525,26 +4906,17 @@
               <a:buChar char=""/>
             </a:pPr>
             <a:r>
-              <a:rPr b="0" lang="de-DE" sz="2000" spc="-1" strike="noStrike">
-                <a:solidFill>
-                  <a:srgbClr val="000000"/>
-                </a:solidFill>
-                <a:latin typeface="Aptos"/>
+              <a:rPr b="0" lang="en-US" sz="2000" spc="-1" strike="noStrike">
+                <a:latin typeface="Arial"/>
               </a:rPr>
               <a:t>Fifth Outline Level</a:t>
             </a:r>
-            <a:endParaRPr b="0" lang="de-DE" sz="2000" spc="-1" strike="noStrike">
-              <a:solidFill>
-                <a:srgbClr val="000000"/>
-              </a:solidFill>
-              <a:latin typeface="Aptos"/>
+            <a:endParaRPr b="0" lang="en-US" sz="2000" spc="-1" strike="noStrike">
+              <a:latin typeface="Arial"/>
             </a:endParaRPr>
           </a:p>
           <a:p>
             <a:pPr lvl="5" marL="2592000" indent="-216000">
-              <a:lnSpc>
-                <a:spcPct val="90000"/>
-              </a:lnSpc>
               <a:spcBef>
                 <a:spcPts val="283"/>
               </a:spcBef>
@@ -5556,26 +4928,17 @@
               <a:buChar char=""/>
             </a:pPr>
             <a:r>
-              <a:rPr b="0" lang="de-DE" sz="2000" spc="-1" strike="noStrike">
-                <a:solidFill>
-                  <a:srgbClr val="000000"/>
-                </a:solidFill>
-                <a:latin typeface="Aptos"/>
+              <a:rPr b="0" lang="en-US" sz="2000" spc="-1" strike="noStrike">
+                <a:latin typeface="Arial"/>
               </a:rPr>
               <a:t>Sixth Outline Level</a:t>
             </a:r>
-            <a:endParaRPr b="0" lang="de-DE" sz="2000" spc="-1" strike="noStrike">
-              <a:solidFill>
-                <a:srgbClr val="000000"/>
-              </a:solidFill>
-              <a:latin typeface="Aptos"/>
+            <a:endParaRPr b="0" lang="en-US" sz="2000" spc="-1" strike="noStrike">
+              <a:latin typeface="Arial"/>
             </a:endParaRPr>
           </a:p>
           <a:p>
             <a:pPr lvl="6" marL="3024000" indent="-216000">
-              <a:lnSpc>
-                <a:spcPct val="90000"/>
-              </a:lnSpc>
               <a:spcBef>
                 <a:spcPts val="283"/>
               </a:spcBef>
@@ -5587,19 +4950,13 @@
               <a:buChar char=""/>
             </a:pPr>
             <a:r>
-              <a:rPr b="0" lang="de-DE" sz="2000" spc="-1" strike="noStrike">
-                <a:solidFill>
-                  <a:srgbClr val="000000"/>
-                </a:solidFill>
-                <a:latin typeface="Aptos"/>
+              <a:rPr b="0" lang="en-US" sz="2000" spc="-1" strike="noStrike">
+                <a:latin typeface="Arial"/>
               </a:rPr>
               <a:t>Seventh Outline Level</a:t>
             </a:r>
-            <a:endParaRPr b="0" lang="de-DE" sz="2000" spc="-1" strike="noStrike">
-              <a:solidFill>
-                <a:srgbClr val="000000"/>
-              </a:solidFill>
-              <a:latin typeface="Aptos"/>
+            <a:endParaRPr b="0" lang="en-US" sz="2000" spc="-1" strike="noStrike">
+              <a:latin typeface="Arial"/>
             </a:endParaRPr>
           </a:p>
         </p:txBody>
@@ -5655,358 +5012,31 @@
             <a:spLocks noGrp="1"/>
           </p:cNvSpPr>
           <p:nvPr>
-            <p:ph type="title"/>
-          </p:nvPr>
-        </p:nvSpPr>
-        <p:spPr>
-          <a:xfrm>
-            <a:off x="838080" y="365040"/>
-            <a:ext cx="10515240" cy="1325160"/>
-          </a:xfrm>
-          <a:prstGeom prst="rect">
-            <a:avLst/>
-          </a:prstGeom>
-          <a:noFill/>
-          <a:ln w="0">
-            <a:noFill/>
-          </a:ln>
-        </p:spPr>
-        <p:txBody>
-          <a:bodyPr anchor="ctr">
+            <p:ph type="ftr" idx="4"/>
+          </p:nvPr>
+        </p:nvSpPr>
+        <p:spPr>
+          <a:xfrm>
+            <a:off x="4038480" y="6356520"/>
+            <a:ext cx="4114080" cy="364320"/>
+          </a:xfrm>
+          <a:prstGeom prst="rect">
+            <a:avLst/>
+          </a:prstGeom>
+          <a:noFill/>
+          <a:ln w="0">
+            <a:noFill/>
+          </a:ln>
+        </p:spPr>
+        <p:txBody>
+          <a:bodyPr lIns="90000" rIns="90000" tIns="45000" bIns="45000" anchor="ctr">
             <a:noAutofit/>
           </a:bodyPr>
-          <a:p>
-            <a:pPr>
-              <a:lnSpc>
-                <a:spcPct val="90000"/>
-              </a:lnSpc>
-              <a:buNone/>
-            </a:pPr>
-            <a:r>
-              <a:rPr b="0" lang="de-DE" sz="4400" spc="-1" strike="noStrike">
-                <a:solidFill>
-                  <a:srgbClr val="000000"/>
-                </a:solidFill>
-                <a:latin typeface="Aptos Display"/>
-              </a:rPr>
-              <a:t>Maste</a:t>
-            </a:r>
-            <a:r>
-              <a:rPr b="0" lang="de-DE" sz="4400" spc="-1" strike="noStrike">
-                <a:solidFill>
-                  <a:srgbClr val="000000"/>
-                </a:solidFill>
-                <a:latin typeface="Aptos Display"/>
-              </a:rPr>
-              <a:t>rtitelfo</a:t>
-            </a:r>
-            <a:r>
-              <a:rPr b="0" lang="de-DE" sz="4400" spc="-1" strike="noStrike">
-                <a:solidFill>
-                  <a:srgbClr val="000000"/>
-                </a:solidFill>
-                <a:latin typeface="Aptos Display"/>
-              </a:rPr>
-              <a:t>rmat </a:t>
-            </a:r>
-            <a:r>
-              <a:rPr b="0" lang="de-DE" sz="4400" spc="-1" strike="noStrike">
-                <a:solidFill>
-                  <a:srgbClr val="000000"/>
-                </a:solidFill>
-                <a:latin typeface="Aptos Display"/>
-              </a:rPr>
-              <a:t>bearb</a:t>
-            </a:r>
-            <a:r>
-              <a:rPr b="0" lang="de-DE" sz="4400" spc="-1" strike="noStrike">
-                <a:solidFill>
-                  <a:srgbClr val="000000"/>
-                </a:solidFill>
-                <a:latin typeface="Aptos Display"/>
-              </a:rPr>
-              <a:t>eiten</a:t>
-            </a:r>
-            <a:endParaRPr b="0" lang="de-DE" sz="4400" spc="-1" strike="noStrike">
-              <a:solidFill>
-                <a:srgbClr val="000000"/>
-              </a:solidFill>
-              <a:latin typeface="Aptos"/>
-            </a:endParaRPr>
-          </a:p>
-        </p:txBody>
-      </p:sp>
-      <p:sp>
-        <p:nvSpPr>
-          <p:cNvPr id="42" name="PlaceHolder 2"/>
-          <p:cNvSpPr>
-            <a:spLocks noGrp="1"/>
-          </p:cNvSpPr>
-          <p:nvPr>
-            <p:ph type="body"/>
-          </p:nvPr>
-        </p:nvSpPr>
-        <p:spPr>
-          <a:xfrm>
-            <a:off x="838080" y="1825560"/>
-            <a:ext cx="10515240" cy="4350960"/>
-          </a:xfrm>
-          <a:prstGeom prst="rect">
-            <a:avLst/>
-          </a:prstGeom>
-          <a:noFill/>
-          <a:ln w="0">
-            <a:noFill/>
-          </a:ln>
-        </p:spPr>
-        <p:txBody>
-          <a:bodyPr anchor="t">
-            <a:noAutofit/>
-          </a:bodyPr>
-          <a:p>
-            <a:pPr marL="228600" indent="-228600">
-              <a:lnSpc>
-                <a:spcPct val="90000"/>
-              </a:lnSpc>
-              <a:spcBef>
-                <a:spcPts val="1001"/>
-              </a:spcBef>
-              <a:buClr>
-                <a:srgbClr val="000000"/>
-              </a:buClr>
-              <a:buFont typeface="Arial"/>
-              <a:buChar char="•"/>
-            </a:pPr>
-            <a:r>
-              <a:rPr b="0" lang="de-DE" sz="2800" spc="-1" strike="noStrike">
-                <a:solidFill>
-                  <a:srgbClr val="000000"/>
-                </a:solidFill>
-                <a:latin typeface="Aptos"/>
-              </a:rPr>
-              <a:t>Mastertextformat bearbeiten</a:t>
-            </a:r>
-            <a:endParaRPr b="0" lang="de-DE" sz="2800" spc="-1" strike="noStrike">
-              <a:solidFill>
-                <a:srgbClr val="000000"/>
-              </a:solidFill>
-              <a:latin typeface="Aptos"/>
-            </a:endParaRPr>
-          </a:p>
-          <a:p>
-            <a:pPr lvl="1" marL="685800" indent="-228600">
-              <a:lnSpc>
-                <a:spcPct val="90000"/>
-              </a:lnSpc>
-              <a:spcBef>
-                <a:spcPts val="499"/>
-              </a:spcBef>
-              <a:buClr>
-                <a:srgbClr val="000000"/>
-              </a:buClr>
-              <a:buFont typeface="Arial"/>
-              <a:buChar char="•"/>
-            </a:pPr>
-            <a:r>
-              <a:rPr b="0" lang="de-DE" sz="2400" spc="-1" strike="noStrike">
-                <a:solidFill>
-                  <a:srgbClr val="000000"/>
-                </a:solidFill>
-                <a:latin typeface="Aptos"/>
-              </a:rPr>
-              <a:t>Zweite Ebene</a:t>
-            </a:r>
-            <a:endParaRPr b="0" lang="de-DE" sz="2400" spc="-1" strike="noStrike">
-              <a:solidFill>
-                <a:srgbClr val="000000"/>
-              </a:solidFill>
-              <a:latin typeface="Aptos"/>
-            </a:endParaRPr>
-          </a:p>
-          <a:p>
-            <a:pPr lvl="2" marL="1143000" indent="-228600">
-              <a:lnSpc>
-                <a:spcPct val="90000"/>
-              </a:lnSpc>
-              <a:spcBef>
-                <a:spcPts val="499"/>
-              </a:spcBef>
-              <a:buClr>
-                <a:srgbClr val="000000"/>
-              </a:buClr>
-              <a:buFont typeface="Arial"/>
-              <a:buChar char="•"/>
-            </a:pPr>
-            <a:r>
-              <a:rPr b="0" lang="de-DE" sz="2000" spc="-1" strike="noStrike">
-                <a:solidFill>
-                  <a:srgbClr val="000000"/>
-                </a:solidFill>
-                <a:latin typeface="Aptos"/>
-              </a:rPr>
-              <a:t>Dritte Ebene</a:t>
-            </a:r>
-            <a:endParaRPr b="0" lang="de-DE" sz="2000" spc="-1" strike="noStrike">
-              <a:solidFill>
-                <a:srgbClr val="000000"/>
-              </a:solidFill>
-              <a:latin typeface="Aptos"/>
-            </a:endParaRPr>
-          </a:p>
-          <a:p>
-            <a:pPr lvl="3" marL="1600200" indent="-228600">
-              <a:lnSpc>
-                <a:spcPct val="90000"/>
-              </a:lnSpc>
-              <a:spcBef>
-                <a:spcPts val="499"/>
-              </a:spcBef>
-              <a:buClr>
-                <a:srgbClr val="000000"/>
-              </a:buClr>
-              <a:buFont typeface="Arial"/>
-              <a:buChar char="•"/>
-            </a:pPr>
-            <a:r>
-              <a:rPr b="0" lang="de-DE" sz="1800" spc="-1" strike="noStrike">
-                <a:solidFill>
-                  <a:srgbClr val="000000"/>
-                </a:solidFill>
-                <a:latin typeface="Aptos"/>
-              </a:rPr>
-              <a:t>Vierte Ebene</a:t>
-            </a:r>
-            <a:endParaRPr b="0" lang="de-DE" sz="1800" spc="-1" strike="noStrike">
-              <a:solidFill>
-                <a:srgbClr val="000000"/>
-              </a:solidFill>
-              <a:latin typeface="Aptos"/>
-            </a:endParaRPr>
-          </a:p>
-          <a:p>
-            <a:pPr lvl="4" marL="2057400" indent="-228600">
-              <a:lnSpc>
-                <a:spcPct val="90000"/>
-              </a:lnSpc>
-              <a:spcBef>
-                <a:spcPts val="499"/>
-              </a:spcBef>
-              <a:buClr>
-                <a:srgbClr val="000000"/>
-              </a:buClr>
-              <a:buFont typeface="Arial"/>
-              <a:buChar char="•"/>
-            </a:pPr>
-            <a:r>
-              <a:rPr b="0" lang="de-DE" sz="1800" spc="-1" strike="noStrike">
-                <a:solidFill>
-                  <a:srgbClr val="000000"/>
-                </a:solidFill>
-                <a:latin typeface="Aptos"/>
-              </a:rPr>
-              <a:t>Fünfte Ebene</a:t>
-            </a:r>
-            <a:endParaRPr b="0" lang="de-DE" sz="1800" spc="-1" strike="noStrike">
-              <a:solidFill>
-                <a:srgbClr val="000000"/>
-              </a:solidFill>
-              <a:latin typeface="Aptos"/>
-            </a:endParaRPr>
-          </a:p>
-        </p:txBody>
-      </p:sp>
-      <p:sp>
-        <p:nvSpPr>
-          <p:cNvPr id="43" name="PlaceHolder 3"/>
-          <p:cNvSpPr>
-            <a:spLocks noGrp="1"/>
-          </p:cNvSpPr>
-          <p:nvPr>
-            <p:ph type="dt" idx="4"/>
-          </p:nvPr>
-        </p:nvSpPr>
-        <p:spPr>
-          <a:xfrm>
-            <a:off x="838080" y="6356520"/>
-            <a:ext cx="2742840" cy="364680"/>
-          </a:xfrm>
-          <a:prstGeom prst="rect">
-            <a:avLst/>
-          </a:prstGeom>
-          <a:noFill/>
-          <a:ln w="0">
-            <a:noFill/>
-          </a:ln>
-        </p:spPr>
-        <p:txBody>
-          <a:bodyPr anchor="ctr">
-            <a:noAutofit/>
-          </a:bodyPr>
           <a:lstStyle>
-            <a:lvl1pPr>
+            <a:lvl1pPr algn="ctr">
               <a:lnSpc>
                 <a:spcPct val="100000"/>
               </a:lnSpc>
-              <a:buNone/>
-              <a:defRPr b="0" lang="de-DE" sz="1200" spc="-1" strike="noStrike">
-                <a:solidFill>
-                  <a:srgbClr val="787878"/>
-                </a:solidFill>
-                <a:latin typeface="Aptos"/>
-              </a:defRPr>
-            </a:lvl1pPr>
-          </a:lstStyle>
-          <a:p>
-            <a:pPr>
-              <a:lnSpc>
-                <a:spcPct val="100000"/>
-              </a:lnSpc>
-              <a:buNone/>
-            </a:pPr>
-            <a:r>
-              <a:rPr b="0" lang="de-DE" sz="1200" spc="-1" strike="noStrike">
-                <a:solidFill>
-                  <a:srgbClr val="787878"/>
-                </a:solidFill>
-                <a:latin typeface="Aptos"/>
-              </a:rPr>
-              <a:t>&lt;date/time&gt;</a:t>
-            </a:r>
-            <a:endParaRPr b="0" lang="en-US" sz="1200" spc="-1" strike="noStrike">
-              <a:latin typeface="Times New Roman"/>
-            </a:endParaRPr>
-          </a:p>
-        </p:txBody>
-      </p:sp>
-      <p:sp>
-        <p:nvSpPr>
-          <p:cNvPr id="44" name="PlaceHolder 4"/>
-          <p:cNvSpPr>
-            <a:spLocks noGrp="1"/>
-          </p:cNvSpPr>
-          <p:nvPr>
-            <p:ph type="ftr" idx="5"/>
-          </p:nvPr>
-        </p:nvSpPr>
-        <p:spPr>
-          <a:xfrm>
-            <a:off x="4038480" y="6356520"/>
-            <a:ext cx="4114440" cy="364680"/>
-          </a:xfrm>
-          <a:prstGeom prst="rect">
-            <a:avLst/>
-          </a:prstGeom>
-          <a:noFill/>
-          <a:ln w="0">
-            <a:noFill/>
-          </a:ln>
-        </p:spPr>
-        <p:txBody>
-          <a:bodyPr anchor="ctr">
-            <a:noAutofit/>
-          </a:bodyPr>
-          <a:lstStyle>
-            <a:lvl1pPr algn="ctr">
               <a:buNone/>
               <a:defRPr b="0" lang="en-US" sz="1400" spc="-1" strike="noStrike">
                 <a:latin typeface="Times New Roman"/>
@@ -6015,6 +5045,9 @@
           </a:lstStyle>
           <a:p>
             <a:pPr algn="ctr">
+              <a:lnSpc>
+                <a:spcPct val="100000"/>
+              </a:lnSpc>
               <a:buNone/>
             </a:pPr>
             <a:r>
@@ -6031,29 +5064,29 @@
       </p:sp>
       <p:sp>
         <p:nvSpPr>
-          <p:cNvPr id="45" name="PlaceHolder 5"/>
-          <p:cNvSpPr>
-            <a:spLocks noGrp="1"/>
-          </p:cNvSpPr>
-          <p:nvPr>
-            <p:ph type="sldNum" idx="6"/>
+          <p:cNvPr id="42" name="PlaceHolder 2"/>
+          <p:cNvSpPr>
+            <a:spLocks noGrp="1"/>
+          </p:cNvSpPr>
+          <p:nvPr>
+            <p:ph type="sldNum" idx="5"/>
           </p:nvPr>
         </p:nvSpPr>
         <p:spPr>
           <a:xfrm>
             <a:off x="8610480" y="6356520"/>
-            <a:ext cx="2742840" cy="364680"/>
-          </a:xfrm>
-          <a:prstGeom prst="rect">
-            <a:avLst/>
-          </a:prstGeom>
-          <a:noFill/>
-          <a:ln w="0">
-            <a:noFill/>
-          </a:ln>
-        </p:spPr>
-        <p:txBody>
-          <a:bodyPr anchor="ctr">
+            <a:ext cx="2742480" cy="364320"/>
+          </a:xfrm>
+          <a:prstGeom prst="rect">
+            <a:avLst/>
+          </a:prstGeom>
+          <a:noFill/>
+          <a:ln w="0">
+            <a:noFill/>
+          </a:ln>
+        </p:spPr>
+        <p:txBody>
+          <a:bodyPr lIns="90000" rIns="90000" tIns="45000" bIns="45000" anchor="ctr">
             <a:noAutofit/>
           </a:bodyPr>
           <a:lstStyle>
@@ -6077,7 +5110,7 @@
               </a:lnSpc>
               <a:buNone/>
             </a:pPr>
-            <a:fld id="{C29F07D7-9DA7-4A71-903A-0A966E55FC9E}" type="slidenum">
+            <a:fld id="{0F604C37-A69A-4DE2-9FEA-B72E086F4182}" type="slidenum">
               <a:rPr b="0" lang="de-DE" sz="1200" spc="-1" strike="noStrike">
                 <a:solidFill>
                   <a:srgbClr val="787878"/>
@@ -6088,6 +5121,297 @@
             </a:fld>
             <a:endParaRPr b="0" lang="en-US" sz="1200" spc="-1" strike="noStrike">
               <a:latin typeface="Times New Roman"/>
+            </a:endParaRPr>
+          </a:p>
+        </p:txBody>
+      </p:sp>
+      <p:sp>
+        <p:nvSpPr>
+          <p:cNvPr id="43" name="PlaceHolder 3"/>
+          <p:cNvSpPr>
+            <a:spLocks noGrp="1"/>
+          </p:cNvSpPr>
+          <p:nvPr>
+            <p:ph type="dt" idx="6"/>
+          </p:nvPr>
+        </p:nvSpPr>
+        <p:spPr>
+          <a:xfrm>
+            <a:off x="838080" y="6356520"/>
+            <a:ext cx="2742480" cy="364320"/>
+          </a:xfrm>
+          <a:prstGeom prst="rect">
+            <a:avLst/>
+          </a:prstGeom>
+          <a:noFill/>
+          <a:ln w="0">
+            <a:noFill/>
+          </a:ln>
+        </p:spPr>
+        <p:txBody>
+          <a:bodyPr lIns="90000" rIns="90000" tIns="45000" bIns="45000" anchor="ctr">
+            <a:noAutofit/>
+          </a:bodyPr>
+          <a:lstStyle>
+            <a:lvl1pPr>
+              <a:defRPr b="0" lang="en-US" sz="1400" spc="-1" strike="noStrike">
+                <a:latin typeface="Times New Roman"/>
+              </a:defRPr>
+            </a:lvl1pPr>
+          </a:lstStyle>
+          <a:p>
+            <a:r>
+              <a:rPr b="0" lang="en-US" sz="1400" spc="-1" strike="noStrike">
+                <a:latin typeface="Times New Roman"/>
+              </a:rPr>
+              <a:t>&lt;date/time&gt;</a:t>
+            </a:r>
+            <a:endParaRPr b="0" lang="en-US" sz="1400" spc="-1" strike="noStrike">
+              <a:latin typeface="Times New Roman"/>
+            </a:endParaRPr>
+          </a:p>
+        </p:txBody>
+      </p:sp>
+      <p:sp>
+        <p:nvSpPr>
+          <p:cNvPr id="44" name="PlaceHolder 4"/>
+          <p:cNvSpPr>
+            <a:spLocks noGrp="1"/>
+          </p:cNvSpPr>
+          <p:nvPr>
+            <p:ph type="title"/>
+          </p:nvPr>
+        </p:nvSpPr>
+        <p:spPr>
+          <a:xfrm>
+            <a:off x="609480" y="273600"/>
+            <a:ext cx="10972440" cy="1144800"/>
+          </a:xfrm>
+          <a:prstGeom prst="rect">
+            <a:avLst/>
+          </a:prstGeom>
+          <a:noFill/>
+          <a:ln w="0">
+            <a:noFill/>
+          </a:ln>
+        </p:spPr>
+        <p:txBody>
+          <a:bodyPr lIns="0" rIns="0" tIns="0" bIns="0" anchor="ctr">
+            <a:noAutofit/>
+          </a:bodyPr>
+          <a:p>
+            <a:pPr algn="ctr">
+              <a:buNone/>
+            </a:pPr>
+            <a:r>
+              <a:rPr b="0" lang="en-US" sz="4400" spc="-1" strike="noStrike">
+                <a:latin typeface="Arial"/>
+              </a:rPr>
+              <a:t>Click to </a:t>
+            </a:r>
+            <a:r>
+              <a:rPr b="0" lang="en-US" sz="4400" spc="-1" strike="noStrike">
+                <a:latin typeface="Arial"/>
+              </a:rPr>
+              <a:t>edit the </a:t>
+            </a:r>
+            <a:r>
+              <a:rPr b="0" lang="en-US" sz="4400" spc="-1" strike="noStrike">
+                <a:latin typeface="Arial"/>
+              </a:rPr>
+              <a:t>title text </a:t>
+            </a:r>
+            <a:r>
+              <a:rPr b="0" lang="en-US" sz="4400" spc="-1" strike="noStrike">
+                <a:latin typeface="Arial"/>
+              </a:rPr>
+              <a:t>format</a:t>
+            </a:r>
+            <a:endParaRPr b="0" lang="en-US" sz="4400" spc="-1" strike="noStrike">
+              <a:latin typeface="Arial"/>
+            </a:endParaRPr>
+          </a:p>
+        </p:txBody>
+      </p:sp>
+      <p:sp>
+        <p:nvSpPr>
+          <p:cNvPr id="45" name="PlaceHolder 5"/>
+          <p:cNvSpPr>
+            <a:spLocks noGrp="1"/>
+          </p:cNvSpPr>
+          <p:nvPr>
+            <p:ph type="body"/>
+          </p:nvPr>
+        </p:nvSpPr>
+        <p:spPr>
+          <a:xfrm>
+            <a:off x="609480" y="1604520"/>
+            <a:ext cx="10972440" cy="3977280"/>
+          </a:xfrm>
+          <a:prstGeom prst="rect">
+            <a:avLst/>
+          </a:prstGeom>
+          <a:noFill/>
+          <a:ln w="0">
+            <a:noFill/>
+          </a:ln>
+        </p:spPr>
+        <p:txBody>
+          <a:bodyPr lIns="0" rIns="0" tIns="0" bIns="0" anchor="t">
+            <a:normAutofit/>
+          </a:bodyPr>
+          <a:p>
+            <a:pPr marL="432000" indent="-324000">
+              <a:spcBef>
+                <a:spcPts val="1417"/>
+              </a:spcBef>
+              <a:buClr>
+                <a:srgbClr val="000000"/>
+              </a:buClr>
+              <a:buSzPct val="45000"/>
+              <a:buFont typeface="Wingdings" charset="2"/>
+              <a:buChar char=""/>
+            </a:pPr>
+            <a:r>
+              <a:rPr b="0" lang="en-US" sz="3200" spc="-1" strike="noStrike">
+                <a:latin typeface="Arial"/>
+              </a:rPr>
+              <a:t>Click to edit the outline text format</a:t>
+            </a:r>
+            <a:endParaRPr b="0" lang="en-US" sz="3200" spc="-1" strike="noStrike">
+              <a:latin typeface="Arial"/>
+            </a:endParaRPr>
+          </a:p>
+          <a:p>
+            <a:pPr lvl="1" marL="864000" indent="-324000">
+              <a:spcBef>
+                <a:spcPts val="1134"/>
+              </a:spcBef>
+              <a:buClr>
+                <a:srgbClr val="000000"/>
+              </a:buClr>
+              <a:buSzPct val="75000"/>
+              <a:buFont typeface="Symbol" charset="2"/>
+              <a:buChar char=""/>
+            </a:pPr>
+            <a:r>
+              <a:rPr b="0" lang="en-US" sz="2800" spc="-1" strike="noStrike">
+                <a:latin typeface="Arial"/>
+              </a:rPr>
+              <a:t>Second Outline Level</a:t>
+            </a:r>
+            <a:endParaRPr b="0" lang="en-US" sz="2800" spc="-1" strike="noStrike">
+              <a:latin typeface="Arial"/>
+            </a:endParaRPr>
+          </a:p>
+          <a:p>
+            <a:pPr lvl="2" marL="1296000" indent="-288000">
+              <a:spcBef>
+                <a:spcPts val="850"/>
+              </a:spcBef>
+              <a:buClr>
+                <a:srgbClr val="000000"/>
+              </a:buClr>
+              <a:buSzPct val="45000"/>
+              <a:buFont typeface="Wingdings" charset="2"/>
+              <a:buChar char=""/>
+            </a:pPr>
+            <a:r>
+              <a:rPr b="0" lang="en-US" sz="2400" spc="-1" strike="noStrike">
+                <a:latin typeface="Arial"/>
+              </a:rPr>
+              <a:t>Third Outline Level</a:t>
+            </a:r>
+            <a:endParaRPr b="0" lang="en-US" sz="2400" spc="-1" strike="noStrike">
+              <a:latin typeface="Arial"/>
+            </a:endParaRPr>
+          </a:p>
+          <a:p>
+            <a:pPr lvl="3" marL="1728000" indent="-216000">
+              <a:spcBef>
+                <a:spcPts val="567"/>
+              </a:spcBef>
+              <a:buClr>
+                <a:srgbClr val="000000"/>
+              </a:buClr>
+              <a:buSzPct val="75000"/>
+              <a:buFont typeface="Symbol" charset="2"/>
+              <a:buChar char=""/>
+            </a:pPr>
+            <a:r>
+              <a:rPr b="0" lang="en-US" sz="2000" spc="-1" strike="noStrike">
+                <a:latin typeface="Arial"/>
+              </a:rPr>
+              <a:t>Fourth Outline Level</a:t>
+            </a:r>
+            <a:endParaRPr b="0" lang="en-US" sz="2000" spc="-1" strike="noStrike">
+              <a:latin typeface="Arial"/>
+            </a:endParaRPr>
+          </a:p>
+          <a:p>
+            <a:pPr lvl="4" marL="2160000" indent="-216000">
+              <a:spcBef>
+                <a:spcPts val="283"/>
+              </a:spcBef>
+              <a:buClr>
+                <a:srgbClr val="000000"/>
+              </a:buClr>
+              <a:buSzPct val="45000"/>
+              <a:buFont typeface="Wingdings" charset="2"/>
+              <a:buChar char=""/>
+            </a:pPr>
+            <a:r>
+              <a:rPr b="0" lang="en-US" sz="2000" spc="-1" strike="noStrike">
+                <a:latin typeface="Arial"/>
+              </a:rPr>
+              <a:t>Fifth Outline Level</a:t>
+            </a:r>
+            <a:endParaRPr b="0" lang="en-US" sz="2000" spc="-1" strike="noStrike">
+              <a:latin typeface="Arial"/>
+            </a:endParaRPr>
+          </a:p>
+          <a:p>
+            <a:pPr lvl="5" marL="2592000" indent="-216000">
+              <a:spcBef>
+                <a:spcPts val="283"/>
+              </a:spcBef>
+              <a:buClr>
+                <a:srgbClr val="000000"/>
+              </a:buClr>
+              <a:buSzPct val="45000"/>
+              <a:buFont typeface="Wingdings" charset="2"/>
+              <a:buChar char=""/>
+            </a:pPr>
+            <a:r>
+              <a:rPr b="0" lang="en-US" sz="2000" spc="-1" strike="noStrike">
+                <a:latin typeface="Arial"/>
+              </a:rPr>
+              <a:t>Sixth Outline Level</a:t>
+            </a:r>
+            <a:endParaRPr b="0" lang="en-US" sz="2000" spc="-1" strike="noStrike">
+              <a:latin typeface="Arial"/>
+            </a:endParaRPr>
+          </a:p>
+          <a:p>
+            <a:pPr lvl="6" marL="3024000" indent="-216000">
+              <a:spcBef>
+                <a:spcPts val="283"/>
+              </a:spcBef>
+              <a:buClr>
+                <a:srgbClr val="000000"/>
+              </a:buClr>
+              <a:buSzPct val="45000"/>
+              <a:buFont typeface="Wingdings" charset="2"/>
+              <a:buChar char=""/>
+            </a:pPr>
+            <a:r>
+              <a:rPr b="0" lang="en-US" sz="2000" spc="-1" strike="noStrike">
+                <a:latin typeface="Arial"/>
+              </a:rPr>
+              <a:t>Seventh Outline Level</a:t>
+            </a:r>
+            <a:endParaRPr b="0" lang="en-US" sz="2000" spc="-1" strike="noStrike">
+              <a:latin typeface="Arial"/>
             </a:endParaRPr>
           </a:p>
         </p:txBody>
@@ -6138,7 +5462,7 @@
         <p:spPr>
           <a:xfrm>
             <a:off x="115920" y="2356560"/>
-            <a:ext cx="1986120" cy="1665720"/>
+            <a:ext cx="1985760" cy="1665360"/>
           </a:xfrm>
           <a:prstGeom prst="rect">
             <a:avLst/>
@@ -6182,6 +5506,7 @@
                 </a:solidFill>
                 <a:uFillTx/>
                 <a:latin typeface="Aptos"/>
+                <a:ea typeface="DejaVu Sans"/>
               </a:rPr>
               <a:t>Human</a:t>
             </a:r>
@@ -6202,6 +5527,7 @@
                   <a:srgbClr val="000000"/>
                 </a:solidFill>
                 <a:latin typeface="Aptos"/>
+                <a:ea typeface="DejaVu Sans"/>
               </a:rPr>
               <a:t>Any device with browser</a:t>
             </a:r>
@@ -6220,7 +5546,7 @@
         <p:spPr>
           <a:xfrm>
             <a:off x="3563640" y="384840"/>
-            <a:ext cx="1986120" cy="1640880"/>
+            <a:ext cx="1985760" cy="1640520"/>
           </a:xfrm>
           <a:prstGeom prst="rect">
             <a:avLst/>
@@ -6264,6 +5590,7 @@
                 </a:solidFill>
                 <a:uFillTx/>
                 <a:latin typeface="Aptos"/>
+                <a:ea typeface="DejaVu Sans"/>
               </a:rPr>
               <a:t>Web Video Server</a:t>
             </a:r>
@@ -6284,6 +5611,7 @@
                   <a:srgbClr val="000000"/>
                 </a:solidFill>
                 <a:latin typeface="Aptos"/>
+                <a:ea typeface="DejaVu Sans"/>
               </a:rPr>
               <a:t>RGB-D images</a:t>
             </a:r>
@@ -6304,6 +5632,7 @@
                   <a:srgbClr val="000000"/>
                 </a:solidFill>
                 <a:latin typeface="Aptos"/>
+                <a:ea typeface="DejaVu Sans"/>
               </a:rPr>
               <a:t>localhost:8080</a:t>
             </a:r>
@@ -6322,7 +5651,7 @@
         <p:spPr>
           <a:xfrm>
             <a:off x="6571440" y="2419560"/>
-            <a:ext cx="2152080" cy="1539720"/>
+            <a:ext cx="2151720" cy="1539360"/>
           </a:xfrm>
           <a:prstGeom prst="rect">
             <a:avLst/>
@@ -6366,6 +5695,7 @@
                 </a:solidFill>
                 <a:uFillTx/>
                 <a:latin typeface="Aptos"/>
+                <a:ea typeface="DejaVu Sans"/>
               </a:rPr>
               <a:t>Rosbridge WebSocket Server</a:t>
             </a:r>
@@ -6386,6 +5716,7 @@
                   <a:srgbClr val="000000"/>
                 </a:solidFill>
                 <a:latin typeface="Aptos"/>
+                <a:ea typeface="DejaVu Sans"/>
               </a:rPr>
               <a:t>localhost:9090</a:t>
             </a:r>
@@ -6404,7 +5735,7 @@
         <p:spPr>
           <a:xfrm>
             <a:off x="3563640" y="2545200"/>
-            <a:ext cx="1986120" cy="1288080"/>
+            <a:ext cx="1985760" cy="1287720"/>
           </a:xfrm>
           <a:prstGeom prst="rect">
             <a:avLst/>
@@ -6448,6 +5779,7 @@
                 </a:solidFill>
                 <a:uFillTx/>
                 <a:latin typeface="Aptos"/>
+                <a:ea typeface="DejaVu Sans"/>
               </a:rPr>
               <a:t>Webpages</a:t>
             </a:r>
@@ -6468,6 +5800,7 @@
                   <a:srgbClr val="000000"/>
                 </a:solidFill>
                 <a:latin typeface="Aptos"/>
+                <a:ea typeface="DejaVu Sans"/>
               </a:rPr>
               <a:t>localhost:8000</a:t>
             </a:r>
@@ -6486,7 +5819,7 @@
         <p:spPr>
           <a:xfrm>
             <a:off x="9088920" y="2545200"/>
-            <a:ext cx="2618280" cy="1288080"/>
+            <a:ext cx="2617920" cy="1287720"/>
           </a:xfrm>
           <a:prstGeom prst="rect">
             <a:avLst/>
@@ -6530,6 +5863,7 @@
                 </a:solidFill>
                 <a:uFillTx/>
                 <a:latin typeface="Aptos"/>
+                <a:ea typeface="DejaVu Sans"/>
               </a:rPr>
               <a:t>ROS2 topics</a:t>
             </a:r>
@@ -6539,6 +5873,7 @@
                   <a:srgbClr val="000000"/>
                 </a:solidFill>
                 <a:latin typeface="Aptos"/>
+                <a:ea typeface="DejaVu Sans"/>
               </a:rPr>
               <a:t>:</a:t>
             </a:r>
@@ -6559,6 +5894,7 @@
                   <a:srgbClr val="000000"/>
                 </a:solidFill>
                 <a:latin typeface="Aptos"/>
+                <a:ea typeface="DejaVu Sans"/>
               </a:rPr>
               <a:t>/cmd_vel</a:t>
             </a:r>
@@ -6579,6 +5915,7 @@
                   <a:srgbClr val="000000"/>
                 </a:solidFill>
                 <a:latin typeface="Aptos"/>
+                <a:ea typeface="DejaVu Sans"/>
               </a:rPr>
               <a:t>/battery_percentage</a:t>
             </a:r>
@@ -6599,6 +5936,7 @@
                   <a:srgbClr val="000000"/>
                 </a:solidFill>
                 <a:latin typeface="Aptos"/>
+                <a:ea typeface="DejaVu Sans"/>
               </a:rPr>
               <a:t>/driver/temperature</a:t>
             </a:r>
@@ -6617,7 +5955,7 @@
         <p:spPr>
           <a:xfrm>
             <a:off x="2979000" y="4137840"/>
-            <a:ext cx="3155040" cy="2186640"/>
+            <a:ext cx="3154680" cy="2186280"/>
           </a:xfrm>
           <a:prstGeom prst="rect">
             <a:avLst/>
@@ -6661,6 +5999,7 @@
                 </a:solidFill>
                 <a:uFillTx/>
                 <a:latin typeface="Aptos"/>
+                <a:ea typeface="DejaVu Sans"/>
               </a:rPr>
               <a:t>SQLite3 Database</a:t>
             </a:r>
@@ -6673,6 +6012,7 @@
                   <a:srgbClr val="000000"/>
                 </a:solidFill>
                 <a:latin typeface="Aptos"/>
+                <a:ea typeface="DejaVu Sans"/>
               </a:rPr>
               <a:t>User: id, name, password</a:t>
             </a:r>
@@ -6693,6 +6033,7 @@
                   <a:srgbClr val="000000"/>
                 </a:solidFill>
                 <a:latin typeface="Aptos"/>
+                <a:ea typeface="DejaVu Sans"/>
               </a:rPr>
               <a:t>Battery: id, state of charge, timestamp</a:t>
             </a:r>
@@ -6713,6 +6054,7 @@
                   <a:srgbClr val="000000"/>
                 </a:solidFill>
                 <a:latin typeface="Aptos"/>
+                <a:ea typeface="DejaVu Sans"/>
               </a:rPr>
               <a:t>Motors left &amp; right: id, temperatures, timestamp</a:t>
             </a:r>
@@ -6753,7 +6095,7 @@
         <p:spPr>
           <a:xfrm>
             <a:off x="2314440" y="222120"/>
-            <a:ext cx="9570960" cy="6467040"/>
+            <a:ext cx="9570600" cy="6466680"/>
           </a:xfrm>
           <a:prstGeom prst="rect">
             <a:avLst/>
@@ -6815,6 +6157,7 @@
                   <a:srgbClr val="000000"/>
                 </a:solidFill>
                 <a:latin typeface="Aptos"/>
+                <a:ea typeface="DejaVu Sans"/>
               </a:rPr>
               <a:t>Husky PC</a:t>
             </a:r>
@@ -6837,7 +6180,7 @@
         <p:spPr>
           <a:xfrm>
             <a:off x="9432360" y="340200"/>
-            <a:ext cx="2274840" cy="2071800"/>
+            <a:ext cx="2274480" cy="2071440"/>
           </a:xfrm>
           <a:prstGeom prst="rect">
             <a:avLst/>
@@ -6856,7 +6199,7 @@
         <p:spPr>
           <a:xfrm>
             <a:off x="4556520" y="2026080"/>
-            <a:ext cx="360" cy="518760"/>
+            <a:ext cx="360" cy="518400"/>
           </a:xfrm>
           <a:custGeom>
             <a:avLst/>
@@ -6881,6 +6224,13 @@
             </a:solidFill>
             <a:tailEnd len="med" type="triangle" w="med"/>
           </a:ln>
+          <a:effectLst>
+            <a:outerShdw blurRad="39960" dir="5400000" dist="20160" rotWithShape="0">
+              <a:srgbClr val="000000">
+                <a:alpha val="38000"/>
+              </a:srgbClr>
+            </a:outerShdw>
+          </a:effectLst>
         </p:spPr>
         <p:style>
           <a:lnRef idx="2">
@@ -6903,8 +6253,8 @@
         </p:nvSpPr>
         <p:spPr>
           <a:xfrm flipV="1">
-            <a:off x="5549760" y="3188880"/>
-            <a:ext cx="1021320" cy="360"/>
+            <a:off x="5549760" y="3188160"/>
+            <a:ext cx="1020960" cy="360"/>
           </a:xfrm>
           <a:custGeom>
             <a:avLst/>
@@ -6930,6 +6280,13 @@
             <a:headEnd len="med" type="triangle" w="med"/>
             <a:tailEnd len="med" type="triangle" w="med"/>
           </a:ln>
+          <a:effectLst>
+            <a:outerShdw blurRad="39960" dir="5400000" dist="20160" rotWithShape="0">
+              <a:srgbClr val="000000">
+                <a:alpha val="38000"/>
+              </a:srgbClr>
+            </a:outerShdw>
+          </a:effectLst>
         </p:spPr>
         <p:style>
           <a:lnRef idx="2">
@@ -6952,8 +6309,8 @@
         </p:nvSpPr>
         <p:spPr>
           <a:xfrm flipV="1">
-            <a:off x="8723880" y="3188880"/>
-            <a:ext cx="364680" cy="360"/>
+            <a:off x="8723880" y="3188160"/>
+            <a:ext cx="364320" cy="360"/>
           </a:xfrm>
           <a:custGeom>
             <a:avLst/>
@@ -6979,6 +6336,13 @@
             <a:headEnd len="med" type="triangle" w="med"/>
             <a:tailEnd len="med" type="triangle" w="med"/>
           </a:ln>
+          <a:effectLst>
+            <a:outerShdw blurRad="39960" dir="5400000" dist="20160" rotWithShape="0">
+              <a:srgbClr val="000000">
+                <a:alpha val="38000"/>
+              </a:srgbClr>
+            </a:outerShdw>
+          </a:effectLst>
         </p:spPr>
         <p:style>
           <a:lnRef idx="2">
@@ -7002,7 +6366,7 @@
         <p:spPr>
           <a:xfrm>
             <a:off x="2738880" y="2253240"/>
-            <a:ext cx="3619800" cy="4406760"/>
+            <a:ext cx="3619440" cy="4406400"/>
           </a:xfrm>
           <a:prstGeom prst="roundRect">
             <a:avLst>
@@ -7033,8 +6397,8 @@
         </p:nvSpPr>
         <p:spPr>
           <a:xfrm flipH="1">
-            <a:off x="4555800" y="3833640"/>
-            <a:ext cx="360" cy="303840"/>
+            <a:off x="4555080" y="3833640"/>
+            <a:ext cx="360" cy="303480"/>
           </a:xfrm>
           <a:custGeom>
             <a:avLst/>
@@ -7060,6 +6424,13 @@
             <a:headEnd len="med" type="triangle" w="med"/>
             <a:tailEnd len="med" type="triangle" w="med"/>
           </a:ln>
+          <a:effectLst>
+            <a:outerShdw blurRad="39960" dir="5400000" dist="20160" rotWithShape="0">
+              <a:srgbClr val="000000">
+                <a:alpha val="38000"/>
+              </a:srgbClr>
+            </a:outerShdw>
+          </a:effectLst>
         </p:spPr>
         <p:style>
           <a:lnRef idx="2">
@@ -7116,6 +6487,7 @@
                   <a:srgbClr val="000000"/>
                 </a:solidFill>
                 <a:latin typeface="Aptos"/>
+                <a:ea typeface="DejaVu Sans"/>
               </a:rPr>
               <a:t>Flask Web App</a:t>
             </a:r>
@@ -7134,7 +6506,7 @@
         <p:spPr>
           <a:xfrm>
             <a:off x="2102400" y="3189600"/>
-            <a:ext cx="1460880" cy="360"/>
+            <a:ext cx="1460520" cy="360"/>
           </a:xfrm>
           <a:custGeom>
             <a:avLst/>
@@ -7160,6 +6532,13 @@
             <a:headEnd len="med" type="triangle" w="med"/>
             <a:tailEnd len="med" type="triangle" w="med"/>
           </a:ln>
+          <a:effectLst>
+            <a:outerShdw blurRad="39960" dir="5400000" dist="20160" rotWithShape="0">
+              <a:srgbClr val="000000">
+                <a:alpha val="38000"/>
+              </a:srgbClr>
+            </a:outerShdw>
+          </a:effectLst>
         </p:spPr>
         <p:style>
           <a:lnRef idx="2">
@@ -7216,6 +6595,7 @@
                   <a:srgbClr val="000000"/>
                 </a:solidFill>
                 <a:latin typeface="Aptos"/>
+                <a:ea typeface="DejaVu Sans"/>
               </a:rPr>
               <a:t>embedded</a:t>
             </a:r>
@@ -7238,7 +6618,7 @@
         <p:spPr>
           <a:xfrm>
             <a:off x="9269640" y="4114800"/>
-            <a:ext cx="1194480" cy="2514600"/>
+            <a:ext cx="1194120" cy="2514240"/>
           </a:xfrm>
           <a:prstGeom prst="rect">
             <a:avLst/>
@@ -7261,7 +6641,7 @@
         <p:spPr>
           <a:xfrm>
             <a:off x="10464120" y="4114800"/>
-            <a:ext cx="1194480" cy="2514600"/>
+            <a:ext cx="1194120" cy="2514240"/>
           </a:xfrm>
           <a:prstGeom prst="rect">
             <a:avLst/>
@@ -7274,27 +6654,39 @@
       <p:sp>
         <p:nvSpPr>
           <p:cNvPr id="101" name=""/>
-          <p:cNvSpPr txBox="1"/>
+          <p:cNvSpPr/>
           <p:nvPr/>
         </p:nvSpPr>
         <p:spPr>
           <a:xfrm>
-            <a:off x="5486400" y="2743200"/>
-            <a:ext cx="1195560" cy="457200"/>
-          </a:xfrm>
-          <a:prstGeom prst="rect">
-            <a:avLst/>
-          </a:prstGeom>
-          <a:noFill/>
-          <a:ln w="0">
-            <a:noFill/>
-          </a:ln>
-        </p:spPr>
+            <a:off x="6120000" y="1962720"/>
+            <a:ext cx="1195200" cy="456840"/>
+          </a:xfrm>
+          <a:prstGeom prst="rect">
+            <a:avLst/>
+          </a:prstGeom>
+          <a:noFill/>
+          <a:ln w="0">
+            <a:noFill/>
+          </a:ln>
+        </p:spPr>
+        <p:style>
+          <a:lnRef idx="0"/>
+          <a:fillRef idx="0"/>
+          <a:effectRef idx="0"/>
+          <a:fontRef idx="minor"/>
+        </p:style>
         <p:txBody>
           <a:bodyPr lIns="90000" rIns="90000" tIns="45000" bIns="45000" anchor="t">
             <a:noAutofit/>
           </a:bodyPr>
           <a:p>
+            <a:pPr>
+              <a:lnSpc>
+                <a:spcPct val="100000"/>
+              </a:lnSpc>
+              <a:buNone/>
+            </a:pPr>
             <a:r>
               <a:rPr b="0" lang="en-US" sz="1600" spc="-1" strike="noStrike">
                 <a:latin typeface="Arial"/>
@@ -7310,27 +6702,39 @@
       <p:sp>
         <p:nvSpPr>
           <p:cNvPr id="102" name=""/>
-          <p:cNvSpPr txBox="1"/>
+          <p:cNvSpPr/>
           <p:nvPr/>
         </p:nvSpPr>
         <p:spPr>
           <a:xfrm>
             <a:off x="8229600" y="2057400"/>
-            <a:ext cx="1195560" cy="457200"/>
-          </a:xfrm>
-          <a:prstGeom prst="rect">
-            <a:avLst/>
-          </a:prstGeom>
-          <a:noFill/>
-          <a:ln w="0">
-            <a:noFill/>
-          </a:ln>
-        </p:spPr>
+            <a:ext cx="1195200" cy="456840"/>
+          </a:xfrm>
+          <a:prstGeom prst="rect">
+            <a:avLst/>
+          </a:prstGeom>
+          <a:noFill/>
+          <a:ln w="0">
+            <a:noFill/>
+          </a:ln>
+        </p:spPr>
+        <p:style>
+          <a:lnRef idx="0"/>
+          <a:fillRef idx="0"/>
+          <a:effectRef idx="0"/>
+          <a:fontRef idx="minor"/>
+        </p:style>
         <p:txBody>
           <a:bodyPr lIns="90000" rIns="90000" tIns="45000" bIns="45000" anchor="t">
             <a:noAutofit/>
           </a:bodyPr>
           <a:p>
+            <a:pPr>
+              <a:lnSpc>
+                <a:spcPct val="100000"/>
+              </a:lnSpc>
+              <a:buNone/>
+            </a:pPr>
             <a:r>
               <a:rPr b="0" lang="en-US" sz="1600" spc="-1" strike="noStrike">
                 <a:latin typeface="Arial"/>
@@ -7342,6 +6746,96 @@
             </a:endParaRPr>
           </a:p>
         </p:txBody>
+      </p:sp>
+      <p:sp>
+        <p:nvSpPr>
+          <p:cNvPr id="103" name=""/>
+          <p:cNvSpPr/>
+          <p:nvPr/>
+        </p:nvSpPr>
+        <p:spPr>
+          <a:xfrm flipV="1">
+            <a:off x="8915400" y="2274480"/>
+            <a:ext cx="0" cy="914400"/>
+          </a:xfrm>
+          <a:prstGeom prst="line">
+            <a:avLst/>
+          </a:prstGeom>
+          <a:ln w="0">
+            <a:solidFill>
+              <a:srgbClr val="3465a4"/>
+            </a:solidFill>
+          </a:ln>
+        </p:spPr>
+        <p:style>
+          <a:lnRef idx="0"/>
+          <a:fillRef idx="0"/>
+          <a:effectRef idx="0"/>
+          <a:fontRef idx="minor"/>
+        </p:style>
+      </p:sp>
+      <p:sp>
+        <p:nvSpPr>
+          <p:cNvPr id="104" name=""/>
+          <p:cNvSpPr txBox="1"/>
+          <p:nvPr/>
+        </p:nvSpPr>
+        <p:spPr>
+          <a:xfrm>
+            <a:off x="8288280" y="1969560"/>
+            <a:ext cx="1084320" cy="316440"/>
+          </a:xfrm>
+          <a:prstGeom prst="rect">
+            <a:avLst/>
+          </a:prstGeom>
+          <a:noFill/>
+          <a:ln w="0">
+            <a:noFill/>
+          </a:ln>
+        </p:spPr>
+        <p:txBody>
+          <a:bodyPr lIns="90000" rIns="90000" tIns="45000" bIns="45000" anchor="t">
+            <a:noAutofit/>
+          </a:bodyPr>
+          <a:p>
+            <a:r>
+              <a:rPr b="0" lang="en-US" sz="1600" spc="-1" strike="noStrike">
+                <a:latin typeface="Arial"/>
+              </a:rPr>
+              <a:t>Twist msg</a:t>
+            </a:r>
+            <a:endParaRPr b="0" lang="en-US" sz="1600" spc="-1" strike="noStrike">
+              <a:latin typeface="Arial"/>
+            </a:endParaRPr>
+          </a:p>
+        </p:txBody>
+      </p:sp>
+      <p:sp>
+        <p:nvSpPr>
+          <p:cNvPr id="105" name=""/>
+          <p:cNvSpPr/>
+          <p:nvPr/>
+        </p:nvSpPr>
+        <p:spPr>
+          <a:xfrm flipV="1">
+            <a:off x="6172200" y="2286000"/>
+            <a:ext cx="228600" cy="902520"/>
+          </a:xfrm>
+          <a:prstGeom prst="line">
+            <a:avLst/>
+          </a:prstGeom>
+          <a:ln w="0">
+            <a:solidFill>
+              <a:srgbClr val="3465a4"/>
+            </a:solidFill>
+          </a:ln>
+        </p:spPr>
+        <p:style>
+          <a:lnRef idx="0"/>
+          <a:fillRef idx="0"/>
+          <a:effectRef idx="0"/>
+          <a:fontRef idx="minor"/>
+        </p:style>
       </p:sp>
     </p:spTree>
   </p:cSld>
@@ -7375,7 +6869,7 @@
       </p:grpSpPr>
       <p:pic>
         <p:nvPicPr>
-          <p:cNvPr id="103" name="Grafik 6" descr="Ein Bild, das Screenshot, Design enthält.&#10;&#10;Automatisch generierte Beschreibung"/>
+          <p:cNvPr id="106" name="Grafik 6" descr="Ein Bild, das Screenshot, Design enthält.&#10;&#10;Automatisch generierte Beschreibung"/>
           <p:cNvPicPr/>
           <p:nvPr/>
         </p:nvPicPr>
@@ -7386,7 +6880,7 @@
         <p:spPr>
           <a:xfrm>
             <a:off x="0" y="660240"/>
-            <a:ext cx="12191760" cy="5536800"/>
+            <a:ext cx="12191400" cy="5536440"/>
           </a:xfrm>
           <a:prstGeom prst="rect">
             <a:avLst/>
@@ -7428,7 +6922,7 @@
       </p:grpSpPr>
       <p:pic>
         <p:nvPicPr>
-          <p:cNvPr id="104" name="Grafik 4" descr="Ein Bild, das Text, Screenshot, Diagramm, Reihe enthält.&#10;&#10;Automatisch generierte Beschreibung"/>
+          <p:cNvPr id="107" name="Grafik 4" descr="Ein Bild, das Text, Screenshot, Diagramm, Reihe enthält.&#10;&#10;Automatisch generierte Beschreibung"/>
           <p:cNvPicPr/>
           <p:nvPr/>
         </p:nvPicPr>
@@ -7439,7 +6933,7 @@
         <p:spPr>
           <a:xfrm>
             <a:off x="0" y="2880"/>
-            <a:ext cx="12191760" cy="6852240"/>
+            <a:ext cx="12191400" cy="6851880"/>
           </a:xfrm>
           <a:prstGeom prst="rect">
             <a:avLst/>
@@ -7481,7 +6975,7 @@
       </p:grpSpPr>
       <p:pic>
         <p:nvPicPr>
-          <p:cNvPr id="105" name="Inhaltsplatzhalter 4" descr="Ein Bild, das Text, Screenshot, Software, Multimedia-Software enthält.&#10;&#10;Automatisch generierte Beschreibung"/>
+          <p:cNvPr id="108" name="Inhaltsplatzhalter 4" descr="Ein Bild, das Text, Screenshot, Software, Multimedia-Software enthält.&#10;&#10;Automatisch generierte Beschreibung"/>
           <p:cNvPicPr/>
           <p:nvPr/>
         </p:nvPicPr>
@@ -7492,7 +6986,7 @@
         <p:spPr>
           <a:xfrm>
             <a:off x="1414800" y="609480"/>
-            <a:ext cx="10011240" cy="4652640"/>
+            <a:ext cx="10010880" cy="4652280"/>
           </a:xfrm>
           <a:prstGeom prst="rect">
             <a:avLst/>
@@ -7534,7 +7028,7 @@
       </p:grpSpPr>
       <p:pic>
         <p:nvPicPr>
-          <p:cNvPr id="106" name="Grafik 1" descr="Ein Bild, das Elektronik, Text, Screenshot, Fahren enthält.&#10;&#10;Automatisch generierte Beschreibung"/>
+          <p:cNvPr id="109" name="Grafik 1" descr="Ein Bild, das Elektronik, Text, Screenshot, Fahren enthält.&#10;&#10;Automatisch generierte Beschreibung"/>
           <p:cNvPicPr/>
           <p:nvPr/>
         </p:nvPicPr>
@@ -7545,7 +7039,7 @@
         <p:spPr>
           <a:xfrm>
             <a:off x="4467240" y="0"/>
-            <a:ext cx="3257280" cy="6857640"/>
+            <a:ext cx="3256920" cy="6857280"/>
           </a:xfrm>
           <a:prstGeom prst="rect">
             <a:avLst/>
@@ -7557,7 +7051,7 @@
       </p:pic>
       <p:pic>
         <p:nvPicPr>
-          <p:cNvPr id="107" name="Grafik 7" descr="Ein Bild, das Text, Screenshot, Schrift, Diagramm enthält.&#10;&#10;Automatisch generierte Beschreibung"/>
+          <p:cNvPr id="110" name="Grafik 2" descr="Ein Bild, das Text, Screenshot, Schrift, Diagramm enthält.&#10;&#10;Automatisch generierte Beschreibung"/>
           <p:cNvPicPr/>
           <p:nvPr/>
         </p:nvPicPr>
@@ -7568,7 +7062,7 @@
         <p:spPr>
           <a:xfrm>
             <a:off x="7724880" y="0"/>
-            <a:ext cx="3257280" cy="6857640"/>
+            <a:ext cx="3256920" cy="6857280"/>
           </a:xfrm>
           <a:prstGeom prst="rect">
             <a:avLst/>

--- a/images/ROS_Web_App_Architecture.pptx
+++ b/images/ROS_Web_App_Architecture.pptx
@@ -68,7 +68,7 @@
         <p:txBody>
           <a:bodyPr/>
           <a:p>
-            <a:fld id="{6F975628-BBF1-4727-A630-18B74ADD9AF7}" type="slidenum">
+            <a:fld id="{E801ED15-177E-40C7-9DDA-52EED645BBFB}" type="slidenum">
               <a:t>&lt;#&gt;</a:t>
             </a:fld>
           </a:p>
@@ -256,7 +256,7 @@
         <p:txBody>
           <a:bodyPr/>
           <a:p>
-            <a:fld id="{13FFEBA8-78C6-4A10-9EE8-A494BFE4C0A9}" type="slidenum">
+            <a:fld id="{42352AC7-F83B-4E74-B0B3-D197C610C472}" type="slidenum">
               <a:t>&lt;#&gt;</a:t>
             </a:fld>
           </a:p>
@@ -512,7 +512,7 @@
         <p:txBody>
           <a:bodyPr/>
           <a:p>
-            <a:fld id="{4E86AF53-A6B1-4055-8501-0F0784530B4E}" type="slidenum">
+            <a:fld id="{F5EEE1F5-4508-42AE-A0FD-BFB5045B7C73}" type="slidenum">
               <a:t>&lt;#&gt;</a:t>
             </a:fld>
           </a:p>
@@ -836,7 +836,7 @@
         <p:txBody>
           <a:bodyPr/>
           <a:p>
-            <a:fld id="{45BDBD91-AA2A-4E1B-A953-318385BE8BF1}" type="slidenum">
+            <a:fld id="{8A1F0118-0A21-439A-BF20-6FBDB9D09347}" type="slidenum">
               <a:t>&lt;#&gt;</a:t>
             </a:fld>
           </a:p>
@@ -919,7 +919,7 @@
         <p:txBody>
           <a:bodyPr/>
           <a:p>
-            <a:fld id="{7C4B0E3D-E98C-46E3-9559-12CC1752713A}" type="slidenum">
+            <a:fld id="{98D3E422-A906-4F8C-83CF-9C1CBE05D128}" type="slidenum">
               <a:t>&lt;#&gt;</a:t>
             </a:fld>
           </a:p>
@@ -1076,7 +1076,7 @@
         <p:txBody>
           <a:bodyPr/>
           <a:p>
-            <a:fld id="{37BDE20C-DA69-430E-A980-9F0EC92E0DE5}" type="slidenum">
+            <a:fld id="{9C55A095-44F7-4487-9B6A-61132F154144}" type="slidenum">
               <a:t>&lt;#&gt;</a:t>
             </a:fld>
           </a:p>
@@ -1230,7 +1230,7 @@
         <p:txBody>
           <a:bodyPr/>
           <a:p>
-            <a:fld id="{476182AA-6832-4C1A-B950-06B81CB4D151}" type="slidenum">
+            <a:fld id="{9BB98C36-2CA1-4550-B0CC-6F5A96E09CE4}" type="slidenum">
               <a:t>&lt;#&gt;</a:t>
             </a:fld>
           </a:p>
@@ -1418,7 +1418,7 @@
         <p:txBody>
           <a:bodyPr/>
           <a:p>
-            <a:fld id="{00C61D4E-CCCD-4E7E-9186-049080BC27CE}" type="slidenum">
+            <a:fld id="{7C510A43-FC4C-4367-922E-8627A56262C9}" type="slidenum">
               <a:t>&lt;#&gt;</a:t>
             </a:fld>
           </a:p>
@@ -1538,7 +1538,7 @@
         <p:txBody>
           <a:bodyPr/>
           <a:p>
-            <a:fld id="{6C41555E-8218-4222-B363-B8773EB88CE0}" type="slidenum">
+            <a:fld id="{18CCED52-1CA4-4F8D-B73A-B053A8C14934}" type="slidenum">
               <a:t>&lt;#&gt;</a:t>
             </a:fld>
           </a:p>
@@ -1658,7 +1658,7 @@
         <p:txBody>
           <a:bodyPr/>
           <a:p>
-            <a:fld id="{03FB1E9D-BD78-43B6-B42F-E090EAE96137}" type="slidenum">
+            <a:fld id="{B53B6ECF-CE3E-4B37-BC2A-93324F220433}" type="slidenum">
               <a:t>&lt;#&gt;</a:t>
             </a:fld>
           </a:p>
@@ -1880,7 +1880,7 @@
         <p:txBody>
           <a:bodyPr/>
           <a:p>
-            <a:fld id="{6894A680-6E09-448C-BA22-61A14A64E8B6}" type="slidenum">
+            <a:fld id="{F7FEF6B8-96B3-49C5-85AB-58DC5A745ADA}" type="slidenum">
               <a:t>&lt;#&gt;</a:t>
             </a:fld>
           </a:p>
@@ -2037,7 +2037,7 @@
         <p:txBody>
           <a:bodyPr/>
           <a:p>
-            <a:fld id="{2F995F7C-5011-4CD8-9A39-009EE7D48B5C}" type="slidenum">
+            <a:fld id="{39576072-1B25-4DBA-AED8-41478A4DEC7A}" type="slidenum">
               <a:t>&lt;#&gt;</a:t>
             </a:fld>
           </a:p>
@@ -2259,7 +2259,7 @@
         <p:txBody>
           <a:bodyPr/>
           <a:p>
-            <a:fld id="{3823623B-7457-4361-8869-953EE03CA21C}" type="slidenum">
+            <a:fld id="{0BB0013C-DD31-4D8C-ACFB-B1E5CB29F5BF}" type="slidenum">
               <a:t>&lt;#&gt;</a:t>
             </a:fld>
           </a:p>
@@ -2481,7 +2481,7 @@
         <p:txBody>
           <a:bodyPr/>
           <a:p>
-            <a:fld id="{93820A22-6561-4C6F-8083-33DF2BA841CE}" type="slidenum">
+            <a:fld id="{64AEFACE-F437-4440-AB23-5E4ABAB8FA1B}" type="slidenum">
               <a:t>&lt;#&gt;</a:t>
             </a:fld>
           </a:p>
@@ -2669,7 +2669,7 @@
         <p:txBody>
           <a:bodyPr/>
           <a:p>
-            <a:fld id="{412FD833-85D3-4019-A271-B1C3F39E2447}" type="slidenum">
+            <a:fld id="{0340F9F4-1823-45E1-BC4B-975B5B8E195B}" type="slidenum">
               <a:t>&lt;#&gt;</a:t>
             </a:fld>
           </a:p>
@@ -2925,7 +2925,7 @@
         <p:txBody>
           <a:bodyPr/>
           <a:p>
-            <a:fld id="{C1E129D9-C14E-422E-B247-EDE88A5848ED}" type="slidenum">
+            <a:fld id="{22E1FE8E-684E-4E9D-AA8C-9B4F52065C56}" type="slidenum">
               <a:t>&lt;#&gt;</a:t>
             </a:fld>
           </a:p>
@@ -3249,7 +3249,7 @@
         <p:txBody>
           <a:bodyPr/>
           <a:p>
-            <a:fld id="{B5A47C47-2B33-426F-BEE7-858E76F7B3D7}" type="slidenum">
+            <a:fld id="{7F14749C-D184-4A03-9CED-78FABCEF1DDE}" type="slidenum">
               <a:t>&lt;#&gt;</a:t>
             </a:fld>
           </a:p>
@@ -3403,7 +3403,7 @@
         <p:txBody>
           <a:bodyPr/>
           <a:p>
-            <a:fld id="{D44645C9-707C-4501-ACF3-FD28A5A8875F}" type="slidenum">
+            <a:fld id="{6231E298-4A5B-49F3-8486-4F09E2E3C3E1}" type="slidenum">
               <a:t>&lt;#&gt;</a:t>
             </a:fld>
           </a:p>
@@ -3591,7 +3591,7 @@
         <p:txBody>
           <a:bodyPr/>
           <a:p>
-            <a:fld id="{F7D688D7-4B33-4291-ABBA-B883429CCC0F}" type="slidenum">
+            <a:fld id="{2E490A5E-0CF1-44E5-9988-040A4678DF61}" type="slidenum">
               <a:t>&lt;#&gt;</a:t>
             </a:fld>
           </a:p>
@@ -3711,7 +3711,7 @@
         <p:txBody>
           <a:bodyPr/>
           <a:p>
-            <a:fld id="{A8297EA5-8615-4803-9327-878982A1B90A}" type="slidenum">
+            <a:fld id="{CE5F715D-7BF7-47A5-A8B9-01A55C61E0F2}" type="slidenum">
               <a:t>&lt;#&gt;</a:t>
             </a:fld>
           </a:p>
@@ -3831,7 +3831,7 @@
         <p:txBody>
           <a:bodyPr/>
           <a:p>
-            <a:fld id="{1DA17C14-7BA9-4D4A-941C-A8DB7374B715}" type="slidenum">
+            <a:fld id="{F9A6675D-EA09-43E0-8F17-7C74320FDF62}" type="slidenum">
               <a:t>&lt;#&gt;</a:t>
             </a:fld>
           </a:p>
@@ -4053,7 +4053,7 @@
         <p:txBody>
           <a:bodyPr/>
           <a:p>
-            <a:fld id="{8B717F0B-4B55-49A6-A5D7-BCC0251E811C}" type="slidenum">
+            <a:fld id="{C7E64973-8C58-4F65-AF20-08D2D46AEC39}" type="slidenum">
               <a:t>&lt;#&gt;</a:t>
             </a:fld>
           </a:p>
@@ -4275,7 +4275,7 @@
         <p:txBody>
           <a:bodyPr/>
           <a:p>
-            <a:fld id="{8F53A44C-CFFA-44FF-96A1-828F0F46298B}" type="slidenum">
+            <a:fld id="{98436DA6-1258-4A9B-825C-7F20A2EA445B}" type="slidenum">
               <a:t>&lt;#&gt;</a:t>
             </a:fld>
           </a:p>
@@ -4497,7 +4497,7 @@
         <p:txBody>
           <a:bodyPr/>
           <a:p>
-            <a:fld id="{A26A5628-E71B-442B-B3F8-9DBEB19296B5}" type="slidenum">
+            <a:fld id="{3FADA5D0-3CB9-4D11-AE98-2152F61754D2}" type="slidenum">
               <a:t>&lt;#&gt;</a:t>
             </a:fld>
           </a:p>
@@ -4565,8 +4565,8 @@
         </p:nvSpPr>
         <p:spPr>
           <a:xfrm>
-            <a:off x="838080" y="365040"/>
-            <a:ext cx="10514880" cy="1324800"/>
+            <a:off x="609480" y="273600"/>
+            <a:ext cx="10972080" cy="1144440"/>
           </a:xfrm>
           <a:prstGeom prst="rect">
             <a:avLst/>
@@ -4618,13 +4618,196 @@
             <a:spLocks noGrp="1"/>
           </p:cNvSpPr>
           <p:nvPr>
+            <p:ph type="body"/>
+          </p:nvPr>
+        </p:nvSpPr>
+        <p:spPr>
+          <a:xfrm>
+            <a:off x="609480" y="1604520"/>
+            <a:ext cx="10972080" cy="3976920"/>
+          </a:xfrm>
+          <a:prstGeom prst="rect">
+            <a:avLst/>
+          </a:prstGeom>
+          <a:noFill/>
+          <a:ln w="0">
+            <a:noFill/>
+          </a:ln>
+        </p:spPr>
+        <p:txBody>
+          <a:bodyPr lIns="0" rIns="0" tIns="0" bIns="0" anchor="t">
+            <a:normAutofit/>
+          </a:bodyPr>
+          <a:p>
+            <a:pPr marL="432000" indent="-324000">
+              <a:spcBef>
+                <a:spcPts val="1417"/>
+              </a:spcBef>
+              <a:buClr>
+                <a:srgbClr val="000000"/>
+              </a:buClr>
+              <a:buSzPct val="45000"/>
+              <a:buFont typeface="Wingdings" charset="2"/>
+              <a:buChar char=""/>
+            </a:pPr>
+            <a:r>
+              <a:rPr b="0" lang="en-US" sz="1800" spc="-1" strike="noStrike">
+                <a:latin typeface="Arial"/>
+              </a:rPr>
+              <a:t>Click to edit the outline text format</a:t>
+            </a:r>
+            <a:endParaRPr b="0" lang="en-US" sz="1800" spc="-1" strike="noStrike">
+              <a:latin typeface="Arial"/>
+            </a:endParaRPr>
+          </a:p>
+          <a:p>
+            <a:pPr lvl="1" marL="864000" indent="-324000">
+              <a:spcBef>
+                <a:spcPts val="1134"/>
+              </a:spcBef>
+              <a:buClr>
+                <a:srgbClr val="000000"/>
+              </a:buClr>
+              <a:buSzPct val="75000"/>
+              <a:buFont typeface="Symbol" charset="2"/>
+              <a:buChar char=""/>
+            </a:pPr>
+            <a:r>
+              <a:rPr b="0" lang="en-US" sz="1800" spc="-1" strike="noStrike">
+                <a:latin typeface="Arial"/>
+              </a:rPr>
+              <a:t>Second Outline Level</a:t>
+            </a:r>
+            <a:endParaRPr b="0" lang="en-US" sz="1800" spc="-1" strike="noStrike">
+              <a:latin typeface="Arial"/>
+            </a:endParaRPr>
+          </a:p>
+          <a:p>
+            <a:pPr lvl="2" marL="1296000" indent="-288000">
+              <a:spcBef>
+                <a:spcPts val="850"/>
+              </a:spcBef>
+              <a:buClr>
+                <a:srgbClr val="000000"/>
+              </a:buClr>
+              <a:buSzPct val="45000"/>
+              <a:buFont typeface="Wingdings" charset="2"/>
+              <a:buChar char=""/>
+            </a:pPr>
+            <a:r>
+              <a:rPr b="0" lang="en-US" sz="1800" spc="-1" strike="noStrike">
+                <a:latin typeface="Arial"/>
+              </a:rPr>
+              <a:t>Third Outline Level</a:t>
+            </a:r>
+            <a:endParaRPr b="0" lang="en-US" sz="1800" spc="-1" strike="noStrike">
+              <a:latin typeface="Arial"/>
+            </a:endParaRPr>
+          </a:p>
+          <a:p>
+            <a:pPr lvl="3" marL="1728000" indent="-216000">
+              <a:spcBef>
+                <a:spcPts val="567"/>
+              </a:spcBef>
+              <a:buClr>
+                <a:srgbClr val="000000"/>
+              </a:buClr>
+              <a:buSzPct val="75000"/>
+              <a:buFont typeface="Symbol" charset="2"/>
+              <a:buChar char=""/>
+            </a:pPr>
+            <a:r>
+              <a:rPr b="0" lang="en-US" sz="1800" spc="-1" strike="noStrike">
+                <a:latin typeface="Arial"/>
+              </a:rPr>
+              <a:t>Fourth Outline Level</a:t>
+            </a:r>
+            <a:endParaRPr b="0" lang="en-US" sz="1800" spc="-1" strike="noStrike">
+              <a:latin typeface="Arial"/>
+            </a:endParaRPr>
+          </a:p>
+          <a:p>
+            <a:pPr lvl="4" marL="2160000" indent="-216000">
+              <a:spcBef>
+                <a:spcPts val="283"/>
+              </a:spcBef>
+              <a:buClr>
+                <a:srgbClr val="000000"/>
+              </a:buClr>
+              <a:buSzPct val="45000"/>
+              <a:buFont typeface="Wingdings" charset="2"/>
+              <a:buChar char=""/>
+            </a:pPr>
+            <a:r>
+              <a:rPr b="0" lang="en-US" sz="1800" spc="-1" strike="noStrike">
+                <a:latin typeface="Arial"/>
+              </a:rPr>
+              <a:t>Fifth Outline Level</a:t>
+            </a:r>
+            <a:endParaRPr b="0" lang="en-US" sz="1800" spc="-1" strike="noStrike">
+              <a:latin typeface="Arial"/>
+            </a:endParaRPr>
+          </a:p>
+          <a:p>
+            <a:pPr lvl="5" marL="2592000" indent="-216000">
+              <a:spcBef>
+                <a:spcPts val="283"/>
+              </a:spcBef>
+              <a:buClr>
+                <a:srgbClr val="000000"/>
+              </a:buClr>
+              <a:buSzPct val="45000"/>
+              <a:buFont typeface="Wingdings" charset="2"/>
+              <a:buChar char=""/>
+            </a:pPr>
+            <a:r>
+              <a:rPr b="0" lang="en-US" sz="1800" spc="-1" strike="noStrike">
+                <a:latin typeface="Arial"/>
+              </a:rPr>
+              <a:t>Sixth Outline Level</a:t>
+            </a:r>
+            <a:endParaRPr b="0" lang="en-US" sz="1800" spc="-1" strike="noStrike">
+              <a:latin typeface="Arial"/>
+            </a:endParaRPr>
+          </a:p>
+          <a:p>
+            <a:pPr lvl="6" marL="3024000" indent="-216000">
+              <a:spcBef>
+                <a:spcPts val="283"/>
+              </a:spcBef>
+              <a:buClr>
+                <a:srgbClr val="000000"/>
+              </a:buClr>
+              <a:buSzPct val="45000"/>
+              <a:buFont typeface="Wingdings" charset="2"/>
+              <a:buChar char=""/>
+            </a:pPr>
+            <a:r>
+              <a:rPr b="0" lang="en-US" sz="1800" spc="-1" strike="noStrike">
+                <a:latin typeface="Arial"/>
+              </a:rPr>
+              <a:t>Seventh Outline Level</a:t>
+            </a:r>
+            <a:endParaRPr b="0" lang="en-US" sz="1800" spc="-1" strike="noStrike">
+              <a:latin typeface="Arial"/>
+            </a:endParaRPr>
+          </a:p>
+        </p:txBody>
+      </p:sp>
+      <p:sp>
+        <p:nvSpPr>
+          <p:cNvPr id="2" name="PlaceHolder 3"/>
+          <p:cNvSpPr>
+            <a:spLocks noGrp="1"/>
+          </p:cNvSpPr>
+          <p:nvPr>
             <p:ph type="ftr" idx="1"/>
           </p:nvPr>
         </p:nvSpPr>
         <p:spPr>
           <a:xfrm>
             <a:off x="4038480" y="6356520"/>
-            <a:ext cx="4114080" cy="364320"/>
+            <a:ext cx="4113720" cy="363960"/>
           </a:xfrm>
           <a:prstGeom prst="rect">
             <a:avLst/>
@@ -4670,7 +4853,7 @@
       </p:sp>
       <p:sp>
         <p:nvSpPr>
-          <p:cNvPr id="2" name="PlaceHolder 3"/>
+          <p:cNvPr id="3" name="PlaceHolder 4"/>
           <p:cNvSpPr>
             <a:spLocks noGrp="1"/>
           </p:cNvSpPr>
@@ -4681,7 +4864,7 @@
         <p:spPr>
           <a:xfrm>
             <a:off x="8610480" y="6356520"/>
-            <a:ext cx="2742480" cy="364320"/>
+            <a:ext cx="2742120" cy="363960"/>
           </a:xfrm>
           <a:prstGeom prst="rect">
             <a:avLst/>
@@ -4716,7 +4899,7 @@
               </a:lnSpc>
               <a:buNone/>
             </a:pPr>
-            <a:fld id="{37E27587-FE4D-4F54-901E-E0613E4E8AA4}" type="slidenum">
+            <a:fld id="{7D8C272D-3917-47B8-8AF9-0C7DF8FC1D9A}" type="slidenum">
               <a:rPr b="0" lang="de-DE" sz="1200" spc="-1" strike="noStrike">
                 <a:solidFill>
                   <a:srgbClr val="787878"/>
@@ -4733,7 +4916,7 @@
       </p:sp>
       <p:sp>
         <p:nvSpPr>
-          <p:cNvPr id="3" name="PlaceHolder 4"/>
+          <p:cNvPr id="4" name="PlaceHolder 5"/>
           <p:cNvSpPr>
             <a:spLocks noGrp="1"/>
           </p:cNvSpPr>
@@ -4744,7 +4927,7 @@
         <p:spPr>
           <a:xfrm>
             <a:off x="838080" y="6356520"/>
-            <a:ext cx="2742480" cy="364320"/>
+            <a:ext cx="2742120" cy="363960"/>
           </a:xfrm>
           <a:prstGeom prst="rect">
             <a:avLst/>
@@ -4774,189 +4957,6 @@
             </a:r>
             <a:endParaRPr b="0" lang="en-US" sz="1400" spc="-1" strike="noStrike">
               <a:latin typeface="Times New Roman"/>
-            </a:endParaRPr>
-          </a:p>
-        </p:txBody>
-      </p:sp>
-      <p:sp>
-        <p:nvSpPr>
-          <p:cNvPr id="4" name="PlaceHolder 5"/>
-          <p:cNvSpPr>
-            <a:spLocks noGrp="1"/>
-          </p:cNvSpPr>
-          <p:nvPr>
-            <p:ph type="body"/>
-          </p:nvPr>
-        </p:nvSpPr>
-        <p:spPr>
-          <a:xfrm>
-            <a:off x="609480" y="1604520"/>
-            <a:ext cx="10972440" cy="3977280"/>
-          </a:xfrm>
-          <a:prstGeom prst="rect">
-            <a:avLst/>
-          </a:prstGeom>
-          <a:noFill/>
-          <a:ln w="0">
-            <a:noFill/>
-          </a:ln>
-        </p:spPr>
-        <p:txBody>
-          <a:bodyPr lIns="0" rIns="0" tIns="0" bIns="0" anchor="t">
-            <a:normAutofit/>
-          </a:bodyPr>
-          <a:p>
-            <a:pPr marL="432000" indent="-324000">
-              <a:spcBef>
-                <a:spcPts val="1417"/>
-              </a:spcBef>
-              <a:buClr>
-                <a:srgbClr val="000000"/>
-              </a:buClr>
-              <a:buSzPct val="45000"/>
-              <a:buFont typeface="Wingdings" charset="2"/>
-              <a:buChar char=""/>
-            </a:pPr>
-            <a:r>
-              <a:rPr b="0" lang="en-US" sz="3200" spc="-1" strike="noStrike">
-                <a:latin typeface="Arial"/>
-              </a:rPr>
-              <a:t>Click to edit the outline text format</a:t>
-            </a:r>
-            <a:endParaRPr b="0" lang="en-US" sz="3200" spc="-1" strike="noStrike">
-              <a:latin typeface="Arial"/>
-            </a:endParaRPr>
-          </a:p>
-          <a:p>
-            <a:pPr lvl="1" marL="864000" indent="-324000">
-              <a:spcBef>
-                <a:spcPts val="1134"/>
-              </a:spcBef>
-              <a:buClr>
-                <a:srgbClr val="000000"/>
-              </a:buClr>
-              <a:buSzPct val="75000"/>
-              <a:buFont typeface="Symbol" charset="2"/>
-              <a:buChar char=""/>
-            </a:pPr>
-            <a:r>
-              <a:rPr b="0" lang="en-US" sz="2800" spc="-1" strike="noStrike">
-                <a:latin typeface="Arial"/>
-              </a:rPr>
-              <a:t>Second Outline Level</a:t>
-            </a:r>
-            <a:endParaRPr b="0" lang="en-US" sz="2800" spc="-1" strike="noStrike">
-              <a:latin typeface="Arial"/>
-            </a:endParaRPr>
-          </a:p>
-          <a:p>
-            <a:pPr lvl="2" marL="1296000" indent="-288000">
-              <a:spcBef>
-                <a:spcPts val="850"/>
-              </a:spcBef>
-              <a:buClr>
-                <a:srgbClr val="000000"/>
-              </a:buClr>
-              <a:buSzPct val="45000"/>
-              <a:buFont typeface="Wingdings" charset="2"/>
-              <a:buChar char=""/>
-            </a:pPr>
-            <a:r>
-              <a:rPr b="0" lang="en-US" sz="2400" spc="-1" strike="noStrike">
-                <a:latin typeface="Arial"/>
-              </a:rPr>
-              <a:t>Third Outline Level</a:t>
-            </a:r>
-            <a:endParaRPr b="0" lang="en-US" sz="2400" spc="-1" strike="noStrike">
-              <a:latin typeface="Arial"/>
-            </a:endParaRPr>
-          </a:p>
-          <a:p>
-            <a:pPr lvl="3" marL="1728000" indent="-216000">
-              <a:spcBef>
-                <a:spcPts val="567"/>
-              </a:spcBef>
-              <a:buClr>
-                <a:srgbClr val="000000"/>
-              </a:buClr>
-              <a:buSzPct val="75000"/>
-              <a:buFont typeface="Symbol" charset="2"/>
-              <a:buChar char=""/>
-            </a:pPr>
-            <a:r>
-              <a:rPr b="0" lang="en-US" sz="2000" spc="-1" strike="noStrike">
-                <a:latin typeface="Arial"/>
-              </a:rPr>
-              <a:t>Fourth Outline Level</a:t>
-            </a:r>
-            <a:endParaRPr b="0" lang="en-US" sz="2000" spc="-1" strike="noStrike">
-              <a:latin typeface="Arial"/>
-            </a:endParaRPr>
-          </a:p>
-          <a:p>
-            <a:pPr lvl="4" marL="2160000" indent="-216000">
-              <a:spcBef>
-                <a:spcPts val="283"/>
-              </a:spcBef>
-              <a:buClr>
-                <a:srgbClr val="000000"/>
-              </a:buClr>
-              <a:buSzPct val="45000"/>
-              <a:buFont typeface="Wingdings" charset="2"/>
-              <a:buChar char=""/>
-            </a:pPr>
-            <a:r>
-              <a:rPr b="0" lang="en-US" sz="2000" spc="-1" strike="noStrike">
-                <a:latin typeface="Arial"/>
-              </a:rPr>
-              <a:t>Fifth Outline Level</a:t>
-            </a:r>
-            <a:endParaRPr b="0" lang="en-US" sz="2000" spc="-1" strike="noStrike">
-              <a:latin typeface="Arial"/>
-            </a:endParaRPr>
-          </a:p>
-          <a:p>
-            <a:pPr lvl="5" marL="2592000" indent="-216000">
-              <a:spcBef>
-                <a:spcPts val="283"/>
-              </a:spcBef>
-              <a:buClr>
-                <a:srgbClr val="000000"/>
-              </a:buClr>
-              <a:buSzPct val="45000"/>
-              <a:buFont typeface="Wingdings" charset="2"/>
-              <a:buChar char=""/>
-            </a:pPr>
-            <a:r>
-              <a:rPr b="0" lang="en-US" sz="2000" spc="-1" strike="noStrike">
-                <a:latin typeface="Arial"/>
-              </a:rPr>
-              <a:t>Sixth Outline Level</a:t>
-            </a:r>
-            <a:endParaRPr b="0" lang="en-US" sz="2000" spc="-1" strike="noStrike">
-              <a:latin typeface="Arial"/>
-            </a:endParaRPr>
-          </a:p>
-          <a:p>
-            <a:pPr lvl="6" marL="3024000" indent="-216000">
-              <a:spcBef>
-                <a:spcPts val="283"/>
-              </a:spcBef>
-              <a:buClr>
-                <a:srgbClr val="000000"/>
-              </a:buClr>
-              <a:buSzPct val="45000"/>
-              <a:buFont typeface="Wingdings" charset="2"/>
-              <a:buChar char=""/>
-            </a:pPr>
-            <a:r>
-              <a:rPr b="0" lang="en-US" sz="2000" spc="-1" strike="noStrike">
-                <a:latin typeface="Arial"/>
-              </a:rPr>
-              <a:t>Seventh Outline Level</a:t>
-            </a:r>
-            <a:endParaRPr b="0" lang="en-US" sz="2000" spc="-1" strike="noStrike">
-              <a:latin typeface="Arial"/>
             </a:endParaRPr>
           </a:p>
         </p:txBody>
@@ -5018,7 +5018,7 @@
         <p:spPr>
           <a:xfrm>
             <a:off x="4038480" y="6356520"/>
-            <a:ext cx="4114080" cy="364320"/>
+            <a:ext cx="4113720" cy="363960"/>
           </a:xfrm>
           <a:prstGeom prst="rect">
             <a:avLst/>
@@ -5075,7 +5075,7 @@
         <p:spPr>
           <a:xfrm>
             <a:off x="8610480" y="6356520"/>
-            <a:ext cx="2742480" cy="364320"/>
+            <a:ext cx="2742120" cy="363960"/>
           </a:xfrm>
           <a:prstGeom prst="rect">
             <a:avLst/>
@@ -5110,7 +5110,7 @@
               </a:lnSpc>
               <a:buNone/>
             </a:pPr>
-            <a:fld id="{0F604C37-A69A-4DE2-9FEA-B72E086F4182}" type="slidenum">
+            <a:fld id="{31E1993F-6F39-4DD4-8EEE-FCE1ADE8D5DD}" type="slidenum">
               <a:rPr b="0" lang="de-DE" sz="1200" spc="-1" strike="noStrike">
                 <a:solidFill>
                   <a:srgbClr val="787878"/>
@@ -5138,7 +5138,7 @@
         <p:spPr>
           <a:xfrm>
             <a:off x="838080" y="6356520"/>
-            <a:ext cx="2742480" cy="364320"/>
+            <a:ext cx="2742120" cy="363960"/>
           </a:xfrm>
           <a:prstGeom prst="rect">
             <a:avLst/>
@@ -5462,7 +5462,7 @@
         <p:spPr>
           <a:xfrm>
             <a:off x="115920" y="2356560"/>
-            <a:ext cx="1985760" cy="1665360"/>
+            <a:ext cx="1985400" cy="1665000"/>
           </a:xfrm>
           <a:prstGeom prst="rect">
             <a:avLst/>
@@ -5546,7 +5546,7 @@
         <p:spPr>
           <a:xfrm>
             <a:off x="3563640" y="384840"/>
-            <a:ext cx="1985760" cy="1640520"/>
+            <a:ext cx="1985400" cy="1640160"/>
           </a:xfrm>
           <a:prstGeom prst="rect">
             <a:avLst/>
@@ -5651,7 +5651,7 @@
         <p:spPr>
           <a:xfrm>
             <a:off x="6571440" y="2419560"/>
-            <a:ext cx="2151720" cy="1539360"/>
+            <a:ext cx="2151360" cy="1539000"/>
           </a:xfrm>
           <a:prstGeom prst="rect">
             <a:avLst/>
@@ -5735,7 +5735,7 @@
         <p:spPr>
           <a:xfrm>
             <a:off x="3563640" y="2545200"/>
-            <a:ext cx="1985760" cy="1287720"/>
+            <a:ext cx="1985400" cy="1287360"/>
           </a:xfrm>
           <a:prstGeom prst="rect">
             <a:avLst/>
@@ -5819,7 +5819,7 @@
         <p:spPr>
           <a:xfrm>
             <a:off x="9088920" y="2545200"/>
-            <a:ext cx="2617920" cy="1287720"/>
+            <a:ext cx="2617560" cy="1287360"/>
           </a:xfrm>
           <a:prstGeom prst="rect">
             <a:avLst/>
@@ -5955,7 +5955,7 @@
         <p:spPr>
           <a:xfrm>
             <a:off x="2979000" y="4137840"/>
-            <a:ext cx="3154680" cy="2186280"/>
+            <a:ext cx="3154320" cy="2185920"/>
           </a:xfrm>
           <a:prstGeom prst="rect">
             <a:avLst/>
@@ -6095,7 +6095,7 @@
         <p:spPr>
           <a:xfrm>
             <a:off x="2314440" y="222120"/>
-            <a:ext cx="9570600" cy="6466680"/>
+            <a:ext cx="9570240" cy="6466320"/>
           </a:xfrm>
           <a:prstGeom prst="rect">
             <a:avLst/>
@@ -6123,8 +6123,8 @@
         </p:nvSpPr>
         <p:spPr>
           <a:xfrm>
-            <a:off x="6574680" y="-43920"/>
-            <a:ext cx="1386720" cy="363960"/>
+            <a:off x="5981760" y="-43920"/>
+            <a:ext cx="2574000" cy="363960"/>
           </a:xfrm>
           <a:prstGeom prst="rect">
             <a:avLst/>
@@ -6159,7 +6159,7 @@
                 <a:latin typeface="Aptos"/>
                 <a:ea typeface="DejaVu Sans"/>
               </a:rPr>
-              <a:t>Husky PC</a:t>
+              <a:t>Husky Onboard PC</a:t>
             </a:r>
             <a:endParaRPr b="0" lang="en-US" sz="1800" spc="-1" strike="noStrike">
               <a:latin typeface="Arial"/>
@@ -6180,7 +6180,7 @@
         <p:spPr>
           <a:xfrm>
             <a:off x="9432360" y="340200"/>
-            <a:ext cx="2274480" cy="2071440"/>
+            <a:ext cx="2274120" cy="2071080"/>
           </a:xfrm>
           <a:prstGeom prst="rect">
             <a:avLst/>
@@ -6199,7 +6199,7 @@
         <p:spPr>
           <a:xfrm>
             <a:off x="4556520" y="2026080"/>
-            <a:ext cx="360" cy="518400"/>
+            <a:ext cx="360" cy="518040"/>
           </a:xfrm>
           <a:custGeom>
             <a:avLst/>
@@ -6253,8 +6253,8 @@
         </p:nvSpPr>
         <p:spPr>
           <a:xfrm flipV="1">
-            <a:off x="5549760" y="3188160"/>
-            <a:ext cx="1020960" cy="360"/>
+            <a:off x="5549760" y="3187440"/>
+            <a:ext cx="1020600" cy="360"/>
           </a:xfrm>
           <a:custGeom>
             <a:avLst/>
@@ -6309,8 +6309,8 @@
         </p:nvSpPr>
         <p:spPr>
           <a:xfrm flipV="1">
-            <a:off x="8723880" y="3188160"/>
-            <a:ext cx="364320" cy="360"/>
+            <a:off x="8723880" y="3187440"/>
+            <a:ext cx="363960" cy="360"/>
           </a:xfrm>
           <a:custGeom>
             <a:avLst/>
@@ -6366,7 +6366,7 @@
         <p:spPr>
           <a:xfrm>
             <a:off x="2738880" y="2253240"/>
-            <a:ext cx="3619440" cy="4406400"/>
+            <a:ext cx="3619080" cy="4406040"/>
           </a:xfrm>
           <a:prstGeom prst="roundRect">
             <a:avLst>
@@ -6397,8 +6397,8 @@
         </p:nvSpPr>
         <p:spPr>
           <a:xfrm flipH="1">
-            <a:off x="4555080" y="3833640"/>
-            <a:ext cx="360" cy="303480"/>
+            <a:off x="4554360" y="3833640"/>
+            <a:ext cx="360" cy="303120"/>
           </a:xfrm>
           <a:custGeom>
             <a:avLst/>
@@ -6506,7 +6506,7 @@
         <p:spPr>
           <a:xfrm>
             <a:off x="2102400" y="3189600"/>
-            <a:ext cx="1460520" cy="360"/>
+            <a:ext cx="1460160" cy="360"/>
           </a:xfrm>
           <a:custGeom>
             <a:avLst/>
@@ -6618,7 +6618,7 @@
         <p:spPr>
           <a:xfrm>
             <a:off x="9269640" y="4114800"/>
-            <a:ext cx="1194120" cy="2514240"/>
+            <a:ext cx="1193760" cy="2513880"/>
           </a:xfrm>
           <a:prstGeom prst="rect">
             <a:avLst/>
@@ -6641,7 +6641,7 @@
         <p:spPr>
           <a:xfrm>
             <a:off x="10464120" y="4114800"/>
-            <a:ext cx="1194120" cy="2514240"/>
+            <a:ext cx="1193760" cy="2513880"/>
           </a:xfrm>
           <a:prstGeom prst="rect">
             <a:avLst/>
@@ -6660,7 +6660,7 @@
         <p:spPr>
           <a:xfrm>
             <a:off x="6120000" y="1962720"/>
-            <a:ext cx="1195200" cy="456840"/>
+            <a:ext cx="1194840" cy="456480"/>
           </a:xfrm>
           <a:prstGeom prst="rect">
             <a:avLst/>
@@ -6689,7 +6689,11 @@
             </a:pPr>
             <a:r>
               <a:rPr b="0" lang="en-US" sz="1600" spc="-1" strike="noStrike">
+                <a:solidFill>
+                  <a:srgbClr val="000000"/>
+                </a:solidFill>
                 <a:latin typeface="Arial"/>
+                <a:ea typeface="DejaVu Sans"/>
               </a:rPr>
               <a:t>Twist msg</a:t>
             </a:r>
@@ -6707,8 +6711,8 @@
         </p:nvSpPr>
         <p:spPr>
           <a:xfrm>
-            <a:off x="8229600" y="2057400"/>
-            <a:ext cx="1195200" cy="456840"/>
+            <a:off x="8229600" y="1963080"/>
+            <a:ext cx="1194840" cy="456480"/>
           </a:xfrm>
           <a:prstGeom prst="rect">
             <a:avLst/>
@@ -6737,7 +6741,11 @@
             </a:pPr>
             <a:r>
               <a:rPr b="0" lang="en-US" sz="1600" spc="-1" strike="noStrike">
+                <a:solidFill>
+                  <a:srgbClr val="000000"/>
+                </a:solidFill>
                 <a:latin typeface="Arial"/>
+                <a:ea typeface="DejaVu Sans"/>
               </a:rPr>
               <a:t>Twist msg</a:t>
             </a:r>
@@ -6756,7 +6764,7 @@
         <p:spPr>
           <a:xfrm flipV="1">
             <a:off x="8915400" y="2274480"/>
-            <a:ext cx="0" cy="914400"/>
+            <a:ext cx="360" cy="914400"/>
           </a:xfrm>
           <a:prstGeom prst="line">
             <a:avLst/>
@@ -6777,27 +6785,39 @@
       <p:sp>
         <p:nvSpPr>
           <p:cNvPr id="104" name=""/>
-          <p:cNvSpPr txBox="1"/>
+          <p:cNvSpPr/>
           <p:nvPr/>
         </p:nvSpPr>
         <p:spPr>
           <a:xfrm>
             <a:off x="8288280" y="1969560"/>
-            <a:ext cx="1084320" cy="316440"/>
-          </a:xfrm>
-          <a:prstGeom prst="rect">
-            <a:avLst/>
-          </a:prstGeom>
-          <a:noFill/>
-          <a:ln w="0">
-            <a:noFill/>
-          </a:ln>
-        </p:spPr>
+            <a:ext cx="1083960" cy="316080"/>
+          </a:xfrm>
+          <a:prstGeom prst="rect">
+            <a:avLst/>
+          </a:prstGeom>
+          <a:noFill/>
+          <a:ln w="0">
+            <a:noFill/>
+          </a:ln>
+        </p:spPr>
+        <p:style>
+          <a:lnRef idx="0"/>
+          <a:fillRef idx="0"/>
+          <a:effectRef idx="0"/>
+          <a:fontRef idx="minor"/>
+        </p:style>
         <p:txBody>
           <a:bodyPr lIns="90000" rIns="90000" tIns="45000" bIns="45000" anchor="t">
             <a:noAutofit/>
           </a:bodyPr>
           <a:p>
+            <a:pPr>
+              <a:lnSpc>
+                <a:spcPct val="100000"/>
+              </a:lnSpc>
+              <a:buNone/>
+            </a:pPr>
             <a:r>
               <a:rPr b="0" lang="en-US" sz="1600" spc="-1" strike="noStrike">
                 <a:latin typeface="Arial"/>
@@ -6880,7 +6900,7 @@
         <p:spPr>
           <a:xfrm>
             <a:off x="0" y="660240"/>
-            <a:ext cx="12191400" cy="5536440"/>
+            <a:ext cx="12191040" cy="5536080"/>
           </a:xfrm>
           <a:prstGeom prst="rect">
             <a:avLst/>
@@ -6933,7 +6953,7 @@
         <p:spPr>
           <a:xfrm>
             <a:off x="0" y="2880"/>
-            <a:ext cx="12191400" cy="6851880"/>
+            <a:ext cx="12191040" cy="6851520"/>
           </a:xfrm>
           <a:prstGeom prst="rect">
             <a:avLst/>
@@ -6986,7 +7006,7 @@
         <p:spPr>
           <a:xfrm>
             <a:off x="1414800" y="609480"/>
-            <a:ext cx="10010880" cy="4652280"/>
+            <a:ext cx="10010520" cy="4651920"/>
           </a:xfrm>
           <a:prstGeom prst="rect">
             <a:avLst/>
@@ -7039,7 +7059,7 @@
         <p:spPr>
           <a:xfrm>
             <a:off x="4467240" y="0"/>
-            <a:ext cx="3256920" cy="6857280"/>
+            <a:ext cx="3256560" cy="6856920"/>
           </a:xfrm>
           <a:prstGeom prst="rect">
             <a:avLst/>
@@ -7051,7 +7071,7 @@
       </p:pic>
       <p:pic>
         <p:nvPicPr>
-          <p:cNvPr id="110" name="Grafik 2" descr="Ein Bild, das Text, Screenshot, Schrift, Diagramm enthält.&#10;&#10;Automatisch generierte Beschreibung"/>
+          <p:cNvPr id="110" name="Grafik 7" descr="Ein Bild, das Text, Screenshot, Schrift, Diagramm enthält.&#10;&#10;Automatisch generierte Beschreibung"/>
           <p:cNvPicPr/>
           <p:nvPr/>
         </p:nvPicPr>
@@ -7062,7 +7082,7 @@
         <p:spPr>
           <a:xfrm>
             <a:off x="7724880" y="0"/>
-            <a:ext cx="3256920" cy="6857280"/>
+            <a:ext cx="3256560" cy="6856920"/>
           </a:xfrm>
           <a:prstGeom prst="rect">
             <a:avLst/>
